--- a/2주차/Django 특강 2Weeks.pptx
+++ b/2주차/Django 특강 2Weeks.pptx
@@ -5,7 +5,7 @@
     <p:sldMasterId id="2147483648" r:id="rId1"/>
   </p:sldMasterIdLst>
   <p:notesMasterIdLst>
-    <p:notesMasterId r:id="rId25"/>
+    <p:notesMasterId r:id="rId32"/>
   </p:notesMasterIdLst>
   <p:sldIdLst>
     <p:sldId id="309" r:id="rId2"/>
@@ -20,17 +20,24 @@
     <p:sldId id="312" r:id="rId11"/>
     <p:sldId id="313" r:id="rId12"/>
     <p:sldId id="314" r:id="rId13"/>
-    <p:sldId id="323" r:id="rId14"/>
-    <p:sldId id="315" r:id="rId15"/>
-    <p:sldId id="291" r:id="rId16"/>
-    <p:sldId id="292" r:id="rId17"/>
-    <p:sldId id="327" r:id="rId18"/>
-    <p:sldId id="328" r:id="rId19"/>
-    <p:sldId id="329" r:id="rId20"/>
-    <p:sldId id="326" r:id="rId21"/>
-    <p:sldId id="293" r:id="rId22"/>
-    <p:sldId id="324" r:id="rId23"/>
-    <p:sldId id="325" r:id="rId24"/>
+    <p:sldId id="330" r:id="rId14"/>
+    <p:sldId id="323" r:id="rId15"/>
+    <p:sldId id="333" r:id="rId16"/>
+    <p:sldId id="334" r:id="rId17"/>
+    <p:sldId id="335" r:id="rId18"/>
+    <p:sldId id="338" r:id="rId19"/>
+    <p:sldId id="326" r:id="rId20"/>
+    <p:sldId id="336" r:id="rId21"/>
+    <p:sldId id="340" r:id="rId22"/>
+    <p:sldId id="339" r:id="rId23"/>
+    <p:sldId id="327" r:id="rId24"/>
+    <p:sldId id="328" r:id="rId25"/>
+    <p:sldId id="329" r:id="rId26"/>
+    <p:sldId id="331" r:id="rId27"/>
+    <p:sldId id="332" r:id="rId28"/>
+    <p:sldId id="293" r:id="rId29"/>
+    <p:sldId id="324" r:id="rId30"/>
+    <p:sldId id="325" r:id="rId31"/>
   </p:sldIdLst>
   <p:sldSz cx="12192000" cy="6858000"/>
   <p:notesSz cx="6858000" cy="9144000"/>
@@ -222,7 +229,7 @@
           <a:p>
             <a:fld id="{D18593AE-17C9-4469-ADBD-4E30A82FA45F}" type="datetimeFigureOut">
               <a:rPr lang="ko-KR" altLang="en-US" smtClean="0"/>
-              <a:t>2024-05-12</a:t>
+              <a:t>2024-05-14</a:t>
             </a:fld>
             <a:endParaRPr lang="ko-KR" altLang="en-US"/>
           </a:p>
@@ -726,7 +733,7 @@
           <a:p>
             <a:fld id="{D8FFBF95-5446-48C1-8106-2365475B8A3F}" type="datetimeFigureOut">
               <a:rPr lang="ko-KR" altLang="en-US" smtClean="0"/>
-              <a:t>2024-05-12</a:t>
+              <a:t>2024-05-14</a:t>
             </a:fld>
             <a:endParaRPr lang="ko-KR" altLang="en-US"/>
           </a:p>
@@ -984,7 +991,7 @@
           <a:p>
             <a:fld id="{D8FFBF95-5446-48C1-8106-2365475B8A3F}" type="datetimeFigureOut">
               <a:rPr lang="ko-KR" altLang="en-US" smtClean="0"/>
-              <a:t>2024-05-12</a:t>
+              <a:t>2024-05-14</a:t>
             </a:fld>
             <a:endParaRPr lang="ko-KR" altLang="en-US"/>
           </a:p>
@@ -1192,7 +1199,7 @@
           <a:p>
             <a:fld id="{D8FFBF95-5446-48C1-8106-2365475B8A3F}" type="datetimeFigureOut">
               <a:rPr lang="ko-KR" altLang="en-US" smtClean="0"/>
-              <a:t>2024-05-12</a:t>
+              <a:t>2024-05-14</a:t>
             </a:fld>
             <a:endParaRPr lang="ko-KR" altLang="en-US"/>
           </a:p>
@@ -1428,7 +1435,7 @@
           <a:p>
             <a:fld id="{D8FFBF95-5446-48C1-8106-2365475B8A3F}" type="datetimeFigureOut">
               <a:rPr lang="ko-KR" altLang="en-US" smtClean="0"/>
-              <a:t>2024-05-12</a:t>
+              <a:t>2024-05-14</a:t>
             </a:fld>
             <a:endParaRPr lang="ko-KR" altLang="en-US"/>
           </a:p>
@@ -1763,7 +1770,7 @@
           <a:p>
             <a:fld id="{D8FFBF95-5446-48C1-8106-2365475B8A3F}" type="datetimeFigureOut">
               <a:rPr lang="ko-KR" altLang="en-US" smtClean="0"/>
-              <a:t>2024-05-12</a:t>
+              <a:t>2024-05-14</a:t>
             </a:fld>
             <a:endParaRPr lang="ko-KR" altLang="en-US"/>
           </a:p>
@@ -2028,7 +2035,7 @@
           <a:p>
             <a:fld id="{D8FFBF95-5446-48C1-8106-2365475B8A3F}" type="datetimeFigureOut">
               <a:rPr lang="ko-KR" altLang="en-US" smtClean="0"/>
-              <a:t>2024-05-12</a:t>
+              <a:t>2024-05-14</a:t>
             </a:fld>
             <a:endParaRPr lang="ko-KR" altLang="en-US"/>
           </a:p>
@@ -2440,7 +2447,7 @@
           <a:p>
             <a:fld id="{D8FFBF95-5446-48C1-8106-2365475B8A3F}" type="datetimeFigureOut">
               <a:rPr lang="ko-KR" altLang="en-US" smtClean="0"/>
-              <a:t>2024-05-12</a:t>
+              <a:t>2024-05-14</a:t>
             </a:fld>
             <a:endParaRPr lang="ko-KR" altLang="en-US"/>
           </a:p>
@@ -2581,7 +2588,7 @@
           <a:p>
             <a:fld id="{D8FFBF95-5446-48C1-8106-2365475B8A3F}" type="datetimeFigureOut">
               <a:rPr lang="ko-KR" altLang="en-US" smtClean="0"/>
-              <a:t>2024-05-12</a:t>
+              <a:t>2024-05-14</a:t>
             </a:fld>
             <a:endParaRPr lang="ko-KR" altLang="en-US"/>
           </a:p>
@@ -2694,7 +2701,7 @@
           <a:p>
             <a:fld id="{D8FFBF95-5446-48C1-8106-2365475B8A3F}" type="datetimeFigureOut">
               <a:rPr lang="ko-KR" altLang="en-US" smtClean="0"/>
-              <a:t>2024-05-12</a:t>
+              <a:t>2024-05-14</a:t>
             </a:fld>
             <a:endParaRPr lang="ko-KR" altLang="en-US"/>
           </a:p>
@@ -3005,7 +3012,7 @@
           <a:p>
             <a:fld id="{D8FFBF95-5446-48C1-8106-2365475B8A3F}" type="datetimeFigureOut">
               <a:rPr lang="ko-KR" altLang="en-US" smtClean="0"/>
-              <a:t>2024-05-12</a:t>
+              <a:t>2024-05-14</a:t>
             </a:fld>
             <a:endParaRPr lang="ko-KR" altLang="en-US"/>
           </a:p>
@@ -3293,7 +3300,7 @@
           <a:p>
             <a:fld id="{D8FFBF95-5446-48C1-8106-2365475B8A3F}" type="datetimeFigureOut">
               <a:rPr lang="ko-KR" altLang="en-US" smtClean="0"/>
-              <a:t>2024-05-12</a:t>
+              <a:t>2024-05-14</a:t>
             </a:fld>
             <a:endParaRPr lang="ko-KR" altLang="en-US"/>
           </a:p>
@@ -3534,7 +3541,7 @@
           <a:p>
             <a:fld id="{D8FFBF95-5446-48C1-8106-2365475B8A3F}" type="datetimeFigureOut">
               <a:rPr lang="ko-KR" altLang="en-US" smtClean="0"/>
-              <a:t>2024-05-12</a:t>
+              <a:t>2024-05-14</a:t>
             </a:fld>
             <a:endParaRPr lang="ko-KR" altLang="en-US"/>
           </a:p>
@@ -4066,6 +4073,22 @@
               <a:rPr lang="en-US" altLang="ko-KR" dirty="0"/>
               <a:t>-</a:t>
             </a:r>
+            <a:r>
+              <a:rPr lang="ko-KR" altLang="en-US" dirty="0" err="1"/>
+              <a:t>요청받기</a:t>
+            </a:r>
+            <a:endParaRPr lang="en-US" altLang="ko-KR" dirty="0"/>
+          </a:p>
+          <a:p>
+            <a:pPr algn="l"/>
+            <a:r>
+              <a:rPr lang="en-US" altLang="ko-KR" dirty="0"/>
+              <a:t>-</a:t>
+            </a:r>
+            <a:r>
+              <a:rPr lang="ko-KR" altLang="en-US" dirty="0" err="1"/>
+              <a:t>응답받기</a:t>
+            </a:r>
             <a:endParaRPr lang="ko-KR" altLang="en-US" dirty="0"/>
           </a:p>
         </p:txBody>
@@ -4216,7 +4239,7 @@
         </p:blipFill>
         <p:spPr>
           <a:xfrm>
-            <a:off x="838200" y="3733622"/>
+            <a:off x="838199" y="3358065"/>
             <a:ext cx="10351732" cy="1433801"/>
           </a:xfrm>
           <a:prstGeom prst="rect">
@@ -4224,6 +4247,192 @@
           </a:prstGeom>
         </p:spPr>
       </p:pic>
+      <p:pic>
+        <p:nvPicPr>
+          <p:cNvPr id="3" name="그림 2">
+            <a:extLst>
+              <a:ext uri="{FF2B5EF4-FFF2-40B4-BE49-F238E27FC236}">
+                <a16:creationId xmlns:a16="http://schemas.microsoft.com/office/drawing/2014/main" id="{F8D3363B-8B5C-C53C-6A46-032D45915D6C}"/>
+              </a:ext>
+            </a:extLst>
+          </p:cNvPr>
+          <p:cNvPicPr>
+            <a:picLocks noChangeAspect="1"/>
+          </p:cNvPicPr>
+          <p:nvPr/>
+        </p:nvPicPr>
+        <p:blipFill>
+          <a:blip r:embed="rId2"/>
+          <a:stretch>
+            <a:fillRect/>
+          </a:stretch>
+        </p:blipFill>
+        <p:spPr>
+          <a:xfrm>
+            <a:off x="783772" y="5059074"/>
+            <a:ext cx="10351732" cy="1433801"/>
+          </a:xfrm>
+          <a:prstGeom prst="rect">
+            <a:avLst/>
+          </a:prstGeom>
+        </p:spPr>
+      </p:pic>
+      <p:sp>
+        <p:nvSpPr>
+          <p:cNvPr id="5" name="직사각형 4">
+            <a:extLst>
+              <a:ext uri="{FF2B5EF4-FFF2-40B4-BE49-F238E27FC236}">
+                <a16:creationId xmlns:a16="http://schemas.microsoft.com/office/drawing/2014/main" id="{5FE131A1-5FAF-63CC-4EEA-6B06DF761A51}"/>
+              </a:ext>
+            </a:extLst>
+          </p:cNvPr>
+          <p:cNvSpPr/>
+          <p:nvPr/>
+        </p:nvSpPr>
+        <p:spPr>
+          <a:xfrm>
+            <a:off x="3771900" y="5094514"/>
+            <a:ext cx="1551214" cy="288472"/>
+          </a:xfrm>
+          <a:prstGeom prst="rect">
+            <a:avLst/>
+          </a:prstGeom>
+          <a:noFill/>
+          <a:ln w="28575">
+            <a:solidFill>
+              <a:srgbClr val="FF0000"/>
+            </a:solidFill>
+          </a:ln>
+        </p:spPr>
+        <p:style>
+          <a:lnRef idx="2">
+            <a:schemeClr val="accent1">
+              <a:shade val="15000"/>
+            </a:schemeClr>
+          </a:lnRef>
+          <a:fillRef idx="1">
+            <a:schemeClr val="accent1"/>
+          </a:fillRef>
+          <a:effectRef idx="0">
+            <a:schemeClr val="accent1"/>
+          </a:effectRef>
+          <a:fontRef idx="minor">
+            <a:schemeClr val="lt1"/>
+          </a:fontRef>
+        </p:style>
+        <p:txBody>
+          <a:bodyPr rtlCol="0" anchor="ctr"/>
+          <a:lstStyle/>
+          <a:p>
+            <a:pPr algn="ctr"/>
+            <a:endParaRPr lang="ko-KR" altLang="en-US"/>
+          </a:p>
+        </p:txBody>
+      </p:sp>
+      <p:sp>
+        <p:nvSpPr>
+          <p:cNvPr id="6" name="직사각형 5">
+            <a:extLst>
+              <a:ext uri="{FF2B5EF4-FFF2-40B4-BE49-F238E27FC236}">
+                <a16:creationId xmlns:a16="http://schemas.microsoft.com/office/drawing/2014/main" id="{08CF6BD8-923F-D7EC-F4F2-55E3498BD43F}"/>
+              </a:ext>
+            </a:extLst>
+          </p:cNvPr>
+          <p:cNvSpPr/>
+          <p:nvPr/>
+        </p:nvSpPr>
+        <p:spPr>
+          <a:xfrm>
+            <a:off x="5459185" y="5094514"/>
+            <a:ext cx="451758" cy="288472"/>
+          </a:xfrm>
+          <a:prstGeom prst="rect">
+            <a:avLst/>
+          </a:prstGeom>
+          <a:noFill/>
+          <a:ln w="28575">
+            <a:solidFill>
+              <a:srgbClr val="FF0000"/>
+            </a:solidFill>
+          </a:ln>
+        </p:spPr>
+        <p:style>
+          <a:lnRef idx="2">
+            <a:schemeClr val="accent1">
+              <a:shade val="15000"/>
+            </a:schemeClr>
+          </a:lnRef>
+          <a:fillRef idx="1">
+            <a:schemeClr val="accent1"/>
+          </a:fillRef>
+          <a:effectRef idx="0">
+            <a:schemeClr val="accent1"/>
+          </a:effectRef>
+          <a:fontRef idx="minor">
+            <a:schemeClr val="lt1"/>
+          </a:fontRef>
+        </p:style>
+        <p:txBody>
+          <a:bodyPr rtlCol="0" anchor="ctr"/>
+          <a:lstStyle/>
+          <a:p>
+            <a:pPr algn="ctr"/>
+            <a:endParaRPr lang="ko-KR" altLang="en-US"/>
+          </a:p>
+        </p:txBody>
+      </p:sp>
+      <p:sp>
+        <p:nvSpPr>
+          <p:cNvPr id="7" name="직사각형 6">
+            <a:extLst>
+              <a:ext uri="{FF2B5EF4-FFF2-40B4-BE49-F238E27FC236}">
+                <a16:creationId xmlns:a16="http://schemas.microsoft.com/office/drawing/2014/main" id="{3A08FCB3-6DAE-05EC-A40C-A7623F1C447F}"/>
+              </a:ext>
+            </a:extLst>
+          </p:cNvPr>
+          <p:cNvSpPr/>
+          <p:nvPr/>
+        </p:nvSpPr>
+        <p:spPr>
+          <a:xfrm>
+            <a:off x="6014065" y="5094514"/>
+            <a:ext cx="5257509" cy="288472"/>
+          </a:xfrm>
+          <a:prstGeom prst="rect">
+            <a:avLst/>
+          </a:prstGeom>
+          <a:noFill/>
+          <a:ln w="28575">
+            <a:solidFill>
+              <a:srgbClr val="FF0000"/>
+            </a:solidFill>
+          </a:ln>
+        </p:spPr>
+        <p:style>
+          <a:lnRef idx="2">
+            <a:schemeClr val="accent1">
+              <a:shade val="15000"/>
+            </a:schemeClr>
+          </a:lnRef>
+          <a:fillRef idx="1">
+            <a:schemeClr val="accent1"/>
+          </a:fillRef>
+          <a:effectRef idx="0">
+            <a:schemeClr val="accent1"/>
+          </a:effectRef>
+          <a:fontRef idx="minor">
+            <a:schemeClr val="lt1"/>
+          </a:fontRef>
+        </p:style>
+        <p:txBody>
+          <a:bodyPr rtlCol="0" anchor="ctr"/>
+          <a:lstStyle/>
+          <a:p>
+            <a:pPr algn="ctr"/>
+            <a:endParaRPr lang="ko-KR" altLang="en-US"/>
+          </a:p>
+        </p:txBody>
+      </p:sp>
     </p:spTree>
     <p:extLst>
       <p:ext uri="{BB962C8B-B14F-4D97-AF65-F5344CB8AC3E}">
@@ -4688,18 +4897,51 @@
           <a:lstStyle/>
           <a:p>
             <a:r>
-              <a:rPr lang="ko-KR" altLang="en-US" b="1"/>
-              <a:t>요약</a:t>
-            </a:r>
-          </a:p>
-        </p:txBody>
-      </p:sp>
-      <p:sp>
-        <p:nvSpPr>
-          <p:cNvPr id="3" name="내용 개체 틀 2">
-            <a:extLst>
-              <a:ext uri="{FF2B5EF4-FFF2-40B4-BE49-F238E27FC236}">
-                <a16:creationId xmlns:a16="http://schemas.microsoft.com/office/drawing/2014/main" id="{A73B3AF2-8F66-C78F-5AC7-D968AEAE6E93}"/>
+              <a:rPr lang="en-US" altLang="ko-KR" b="1" dirty="0"/>
+              <a:t>Id</a:t>
+            </a:r>
+            <a:r>
+              <a:rPr lang="ko-KR" altLang="en-US" b="1" dirty="0"/>
+              <a:t>와 </a:t>
+            </a:r>
+            <a:r>
+              <a:rPr lang="en-US" altLang="ko-KR" b="1" dirty="0"/>
+              <a:t>pw</a:t>
+            </a:r>
+            <a:r>
+              <a:rPr lang="ko-KR" altLang="en-US" b="1" dirty="0"/>
+              <a:t>를 </a:t>
+            </a:r>
+            <a:r>
+              <a:rPr lang="en-US" altLang="ko-KR" b="1" dirty="0"/>
+              <a:t>get</a:t>
+            </a:r>
+            <a:r>
+              <a:rPr lang="ko-KR" altLang="en-US" b="1" dirty="0"/>
+              <a:t>과 </a:t>
+            </a:r>
+            <a:r>
+              <a:rPr lang="en-US" altLang="ko-KR" b="1" dirty="0"/>
+              <a:t>post</a:t>
+            </a:r>
+            <a:r>
+              <a:rPr lang="ko-KR" altLang="en-US" b="1" dirty="0"/>
+              <a:t>로 보낸다면</a:t>
+            </a:r>
+            <a:r>
+              <a:rPr lang="en-US" altLang="ko-KR" b="1" dirty="0"/>
+              <a:t>??</a:t>
+            </a:r>
+            <a:endParaRPr lang="ko-KR" altLang="en-US" b="1" dirty="0"/>
+          </a:p>
+        </p:txBody>
+      </p:sp>
+      <p:sp>
+        <p:nvSpPr>
+          <p:cNvPr id="5" name="내용 개체 틀 4">
+            <a:extLst>
+              <a:ext uri="{FF2B5EF4-FFF2-40B4-BE49-F238E27FC236}">
+                <a16:creationId xmlns:a16="http://schemas.microsoft.com/office/drawing/2014/main" id="{3A75844B-4081-9E5F-F621-46B01E3D818B}"/>
               </a:ext>
             </a:extLst>
           </p:cNvPr>
@@ -4710,87 +4952,277 @@
             <p:ph idx="1"/>
           </p:nvPr>
         </p:nvSpPr>
-        <p:spPr/>
+        <p:spPr>
+          <a:xfrm>
+            <a:off x="756558" y="3099253"/>
+            <a:ext cx="2095500" cy="1118961"/>
+          </a:xfrm>
+        </p:spPr>
         <p:txBody>
           <a:bodyPr/>
           <a:lstStyle/>
           <a:p>
             <a:r>
               <a:rPr lang="en-US" altLang="ko-KR" dirty="0"/>
-              <a:t>GET</a:t>
-            </a:r>
-            <a:r>
-              <a:rPr lang="ko-KR" altLang="en-US" dirty="0"/>
-              <a:t>은 요청정보가 </a:t>
-            </a:r>
-            <a:r>
-              <a:rPr lang="en-US" altLang="ko-KR" dirty="0" err="1"/>
-              <a:t>url</a:t>
-            </a:r>
-            <a:r>
-              <a:rPr lang="ko-KR" altLang="en-US" dirty="0"/>
-              <a:t>에 노출되므로 주로 정보 조회 요청에서 사용한다</a:t>
-            </a:r>
-            <a:r>
-              <a:rPr lang="en-US" altLang="ko-KR" dirty="0"/>
-              <a:t>.</a:t>
-            </a:r>
-          </a:p>
-          <a:p>
-            <a:endParaRPr lang="en-US" altLang="ko-KR" dirty="0"/>
-          </a:p>
-          <a:p>
-            <a:r>
-              <a:rPr lang="en-US" altLang="ko-KR" dirty="0"/>
-              <a:t>POST</a:t>
-            </a:r>
-            <a:r>
-              <a:rPr lang="ko-KR" altLang="en-US" dirty="0"/>
-              <a:t>는 요청정보가 </a:t>
-            </a:r>
-            <a:r>
-              <a:rPr lang="en-US" altLang="ko-KR" dirty="0" err="1"/>
-              <a:t>url</a:t>
-            </a:r>
-            <a:r>
-              <a:rPr lang="ko-KR" altLang="en-US" dirty="0"/>
-              <a:t>에 노출되지 않으므로</a:t>
-            </a:r>
-            <a:r>
-              <a:rPr lang="en-US" altLang="ko-KR" dirty="0"/>
-              <a:t>, </a:t>
-            </a:r>
-            <a:r>
-              <a:rPr lang="ko-KR" altLang="en-US" dirty="0"/>
-              <a:t>주로 </a:t>
-            </a:r>
-            <a:r>
-              <a:rPr lang="en-US" altLang="ko-KR" dirty="0" err="1"/>
-              <a:t>url</a:t>
-            </a:r>
-            <a:r>
-              <a:rPr lang="ko-KR" altLang="en-US" dirty="0"/>
-              <a:t>에 보이면 안되는 정보를 보낼 때 혹은</a:t>
-            </a:r>
-            <a:r>
-              <a:rPr lang="en-US" altLang="ko-KR" dirty="0"/>
-              <a:t>,</a:t>
-            </a:r>
-            <a:r>
-              <a:rPr lang="ko-KR" altLang="en-US" dirty="0"/>
-              <a:t> 정보를 저장할 때 사용한다</a:t>
-            </a:r>
-            <a:r>
-              <a:rPr lang="en-US" altLang="ko-KR" dirty="0"/>
-              <a:t>.</a:t>
-            </a:r>
+              <a:t>id = 1234</a:t>
+            </a:r>
+          </a:p>
+          <a:p>
+            <a:r>
+              <a:rPr lang="en-US" altLang="ko-KR" dirty="0"/>
+              <a:t>pw = 123</a:t>
+            </a:r>
+            <a:endParaRPr lang="ko-KR" altLang="en-US" dirty="0"/>
+          </a:p>
+        </p:txBody>
+      </p:sp>
+      <p:sp>
+        <p:nvSpPr>
+          <p:cNvPr id="6" name="TextBox 5">
+            <a:extLst>
+              <a:ext uri="{FF2B5EF4-FFF2-40B4-BE49-F238E27FC236}">
+                <a16:creationId xmlns:a16="http://schemas.microsoft.com/office/drawing/2014/main" id="{857AC5B8-16C0-BFC4-A5BE-D27DC20A5B66}"/>
+              </a:ext>
+            </a:extLst>
+          </p:cNvPr>
+          <p:cNvSpPr txBox="1"/>
+          <p:nvPr/>
+        </p:nvSpPr>
+        <p:spPr>
+          <a:xfrm flipH="1">
+            <a:off x="4846316" y="2014752"/>
+            <a:ext cx="7100753" cy="584775"/>
+          </a:xfrm>
+          <a:prstGeom prst="rect">
+            <a:avLst/>
+          </a:prstGeom>
+          <a:noFill/>
+        </p:spPr>
+        <p:txBody>
+          <a:bodyPr wrap="square" rtlCol="0">
+            <a:spAutoFit/>
+          </a:bodyPr>
+          <a:lstStyle/>
+          <a:p>
+            <a:r>
+              <a:rPr lang="en-US" altLang="ko-KR" sz="3200" dirty="0"/>
+              <a:t>www.hicc.co.kr?id=1234&amp;pw=123</a:t>
+            </a:r>
+            <a:endParaRPr lang="ko-KR" altLang="en-US" sz="3200" dirty="0"/>
+          </a:p>
+        </p:txBody>
+      </p:sp>
+      <p:sp>
+        <p:nvSpPr>
+          <p:cNvPr id="7" name="TextBox 6">
+            <a:extLst>
+              <a:ext uri="{FF2B5EF4-FFF2-40B4-BE49-F238E27FC236}">
+                <a16:creationId xmlns:a16="http://schemas.microsoft.com/office/drawing/2014/main" id="{3824E764-9B3D-7F84-988F-0F8DFFE6BFD4}"/>
+              </a:ext>
+            </a:extLst>
+          </p:cNvPr>
+          <p:cNvSpPr txBox="1"/>
+          <p:nvPr/>
+        </p:nvSpPr>
+        <p:spPr>
+          <a:xfrm flipH="1">
+            <a:off x="4846316" y="3679605"/>
+            <a:ext cx="6170027" cy="1077218"/>
+          </a:xfrm>
+          <a:prstGeom prst="rect">
+            <a:avLst/>
+          </a:prstGeom>
+          <a:noFill/>
+        </p:spPr>
+        <p:txBody>
+          <a:bodyPr wrap="square" rtlCol="0">
+            <a:spAutoFit/>
+          </a:bodyPr>
+          <a:lstStyle/>
+          <a:p>
+            <a:r>
+              <a:rPr lang="en-US" altLang="ko-KR" sz="3200" dirty="0"/>
+              <a:t>Header: post </a:t>
+            </a:r>
+            <a:r>
+              <a:rPr lang="en-US" altLang="ko-KR" sz="3200" dirty="0">
+                <a:hlinkClick r:id="rId2"/>
+              </a:rPr>
+              <a:t>www.hicc.co.kr</a:t>
+            </a:r>
+            <a:endParaRPr lang="en-US" altLang="ko-KR" sz="3200" dirty="0"/>
+          </a:p>
+          <a:p>
+            <a:r>
+              <a:rPr lang="en-US" altLang="ko-KR" sz="3200" dirty="0"/>
+              <a:t>Payload: id=1234&amp;pw=123</a:t>
+            </a:r>
+            <a:endParaRPr lang="ko-KR" altLang="en-US" sz="3200" dirty="0"/>
+          </a:p>
+        </p:txBody>
+      </p:sp>
+      <p:cxnSp>
+        <p:nvCxnSpPr>
+          <p:cNvPr id="9" name="직선 화살표 연결선 8">
+            <a:extLst>
+              <a:ext uri="{FF2B5EF4-FFF2-40B4-BE49-F238E27FC236}">
+                <a16:creationId xmlns:a16="http://schemas.microsoft.com/office/drawing/2014/main" id="{FA33872D-3DA8-AE39-87D5-B6935D51554E}"/>
+              </a:ext>
+            </a:extLst>
+          </p:cNvPr>
+          <p:cNvCxnSpPr/>
+          <p:nvPr/>
+        </p:nvCxnSpPr>
+        <p:spPr>
+          <a:xfrm flipV="1">
+            <a:off x="2852058" y="2443843"/>
+            <a:ext cx="1796142" cy="1099457"/>
+          </a:xfrm>
+          <a:prstGeom prst="straightConnector1">
+            <a:avLst/>
+          </a:prstGeom>
+          <a:ln w="28575">
+            <a:solidFill>
+              <a:srgbClr val="FF0000"/>
+            </a:solidFill>
+            <a:tailEnd type="triangle"/>
+          </a:ln>
+        </p:spPr>
+        <p:style>
+          <a:lnRef idx="1">
+            <a:schemeClr val="accent1"/>
+          </a:lnRef>
+          <a:fillRef idx="0">
+            <a:schemeClr val="accent1"/>
+          </a:fillRef>
+          <a:effectRef idx="0">
+            <a:schemeClr val="accent1"/>
+          </a:effectRef>
+          <a:fontRef idx="minor">
+            <a:schemeClr val="tx1"/>
+          </a:fontRef>
+        </p:style>
+      </p:cxnSp>
+      <p:cxnSp>
+        <p:nvCxnSpPr>
+          <p:cNvPr id="12" name="직선 화살표 연결선 11">
+            <a:extLst>
+              <a:ext uri="{FF2B5EF4-FFF2-40B4-BE49-F238E27FC236}">
+                <a16:creationId xmlns:a16="http://schemas.microsoft.com/office/drawing/2014/main" id="{B13F75DD-BB7C-4BDA-2E47-27E89BB15333}"/>
+              </a:ext>
+            </a:extLst>
+          </p:cNvPr>
+          <p:cNvCxnSpPr>
+            <a:cxnSpLocks/>
+          </p:cNvCxnSpPr>
+          <p:nvPr/>
+        </p:nvCxnSpPr>
+        <p:spPr>
+          <a:xfrm>
+            <a:off x="2830287" y="3543300"/>
+            <a:ext cx="1747156" cy="936171"/>
+          </a:xfrm>
+          <a:prstGeom prst="straightConnector1">
+            <a:avLst/>
+          </a:prstGeom>
+          <a:ln w="28575">
+            <a:solidFill>
+              <a:srgbClr val="FF0000"/>
+            </a:solidFill>
+            <a:tailEnd type="triangle"/>
+          </a:ln>
+        </p:spPr>
+        <p:style>
+          <a:lnRef idx="1">
+            <a:schemeClr val="accent1"/>
+          </a:lnRef>
+          <a:fillRef idx="0">
+            <a:schemeClr val="accent1"/>
+          </a:fillRef>
+          <a:effectRef idx="0">
+            <a:schemeClr val="accent1"/>
+          </a:effectRef>
+          <a:fontRef idx="minor">
+            <a:schemeClr val="tx1"/>
+          </a:fontRef>
+        </p:style>
+      </p:cxnSp>
+      <p:sp>
+        <p:nvSpPr>
+          <p:cNvPr id="14" name="TextBox 13">
+            <a:extLst>
+              <a:ext uri="{FF2B5EF4-FFF2-40B4-BE49-F238E27FC236}">
+                <a16:creationId xmlns:a16="http://schemas.microsoft.com/office/drawing/2014/main" id="{658ABF3B-96F7-B137-C16D-FF3F3A6E6A4E}"/>
+              </a:ext>
+            </a:extLst>
+          </p:cNvPr>
+          <p:cNvSpPr txBox="1"/>
+          <p:nvPr/>
+        </p:nvSpPr>
+        <p:spPr>
+          <a:xfrm>
+            <a:off x="3480707" y="2624631"/>
+            <a:ext cx="538843" cy="369332"/>
+          </a:xfrm>
+          <a:prstGeom prst="rect">
+            <a:avLst/>
+          </a:prstGeom>
+          <a:noFill/>
+        </p:spPr>
+        <p:txBody>
+          <a:bodyPr wrap="square" rtlCol="0">
+            <a:spAutoFit/>
+          </a:bodyPr>
+          <a:lstStyle/>
+          <a:p>
+            <a:r>
+              <a:rPr lang="en-US" altLang="ko-KR" dirty="0"/>
+              <a:t>get</a:t>
+            </a:r>
+            <a:endParaRPr lang="ko-KR" altLang="en-US" dirty="0"/>
+          </a:p>
+        </p:txBody>
+      </p:sp>
+      <p:sp>
+        <p:nvSpPr>
+          <p:cNvPr id="15" name="TextBox 14">
+            <a:extLst>
+              <a:ext uri="{FF2B5EF4-FFF2-40B4-BE49-F238E27FC236}">
+                <a16:creationId xmlns:a16="http://schemas.microsoft.com/office/drawing/2014/main" id="{8EBAC6F3-8018-D76F-F8D9-BE5330CC6A0B}"/>
+              </a:ext>
+            </a:extLst>
+          </p:cNvPr>
+          <p:cNvSpPr txBox="1"/>
+          <p:nvPr/>
+        </p:nvSpPr>
+        <p:spPr>
+          <a:xfrm>
+            <a:off x="3480707" y="3618015"/>
+            <a:ext cx="704850" cy="369332"/>
+          </a:xfrm>
+          <a:prstGeom prst="rect">
+            <a:avLst/>
+          </a:prstGeom>
+          <a:noFill/>
+        </p:spPr>
+        <p:txBody>
+          <a:bodyPr wrap="square" rtlCol="0">
+            <a:spAutoFit/>
+          </a:bodyPr>
+          <a:lstStyle/>
+          <a:p>
+            <a:r>
+              <a:rPr lang="en-US" altLang="ko-KR" dirty="0"/>
+              <a:t>post</a:t>
+            </a:r>
+            <a:endParaRPr lang="ko-KR" altLang="en-US" dirty="0"/>
           </a:p>
         </p:txBody>
       </p:sp>
     </p:spTree>
     <p:extLst>
       <p:ext uri="{BB962C8B-B14F-4D97-AF65-F5344CB8AC3E}">
-        <p14:creationId xmlns:p14="http://schemas.microsoft.com/office/powerpoint/2010/main" val="2590536110"/>
+        <p14:creationId xmlns:p14="http://schemas.microsoft.com/office/powerpoint/2010/main" val="2874809922"/>
       </p:ext>
     </p:extLst>
   </p:cSld>
@@ -4822,7 +5254,7 @@
           <p:cNvPr id="2" name="제목 1">
             <a:extLst>
               <a:ext uri="{FF2B5EF4-FFF2-40B4-BE49-F238E27FC236}">
-                <a16:creationId xmlns:a16="http://schemas.microsoft.com/office/drawing/2014/main" id="{64C932E9-9BDB-41CD-B8B3-C9826515E082}"/>
+                <a16:creationId xmlns:a16="http://schemas.microsoft.com/office/drawing/2014/main" id="{28F490F3-1611-8FDF-9A5A-D9227B6EFEBE}"/>
               </a:ext>
             </a:extLst>
           </p:cNvPr>
@@ -4838,28 +5270,19 @@
           <a:bodyPr/>
           <a:lstStyle/>
           <a:p>
-            <a:pPr algn="l"/>
-            <a:r>
-              <a:rPr lang="en-US" altLang="ko-KR" b="1" dirty="0"/>
-              <a:t>HTTP method</a:t>
-            </a:r>
-            <a:r>
-              <a:rPr lang="ko-KR" altLang="en-US" b="1" dirty="0"/>
-              <a:t>에 대해</a:t>
-            </a:r>
-            <a:r>
-              <a:rPr lang="en-US" altLang="ko-KR" b="1" dirty="0"/>
-              <a:t> (GET, POST)</a:t>
-            </a:r>
-          </a:p>
-        </p:txBody>
-      </p:sp>
-      <p:sp>
-        <p:nvSpPr>
-          <p:cNvPr id="8" name="내용 개체 틀 7">
-            <a:extLst>
-              <a:ext uri="{FF2B5EF4-FFF2-40B4-BE49-F238E27FC236}">
-                <a16:creationId xmlns:a16="http://schemas.microsoft.com/office/drawing/2014/main" id="{01A6821C-8B20-5D28-A06B-71A10A4BDF61}"/>
+            <a:r>
+              <a:rPr lang="ko-KR" altLang="en-US" b="1"/>
+              <a:t>요약</a:t>
+            </a:r>
+          </a:p>
+        </p:txBody>
+      </p:sp>
+      <p:sp>
+        <p:nvSpPr>
+          <p:cNvPr id="3" name="내용 개체 틀 2">
+            <a:extLst>
+              <a:ext uri="{FF2B5EF4-FFF2-40B4-BE49-F238E27FC236}">
+                <a16:creationId xmlns:a16="http://schemas.microsoft.com/office/drawing/2014/main" id="{A73B3AF2-8F66-C78F-5AC7-D968AEAE6E93}"/>
               </a:ext>
             </a:extLst>
           </p:cNvPr>
@@ -4872,27 +5295,85 @@
         </p:nvSpPr>
         <p:spPr/>
         <p:txBody>
-          <a:bodyPr>
-            <a:normAutofit/>
-          </a:bodyPr>
-          <a:lstStyle/>
-          <a:p>
-            <a:r>
-              <a:rPr lang="en-US" altLang="ko-KR" dirty="0"/>
-              <a:t>GET, POST </a:t>
-            </a:r>
-            <a:r>
-              <a:rPr lang="ko-KR" altLang="en-US" dirty="0"/>
-              <a:t>차이를 예제를 통해 익혀보자</a:t>
-            </a:r>
+          <a:bodyPr/>
+          <a:lstStyle/>
+          <a:p>
+            <a:r>
+              <a:rPr lang="en-US" altLang="ko-KR" dirty="0"/>
+              <a:t>GET</a:t>
+            </a:r>
+            <a:r>
+              <a:rPr lang="ko-KR" altLang="en-US" dirty="0"/>
+              <a:t>은 요청정보가 </a:t>
+            </a:r>
+            <a:r>
+              <a:rPr lang="en-US" altLang="ko-KR" dirty="0" err="1"/>
+              <a:t>url</a:t>
+            </a:r>
+            <a:r>
+              <a:rPr lang="ko-KR" altLang="en-US" dirty="0"/>
+              <a:t>에 노출되므로 주로 정보 조회 요청에서 사용한다</a:t>
+            </a:r>
+            <a:r>
+              <a:rPr lang="en-US" altLang="ko-KR" dirty="0"/>
+              <a:t>.</a:t>
+            </a:r>
+          </a:p>
+          <a:p>
             <a:endParaRPr lang="en-US" altLang="ko-KR" dirty="0"/>
+          </a:p>
+          <a:p>
+            <a:r>
+              <a:rPr lang="en-US" altLang="ko-KR" dirty="0"/>
+              <a:t>POST</a:t>
+            </a:r>
+            <a:r>
+              <a:rPr lang="ko-KR" altLang="en-US" dirty="0"/>
+              <a:t>는 요청정보가 </a:t>
+            </a:r>
+            <a:r>
+              <a:rPr lang="en-US" altLang="ko-KR" dirty="0" err="1"/>
+              <a:t>url</a:t>
+            </a:r>
+            <a:r>
+              <a:rPr lang="ko-KR" altLang="en-US" dirty="0"/>
+              <a:t>에 노출되지 않으므로</a:t>
+            </a:r>
+            <a:r>
+              <a:rPr lang="en-US" altLang="ko-KR" dirty="0"/>
+              <a:t>, </a:t>
+            </a:r>
+            <a:r>
+              <a:rPr lang="ko-KR" altLang="en-US" dirty="0"/>
+              <a:t>주로 </a:t>
+            </a:r>
+            <a:r>
+              <a:rPr lang="en-US" altLang="ko-KR" dirty="0" err="1"/>
+              <a:t>url</a:t>
+            </a:r>
+            <a:r>
+              <a:rPr lang="ko-KR" altLang="en-US" dirty="0"/>
+              <a:t>에 보이면 안되는 정보를 보낼 때 혹은</a:t>
+            </a:r>
+            <a:r>
+              <a:rPr lang="en-US" altLang="ko-KR" dirty="0"/>
+              <a:t>,</a:t>
+            </a:r>
+            <a:r>
+              <a:rPr lang="ko-KR" altLang="en-US" dirty="0"/>
+              <a:t> 정보를 저장할 때 사용한다</a:t>
+            </a:r>
+            <a:r>
+              <a:rPr lang="en-US" altLang="ko-KR" dirty="0"/>
+              <a:t>.</a:t>
+            </a:r>
           </a:p>
         </p:txBody>
       </p:sp>
     </p:spTree>
     <p:extLst>
       <p:ext uri="{BB962C8B-B14F-4D97-AF65-F5344CB8AC3E}">
-        <p14:creationId xmlns:p14="http://schemas.microsoft.com/office/powerpoint/2010/main" val="690603072"/>
+        <p14:creationId xmlns:p14="http://schemas.microsoft.com/office/powerpoint/2010/main" val="2590536110"/>
       </p:ext>
     </p:extLst>
   </p:cSld>
@@ -4924,7 +5405,7 @@
           <p:cNvPr id="2" name="제목 1">
             <a:extLst>
               <a:ext uri="{FF2B5EF4-FFF2-40B4-BE49-F238E27FC236}">
-                <a16:creationId xmlns:a16="http://schemas.microsoft.com/office/drawing/2014/main" id="{64C932E9-9BDB-41CD-B8B3-C9826515E082}"/>
+                <a16:creationId xmlns:a16="http://schemas.microsoft.com/office/drawing/2014/main" id="{A253D54E-CD49-4812-43B4-00F09C6D06AA}"/>
               </a:ext>
             </a:extLst>
           </p:cNvPr>
@@ -4940,206 +5421,151 @@
           <a:bodyPr/>
           <a:lstStyle/>
           <a:p>
-            <a:pPr algn="l"/>
-            <a:r>
+            <a:r>
+              <a:rPr lang="ko-KR" altLang="en-US" b="1" dirty="0"/>
+              <a:t>그럼 프로젝트에서 요청이 </a:t>
+            </a:r>
+            <a:br>
               <a:rPr lang="en-US" altLang="ko-KR" b="1" dirty="0"/>
-              <a:t>HTTP method</a:t>
+            </a:br>
+            <a:r>
+              <a:rPr lang="en-US" altLang="ko-KR" b="1" dirty="0"/>
+              <a:t>get or post</a:t>
             </a:r>
             <a:r>
               <a:rPr lang="ko-KR" altLang="en-US" b="1" dirty="0"/>
-              <a:t>에 대해</a:t>
+              <a:t>인 지 어떻게 구분할까</a:t>
             </a:r>
             <a:r>
               <a:rPr lang="en-US" altLang="ko-KR" b="1" dirty="0"/>
-              <a:t> (GET, POST)</a:t>
-            </a:r>
-          </a:p>
-        </p:txBody>
-      </p:sp>
-      <p:pic>
-        <p:nvPicPr>
-          <p:cNvPr id="4" name="그림 3">
-            <a:extLst>
-              <a:ext uri="{FF2B5EF4-FFF2-40B4-BE49-F238E27FC236}">
-                <a16:creationId xmlns:a16="http://schemas.microsoft.com/office/drawing/2014/main" id="{DD885B3B-C39E-F3E9-9B0A-831CBED23F25}"/>
-              </a:ext>
-            </a:extLst>
-          </p:cNvPr>
-          <p:cNvPicPr>
-            <a:picLocks noChangeAspect="1"/>
-          </p:cNvPicPr>
-          <p:nvPr/>
-        </p:nvPicPr>
-        <p:blipFill>
-          <a:blip r:embed="rId2"/>
-          <a:stretch>
-            <a:fillRect/>
-          </a:stretch>
-        </p:blipFill>
+              <a:t>?</a:t>
+            </a:r>
+            <a:endParaRPr lang="ko-KR" altLang="en-US" b="1" dirty="0"/>
+          </a:p>
+        </p:txBody>
+      </p:sp>
+      <p:sp>
+        <p:nvSpPr>
+          <p:cNvPr id="3" name="내용 개체 틀 2">
+            <a:extLst>
+              <a:ext uri="{FF2B5EF4-FFF2-40B4-BE49-F238E27FC236}">
+                <a16:creationId xmlns:a16="http://schemas.microsoft.com/office/drawing/2014/main" id="{EEF1BBF1-DA31-FDAB-C136-4990D8F9F3F2}"/>
+              </a:ext>
+            </a:extLst>
+          </p:cNvPr>
+          <p:cNvSpPr>
+            <a:spLocks noGrp="1"/>
+          </p:cNvSpPr>
+          <p:nvPr>
+            <p:ph idx="1"/>
+          </p:nvPr>
+        </p:nvSpPr>
         <p:spPr>
           <a:xfrm>
-            <a:off x="979859" y="1690688"/>
-            <a:ext cx="6611788" cy="4352214"/>
+            <a:off x="838200" y="1852839"/>
+            <a:ext cx="10515600" cy="4351338"/>
           </a:xfrm>
-          <a:prstGeom prst="rect">
-            <a:avLst/>
-          </a:prstGeom>
         </p:spPr>
-      </p:pic>
-      <p:sp>
-        <p:nvSpPr>
-          <p:cNvPr id="6" name="직사각형 5">
-            <a:extLst>
-              <a:ext uri="{FF2B5EF4-FFF2-40B4-BE49-F238E27FC236}">
-                <a16:creationId xmlns:a16="http://schemas.microsoft.com/office/drawing/2014/main" id="{F95544E2-A6E8-07EE-1465-D1E810953143}"/>
-              </a:ext>
-            </a:extLst>
-          </p:cNvPr>
-          <p:cNvSpPr/>
-          <p:nvPr/>
-        </p:nvSpPr>
-        <p:spPr>
-          <a:xfrm>
-            <a:off x="6096000" y="1605516"/>
-            <a:ext cx="1495647" cy="435935"/>
-          </a:xfrm>
-          <a:prstGeom prst="rect">
-            <a:avLst/>
-          </a:prstGeom>
-          <a:noFill/>
-          <a:ln w="28575">
-            <a:solidFill>
-              <a:srgbClr val="FF0000"/>
-            </a:solidFill>
-          </a:ln>
-        </p:spPr>
-        <p:style>
-          <a:lnRef idx="2">
-            <a:schemeClr val="accent1">
-              <a:shade val="50000"/>
-            </a:schemeClr>
-          </a:lnRef>
-          <a:fillRef idx="1">
-            <a:schemeClr val="accent1"/>
-          </a:fillRef>
-          <a:effectRef idx="0">
-            <a:schemeClr val="accent1"/>
-          </a:effectRef>
-          <a:fontRef idx="minor">
-            <a:schemeClr val="lt1"/>
-          </a:fontRef>
-        </p:style>
-        <p:txBody>
-          <a:bodyPr rtlCol="0" anchor="ctr"/>
-          <a:lstStyle/>
-          <a:p>
-            <a:pPr algn="ctr"/>
-            <a:endParaRPr lang="ko-KR" altLang="en-US"/>
-          </a:p>
-        </p:txBody>
-      </p:sp>
-      <p:cxnSp>
-        <p:nvCxnSpPr>
-          <p:cNvPr id="9" name="직선 화살표 연결선 8">
-            <a:extLst>
-              <a:ext uri="{FF2B5EF4-FFF2-40B4-BE49-F238E27FC236}">
-                <a16:creationId xmlns:a16="http://schemas.microsoft.com/office/drawing/2014/main" id="{5ECFA414-4EBF-BBB7-0A95-7C8880ECF902}"/>
-              </a:ext>
-            </a:extLst>
-          </p:cNvPr>
-          <p:cNvCxnSpPr/>
-          <p:nvPr/>
-        </p:nvCxnSpPr>
-        <p:spPr>
-          <a:xfrm flipH="1" flipV="1">
-            <a:off x="7304567" y="2041451"/>
-            <a:ext cx="2115880" cy="2604977"/>
-          </a:xfrm>
-          <a:prstGeom prst="straightConnector1">
-            <a:avLst/>
-          </a:prstGeom>
-          <a:ln w="19050">
-            <a:solidFill>
-              <a:srgbClr val="FF0000"/>
-            </a:solidFill>
-            <a:tailEnd type="triangle"/>
-          </a:ln>
-        </p:spPr>
-        <p:style>
-          <a:lnRef idx="1">
-            <a:schemeClr val="accent1"/>
-          </a:lnRef>
-          <a:fillRef idx="0">
-            <a:schemeClr val="accent1"/>
-          </a:fillRef>
-          <a:effectRef idx="0">
-            <a:schemeClr val="accent1"/>
-          </a:effectRef>
-          <a:fontRef idx="minor">
-            <a:schemeClr val="tx1"/>
-          </a:fontRef>
-        </p:style>
-      </p:cxnSp>
-      <p:sp>
-        <p:nvSpPr>
-          <p:cNvPr id="10" name="TextBox 9">
-            <a:extLst>
-              <a:ext uri="{FF2B5EF4-FFF2-40B4-BE49-F238E27FC236}">
-                <a16:creationId xmlns:a16="http://schemas.microsoft.com/office/drawing/2014/main" id="{8ED41722-FE3C-2E42-83B4-88A6DDFAE344}"/>
-              </a:ext>
-            </a:extLst>
-          </p:cNvPr>
-          <p:cNvSpPr txBox="1"/>
-          <p:nvPr/>
-        </p:nvSpPr>
-        <p:spPr>
-          <a:xfrm>
-            <a:off x="8362507" y="4790667"/>
-            <a:ext cx="2562446" cy="369332"/>
-          </a:xfrm>
-          <a:prstGeom prst="rect">
-            <a:avLst/>
-          </a:prstGeom>
-          <a:noFill/>
-        </p:spPr>
-        <p:txBody>
-          <a:bodyPr wrap="square" rtlCol="0">
-            <a:spAutoFit/>
-          </a:bodyPr>
-          <a:lstStyle/>
-          <a:p>
-            <a:r>
-              <a:rPr lang="en-US" altLang="ko-KR" dirty="0" err="1">
-                <a:latin typeface="210 맨발의청춘 L" panose="02020603020101020101" pitchFamily="18" charset="-127"/>
-                <a:ea typeface="210 맨발의청춘 L" panose="02020603020101020101" pitchFamily="18" charset="-127"/>
-              </a:rPr>
-              <a:t>Url</a:t>
-            </a:r>
-            <a:r>
-              <a:rPr lang="ko-KR" altLang="en-US" dirty="0">
-                <a:latin typeface="210 맨발의청춘 L" panose="02020603020101020101" pitchFamily="18" charset="-127"/>
-                <a:ea typeface="210 맨발의청춘 L" panose="02020603020101020101" pitchFamily="18" charset="-127"/>
-              </a:rPr>
-              <a:t>에 정보가 다 보인다</a:t>
-            </a:r>
-            <a:r>
-              <a:rPr lang="en-US" altLang="ko-KR" dirty="0">
-                <a:latin typeface="210 맨발의청춘 L" panose="02020603020101020101" pitchFamily="18" charset="-127"/>
-                <a:ea typeface="210 맨발의청춘 L" panose="02020603020101020101" pitchFamily="18" charset="-127"/>
-              </a:rPr>
+        <p:txBody>
+          <a:bodyPr/>
+          <a:lstStyle/>
+          <a:p>
+            <a:r>
+              <a:rPr lang="ko-KR" altLang="en-US" dirty="0"/>
+              <a:t>바로 </a:t>
+            </a:r>
+            <a:r>
+              <a:rPr lang="en-US" altLang="ko-KR" dirty="0"/>
+              <a:t>views.py</a:t>
+            </a:r>
+            <a:r>
+              <a:rPr lang="ko-KR" altLang="en-US" dirty="0"/>
+              <a:t>의 메서드에서 항상 매개변수로 받던 </a:t>
+            </a:r>
+            <a:r>
+              <a:rPr lang="en-US" altLang="ko-KR" dirty="0"/>
+              <a:t>request</a:t>
+            </a:r>
+            <a:r>
+              <a:rPr lang="ko-KR" altLang="en-US" dirty="0"/>
+              <a:t>를 이용한다</a:t>
+            </a:r>
+            <a:r>
+              <a:rPr lang="en-US" altLang="ko-KR" dirty="0"/>
               <a:t>.</a:t>
             </a:r>
-            <a:endParaRPr lang="ko-KR" altLang="en-US" dirty="0">
-              <a:latin typeface="210 맨발의청춘 L" panose="02020603020101020101" pitchFamily="18" charset="-127"/>
-              <a:ea typeface="210 맨발의청춘 L" panose="02020603020101020101" pitchFamily="18" charset="-127"/>
-            </a:endParaRPr>
+          </a:p>
+          <a:p>
+            <a:r>
+              <a:rPr lang="en-US" altLang="ko-KR" dirty="0"/>
+              <a:t>request</a:t>
+            </a:r>
+            <a:r>
+              <a:rPr lang="ko-KR" altLang="en-US" dirty="0"/>
+              <a:t>라는 변수에는 </a:t>
+            </a:r>
+            <a:r>
+              <a:rPr lang="en-US" altLang="ko-KR" dirty="0"/>
+              <a:t>http method, </a:t>
+            </a:r>
+            <a:r>
+              <a:rPr lang="en-US" altLang="ko-KR" dirty="0" err="1"/>
+              <a:t>url</a:t>
+            </a:r>
+            <a:r>
+              <a:rPr lang="en-US" altLang="ko-KR" dirty="0"/>
+              <a:t>, payment</a:t>
+            </a:r>
+            <a:r>
+              <a:rPr lang="ko-KR" altLang="en-US" dirty="0"/>
+              <a:t>등 요청에 대한 정보들이 담겨있다</a:t>
+            </a:r>
+            <a:r>
+              <a:rPr lang="en-US" altLang="ko-KR" dirty="0"/>
+              <a:t>.</a:t>
+            </a:r>
+          </a:p>
+          <a:p>
+            <a:r>
+              <a:rPr lang="ko-KR" altLang="en-US" dirty="0"/>
+              <a:t>즉 요청이 오면 </a:t>
+            </a:r>
+            <a:r>
+              <a:rPr lang="en-US" altLang="ko-KR" dirty="0" err="1"/>
+              <a:t>django</a:t>
+            </a:r>
+            <a:r>
+              <a:rPr lang="ko-KR" altLang="en-US" dirty="0"/>
+              <a:t>에서 알아서 요청을 우리가 사용하기 쉽게 </a:t>
+            </a:r>
+            <a:r>
+              <a:rPr lang="en-US" altLang="ko-KR" dirty="0"/>
+              <a:t>parsing(</a:t>
+            </a:r>
+            <a:r>
+              <a:rPr lang="ko-KR" altLang="en-US" dirty="0"/>
+              <a:t>변환</a:t>
+            </a:r>
+            <a:r>
+              <a:rPr lang="en-US" altLang="ko-KR" dirty="0"/>
+              <a:t>)</a:t>
+            </a:r>
+            <a:r>
+              <a:rPr lang="ko-KR" altLang="en-US" dirty="0"/>
+              <a:t>해주는 것이다</a:t>
+            </a:r>
+            <a:r>
+              <a:rPr lang="en-US" altLang="ko-KR" dirty="0"/>
+              <a:t>.</a:t>
+            </a:r>
+            <a:endParaRPr lang="ko-KR" altLang="en-US" dirty="0"/>
           </a:p>
         </p:txBody>
       </p:sp>
     </p:spTree>
     <p:extLst>
       <p:ext uri="{BB962C8B-B14F-4D97-AF65-F5344CB8AC3E}">
-        <p14:creationId xmlns:p14="http://schemas.microsoft.com/office/powerpoint/2010/main" val="932938002"/>
+        <p14:creationId xmlns:p14="http://schemas.microsoft.com/office/powerpoint/2010/main" val="1691796208"/>
       </p:ext>
     </p:extLst>
   </p:cSld>
@@ -5166,19 +5592,61 @@
           <a:chExt cx="0" cy="0"/>
         </a:xfrm>
       </p:grpSpPr>
+      <p:sp>
+        <p:nvSpPr>
+          <p:cNvPr id="2" name="제목 1">
+            <a:extLst>
+              <a:ext uri="{FF2B5EF4-FFF2-40B4-BE49-F238E27FC236}">
+                <a16:creationId xmlns:a16="http://schemas.microsoft.com/office/drawing/2014/main" id="{62176C13-0EE1-B434-2096-6F9D03FD10F0}"/>
+              </a:ext>
+            </a:extLst>
+          </p:cNvPr>
+          <p:cNvSpPr>
+            <a:spLocks noGrp="1"/>
+          </p:cNvSpPr>
+          <p:nvPr>
+            <p:ph type="title"/>
+          </p:nvPr>
+        </p:nvSpPr>
+        <p:spPr/>
+        <p:txBody>
+          <a:bodyPr/>
+          <a:lstStyle/>
+          <a:p>
+            <a:r>
+              <a:rPr lang="en-US" altLang="ko-KR" b="1" dirty="0"/>
+              <a:t>request</a:t>
+            </a:r>
+            <a:r>
+              <a:rPr lang="ko-KR" altLang="en-US" b="1" dirty="0"/>
+              <a:t>를 이용해 </a:t>
+            </a:r>
+            <a:r>
+              <a:rPr lang="en-US" altLang="ko-KR" b="1" dirty="0"/>
+              <a:t>http method</a:t>
+            </a:r>
+            <a:r>
+              <a:rPr lang="ko-KR" altLang="en-US" b="1" dirty="0"/>
+              <a:t> 확인</a:t>
+            </a:r>
+          </a:p>
+        </p:txBody>
+      </p:sp>
       <p:pic>
         <p:nvPicPr>
-          <p:cNvPr id="5" name="그림 4">
-            <a:extLst>
-              <a:ext uri="{FF2B5EF4-FFF2-40B4-BE49-F238E27FC236}">
-                <a16:creationId xmlns:a16="http://schemas.microsoft.com/office/drawing/2014/main" id="{40938A0F-5370-A642-4F2C-4039E1A38F63}"/>
+          <p:cNvPr id="8" name="내용 개체 틀 7">
+            <a:extLst>
+              <a:ext uri="{FF2B5EF4-FFF2-40B4-BE49-F238E27FC236}">
+                <a16:creationId xmlns:a16="http://schemas.microsoft.com/office/drawing/2014/main" id="{59326FD2-A81D-BE8E-C484-1D964A830076}"/>
               </a:ext>
             </a:extLst>
           </p:cNvPr>
           <p:cNvPicPr>
-            <a:picLocks noChangeAspect="1"/>
+            <a:picLocks noGrp="1" noChangeAspect="1"/>
           </p:cNvPicPr>
-          <p:nvPr/>
+          <p:nvPr>
+            <p:ph idx="1"/>
+          </p:nvPr>
         </p:nvPicPr>
         <p:blipFill>
           <a:blip r:embed="rId2"/>
@@ -5188,8 +5656,35 @@
         </p:blipFill>
         <p:spPr>
           <a:xfrm>
-            <a:off x="981739" y="1347677"/>
-            <a:ext cx="8661991" cy="4872369"/>
+            <a:off x="6259286" y="2702787"/>
+            <a:ext cx="5812159" cy="3572374"/>
+          </a:xfrm>
+        </p:spPr>
+      </p:pic>
+      <p:pic>
+        <p:nvPicPr>
+          <p:cNvPr id="6" name="그림 5">
+            <a:extLst>
+              <a:ext uri="{FF2B5EF4-FFF2-40B4-BE49-F238E27FC236}">
+                <a16:creationId xmlns:a16="http://schemas.microsoft.com/office/drawing/2014/main" id="{3364228D-3335-4FF9-2422-66A59536BAF3}"/>
+              </a:ext>
+            </a:extLst>
+          </p:cNvPr>
+          <p:cNvPicPr>
+            <a:picLocks noChangeAspect="1"/>
+          </p:cNvPicPr>
+          <p:nvPr/>
+        </p:nvPicPr>
+        <p:blipFill>
+          <a:blip r:embed="rId3"/>
+          <a:stretch>
+            <a:fillRect/>
+          </a:stretch>
+        </p:blipFill>
+        <p:spPr>
+          <a:xfrm>
+            <a:off x="120555" y="2702787"/>
+            <a:ext cx="5900057" cy="3572374"/>
           </a:xfrm>
           <a:prstGeom prst="rect">
             <a:avLst/>
@@ -5198,153 +5693,20 @@
       </p:pic>
       <p:sp>
         <p:nvSpPr>
-          <p:cNvPr id="2" name="제목 1">
-            <a:extLst>
-              <a:ext uri="{FF2B5EF4-FFF2-40B4-BE49-F238E27FC236}">
-                <a16:creationId xmlns:a16="http://schemas.microsoft.com/office/drawing/2014/main" id="{64C932E9-9BDB-41CD-B8B3-C9826515E082}"/>
-              </a:ext>
-            </a:extLst>
-          </p:cNvPr>
-          <p:cNvSpPr>
-            <a:spLocks noGrp="1"/>
-          </p:cNvSpPr>
-          <p:nvPr>
-            <p:ph type="title"/>
-          </p:nvPr>
-        </p:nvSpPr>
-        <p:spPr/>
-        <p:txBody>
-          <a:bodyPr/>
-          <a:lstStyle/>
-          <a:p>
-            <a:pPr algn="l"/>
-            <a:r>
-              <a:rPr lang="en-US" altLang="ko-KR" b="1" dirty="0"/>
-              <a:t>HTTP method</a:t>
-            </a:r>
-            <a:r>
-              <a:rPr lang="ko-KR" altLang="en-US" b="1" dirty="0"/>
-              <a:t>에 대해</a:t>
-            </a:r>
-            <a:r>
-              <a:rPr lang="en-US" altLang="ko-KR" b="1" dirty="0"/>
-              <a:t> (GET, POST)</a:t>
-            </a:r>
-          </a:p>
-        </p:txBody>
-      </p:sp>
-      <p:sp>
-        <p:nvSpPr>
-          <p:cNvPr id="6" name="직사각형 5">
-            <a:extLst>
-              <a:ext uri="{FF2B5EF4-FFF2-40B4-BE49-F238E27FC236}">
-                <a16:creationId xmlns:a16="http://schemas.microsoft.com/office/drawing/2014/main" id="{F95544E2-A6E8-07EE-1465-D1E810953143}"/>
-              </a:ext>
-            </a:extLst>
-          </p:cNvPr>
-          <p:cNvSpPr/>
+          <p:cNvPr id="9" name="TextBox 8">
+            <a:extLst>
+              <a:ext uri="{FF2B5EF4-FFF2-40B4-BE49-F238E27FC236}">
+                <a16:creationId xmlns:a16="http://schemas.microsoft.com/office/drawing/2014/main" id="{E340EF4E-F2DC-2BFD-2C50-2C928FE7B2B6}"/>
+              </a:ext>
+            </a:extLst>
+          </p:cNvPr>
+          <p:cNvSpPr txBox="1"/>
           <p:nvPr/>
         </p:nvSpPr>
         <p:spPr>
           <a:xfrm>
-            <a:off x="7081284" y="3296093"/>
-            <a:ext cx="1495647" cy="1127051"/>
-          </a:xfrm>
-          <a:prstGeom prst="rect">
-            <a:avLst/>
-          </a:prstGeom>
-          <a:noFill/>
-          <a:ln w="28575">
-            <a:solidFill>
-              <a:srgbClr val="FF0000"/>
-            </a:solidFill>
-          </a:ln>
-        </p:spPr>
-        <p:style>
-          <a:lnRef idx="2">
-            <a:schemeClr val="accent1">
-              <a:shade val="50000"/>
-            </a:schemeClr>
-          </a:lnRef>
-          <a:fillRef idx="1">
-            <a:schemeClr val="accent1"/>
-          </a:fillRef>
-          <a:effectRef idx="0">
-            <a:schemeClr val="accent1"/>
-          </a:effectRef>
-          <a:fontRef idx="minor">
-            <a:schemeClr val="lt1"/>
-          </a:fontRef>
-        </p:style>
-        <p:txBody>
-          <a:bodyPr rtlCol="0" anchor="ctr"/>
-          <a:lstStyle/>
-          <a:p>
-            <a:pPr algn="ctr"/>
-            <a:endParaRPr lang="ko-KR" altLang="en-US"/>
-          </a:p>
-        </p:txBody>
-      </p:sp>
-      <p:cxnSp>
-        <p:nvCxnSpPr>
-          <p:cNvPr id="9" name="직선 화살표 연결선 8">
-            <a:extLst>
-              <a:ext uri="{FF2B5EF4-FFF2-40B4-BE49-F238E27FC236}">
-                <a16:creationId xmlns:a16="http://schemas.microsoft.com/office/drawing/2014/main" id="{5ECFA414-4EBF-BBB7-0A95-7C8880ECF902}"/>
-              </a:ext>
-            </a:extLst>
-          </p:cNvPr>
-          <p:cNvCxnSpPr>
-            <a:cxnSpLocks/>
-          </p:cNvCxnSpPr>
-          <p:nvPr/>
-        </p:nvCxnSpPr>
-        <p:spPr>
-          <a:xfrm flipH="1" flipV="1">
-            <a:off x="8585790" y="3783861"/>
-            <a:ext cx="1201479" cy="862567"/>
-          </a:xfrm>
-          <a:prstGeom prst="straightConnector1">
-            <a:avLst/>
-          </a:prstGeom>
-          <a:ln w="19050">
-            <a:solidFill>
-              <a:srgbClr val="FF0000"/>
-            </a:solidFill>
-            <a:tailEnd type="triangle"/>
-          </a:ln>
-        </p:spPr>
-        <p:style>
-          <a:lnRef idx="1">
-            <a:schemeClr val="accent1"/>
-          </a:lnRef>
-          <a:fillRef idx="0">
-            <a:schemeClr val="accent1"/>
-          </a:fillRef>
-          <a:effectRef idx="0">
-            <a:schemeClr val="accent1"/>
-          </a:effectRef>
-          <a:fontRef idx="minor">
-            <a:schemeClr val="tx1"/>
-          </a:fontRef>
-        </p:style>
-      </p:cxnSp>
-      <p:sp>
-        <p:nvSpPr>
-          <p:cNvPr id="10" name="TextBox 9">
-            <a:extLst>
-              <a:ext uri="{FF2B5EF4-FFF2-40B4-BE49-F238E27FC236}">
-                <a16:creationId xmlns:a16="http://schemas.microsoft.com/office/drawing/2014/main" id="{8ED41722-FE3C-2E42-83B4-88A6DDFAE344}"/>
-              </a:ext>
-            </a:extLst>
-          </p:cNvPr>
-          <p:cNvSpPr txBox="1"/>
-          <p:nvPr/>
-        </p:nvSpPr>
-        <p:spPr>
-          <a:xfrm>
-            <a:off x="8362506" y="4790667"/>
-            <a:ext cx="3110023" cy="369332"/>
+            <a:off x="794657" y="1899557"/>
+            <a:ext cx="11038114" cy="646331"/>
           </a:xfrm>
           <a:prstGeom prst="rect">
             <a:avLst/>
@@ -5357,38 +5719,38 @@
           </a:bodyPr>
           <a:lstStyle/>
           <a:p>
-            <a:r>
-              <a:rPr lang="en-US" altLang="ko-KR" dirty="0">
-                <a:latin typeface="210 맨발의청춘 L" panose="02020603020101020101" pitchFamily="18" charset="-127"/>
-                <a:ea typeface="210 맨발의청춘 L" panose="02020603020101020101" pitchFamily="18" charset="-127"/>
-              </a:rPr>
-              <a:t>Payload</a:t>
-            </a:r>
-            <a:r>
-              <a:rPr lang="ko-KR" altLang="en-US" dirty="0">
-                <a:latin typeface="210 맨발의청춘 L" panose="02020603020101020101" pitchFamily="18" charset="-127"/>
-                <a:ea typeface="210 맨발의청춘 L" panose="02020603020101020101" pitchFamily="18" charset="-127"/>
-              </a:rPr>
-              <a:t>에 정보가 담긴다</a:t>
-            </a:r>
-            <a:r>
-              <a:rPr lang="en-US" altLang="ko-KR" dirty="0">
-                <a:latin typeface="210 맨발의청춘 L" panose="02020603020101020101" pitchFamily="18" charset="-127"/>
-                <a:ea typeface="210 맨발의청춘 L" panose="02020603020101020101" pitchFamily="18" charset="-127"/>
-              </a:rPr>
+            <a:pPr marL="285750" indent="-285750">
+              <a:buFont typeface="Arial" panose="020B0604020202020204" pitchFamily="34" charset="0"/>
+              <a:buChar char="•"/>
+            </a:pPr>
+            <a:r>
+              <a:rPr lang="en-US" altLang="ko-KR" sz="3600" dirty="0"/>
+              <a:t>If </a:t>
+            </a:r>
+            <a:r>
+              <a:rPr lang="en-US" altLang="ko-KR" sz="3600" dirty="0" err="1"/>
+              <a:t>request.method</a:t>
+            </a:r>
+            <a:r>
+              <a:rPr lang="en-US" altLang="ko-KR" sz="3600" dirty="0"/>
+              <a:t> == “GET” </a:t>
+            </a:r>
+            <a:r>
+              <a:rPr lang="ko-KR" altLang="en-US" sz="3600" dirty="0"/>
+              <a:t>을 사용하여 확인한다</a:t>
+            </a:r>
+            <a:r>
+              <a:rPr lang="en-US" altLang="ko-KR" sz="3600" dirty="0"/>
               <a:t>.</a:t>
             </a:r>
-            <a:endParaRPr lang="ko-KR" altLang="en-US" dirty="0">
-              <a:latin typeface="210 맨발의청춘 L" panose="02020603020101020101" pitchFamily="18" charset="-127"/>
-              <a:ea typeface="210 맨발의청춘 L" panose="02020603020101020101" pitchFamily="18" charset="-127"/>
-            </a:endParaRPr>
+            <a:endParaRPr lang="ko-KR" altLang="en-US" sz="3600" dirty="0"/>
           </a:p>
         </p:txBody>
       </p:sp>
     </p:spTree>
     <p:extLst>
       <p:ext uri="{BB962C8B-B14F-4D97-AF65-F5344CB8AC3E}">
-        <p14:creationId xmlns:p14="http://schemas.microsoft.com/office/powerpoint/2010/main" val="4005137742"/>
+        <p14:creationId xmlns:p14="http://schemas.microsoft.com/office/powerpoint/2010/main" val="3563132601"/>
       </p:ext>
     </p:extLst>
   </p:cSld>
@@ -5420,7 +5782,7 @@
           <p:cNvPr id="2" name="제목 1">
             <a:extLst>
               <a:ext uri="{FF2B5EF4-FFF2-40B4-BE49-F238E27FC236}">
-                <a16:creationId xmlns:a16="http://schemas.microsoft.com/office/drawing/2014/main" id="{C0038C34-3EF8-D024-A9CD-EE63A1F359B9}"/>
+                <a16:creationId xmlns:a16="http://schemas.microsoft.com/office/drawing/2014/main" id="{6D7B949B-0049-561B-382F-FB43BDA9749D}"/>
               </a:ext>
             </a:extLst>
           </p:cNvPr>
@@ -5437,77 +5799,230 @@
           <a:lstStyle/>
           <a:p>
             <a:r>
-              <a:rPr lang="ko-KR" altLang="en-US" b="1"/>
-              <a:t>응답하는 법</a:t>
-            </a:r>
-          </a:p>
-        </p:txBody>
-      </p:sp>
-      <p:sp>
-        <p:nvSpPr>
-          <p:cNvPr id="3" name="내용 개체 틀 2">
-            <a:extLst>
-              <a:ext uri="{FF2B5EF4-FFF2-40B4-BE49-F238E27FC236}">
-                <a16:creationId xmlns:a16="http://schemas.microsoft.com/office/drawing/2014/main" id="{3219FE8C-127E-E8BB-C4EB-ACA13BC15940}"/>
-              </a:ext>
-            </a:extLst>
-          </p:cNvPr>
-          <p:cNvSpPr>
-            <a:spLocks noGrp="1"/>
-          </p:cNvSpPr>
-          <p:nvPr>
-            <p:ph idx="1"/>
-          </p:nvPr>
-        </p:nvSpPr>
-        <p:spPr/>
-        <p:txBody>
-          <a:bodyPr/>
-          <a:lstStyle/>
-          <a:p>
-            <a:r>
-              <a:rPr lang="ko-KR" altLang="en-US" dirty="0"/>
-              <a:t>응답에는 대략 두 가지 방법이 있다</a:t>
-            </a:r>
-            <a:r>
-              <a:rPr lang="en-US" altLang="ko-KR" dirty="0"/>
+              <a:rPr lang="ko-KR" altLang="en-US" b="1" dirty="0"/>
+              <a:t>즉 이를 활용하면 동일한 </a:t>
+            </a:r>
+            <a:r>
+              <a:rPr lang="en-US" altLang="ko-KR" b="1" dirty="0" err="1"/>
+              <a:t>url</a:t>
+            </a:r>
+            <a:r>
+              <a:rPr lang="ko-KR" altLang="en-US" b="1" dirty="0"/>
+              <a:t>에 대하여 두 가지 이상의 처리를 할 수 있다</a:t>
+            </a:r>
+            <a:r>
+              <a:rPr lang="en-US" altLang="ko-KR" b="1" dirty="0"/>
               <a:t>.</a:t>
             </a:r>
-          </a:p>
-          <a:p>
-            <a:endParaRPr lang="en-US" altLang="ko-KR" dirty="0"/>
-          </a:p>
-          <a:p>
-            <a:pPr marL="514350" indent="-514350">
-              <a:buAutoNum type="arabicPeriod"/>
-            </a:pPr>
-            <a:r>
-              <a:rPr lang="ko-KR" altLang="en-US" dirty="0"/>
-              <a:t>화면을 응답</a:t>
-            </a:r>
-            <a:endParaRPr lang="en-US" altLang="ko-KR" dirty="0"/>
-          </a:p>
-          <a:p>
-            <a:pPr marL="514350" indent="-514350">
-              <a:buAutoNum type="arabicPeriod"/>
-            </a:pPr>
-            <a:endParaRPr lang="en-US" altLang="ko-KR" dirty="0"/>
-          </a:p>
-          <a:p>
-            <a:pPr marL="514350" indent="-514350">
-              <a:buAutoNum type="arabicPeriod"/>
-            </a:pPr>
-            <a:r>
-              <a:rPr lang="ko-KR" altLang="en-US" dirty="0"/>
-              <a:t>데이터를 응답</a:t>
-            </a:r>
-            <a:endParaRPr lang="en-US" altLang="ko-KR" dirty="0"/>
+            <a:endParaRPr lang="ko-KR" altLang="en-US" b="1" dirty="0"/>
+          </a:p>
+        </p:txBody>
+      </p:sp>
+      <p:pic>
+        <p:nvPicPr>
+          <p:cNvPr id="5" name="그림 4">
+            <a:extLst>
+              <a:ext uri="{FF2B5EF4-FFF2-40B4-BE49-F238E27FC236}">
+                <a16:creationId xmlns:a16="http://schemas.microsoft.com/office/drawing/2014/main" id="{410B36DA-491E-F5DB-9D88-E9E0D42938D7}"/>
+              </a:ext>
+            </a:extLst>
+          </p:cNvPr>
+          <p:cNvPicPr>
+            <a:picLocks noChangeAspect="1"/>
+          </p:cNvPicPr>
+          <p:nvPr/>
+        </p:nvPicPr>
+        <p:blipFill>
+          <a:blip r:embed="rId2"/>
+          <a:stretch>
+            <a:fillRect/>
+          </a:stretch>
+        </p:blipFill>
+        <p:spPr>
+          <a:xfrm>
+            <a:off x="4898019" y="1736738"/>
+            <a:ext cx="7223224" cy="3057952"/>
+          </a:xfrm>
+          <a:prstGeom prst="rect">
+            <a:avLst/>
+          </a:prstGeom>
+        </p:spPr>
+      </p:pic>
+      <p:pic>
+        <p:nvPicPr>
+          <p:cNvPr id="7" name="그림 6">
+            <a:extLst>
+              <a:ext uri="{FF2B5EF4-FFF2-40B4-BE49-F238E27FC236}">
+                <a16:creationId xmlns:a16="http://schemas.microsoft.com/office/drawing/2014/main" id="{C243E417-7B23-2CA8-0A69-2C57BFFAD1FD}"/>
+              </a:ext>
+            </a:extLst>
+          </p:cNvPr>
+          <p:cNvPicPr>
+            <a:picLocks noChangeAspect="1"/>
+          </p:cNvPicPr>
+          <p:nvPr/>
+        </p:nvPicPr>
+        <p:blipFill>
+          <a:blip r:embed="rId3"/>
+          <a:stretch>
+            <a:fillRect/>
+          </a:stretch>
+        </p:blipFill>
+        <p:spPr>
+          <a:xfrm>
+            <a:off x="228600" y="2645860"/>
+            <a:ext cx="4016829" cy="695422"/>
+          </a:xfrm>
+          <a:prstGeom prst="rect">
+            <a:avLst/>
+          </a:prstGeom>
+        </p:spPr>
+      </p:pic>
+      <p:sp>
+        <p:nvSpPr>
+          <p:cNvPr id="8" name="TextBox 7">
+            <a:extLst>
+              <a:ext uri="{FF2B5EF4-FFF2-40B4-BE49-F238E27FC236}">
+                <a16:creationId xmlns:a16="http://schemas.microsoft.com/office/drawing/2014/main" id="{2BEF0364-0238-F7E2-EB65-CE0C06385989}"/>
+              </a:ext>
+            </a:extLst>
+          </p:cNvPr>
+          <p:cNvSpPr txBox="1"/>
+          <p:nvPr/>
+        </p:nvSpPr>
+        <p:spPr>
+          <a:xfrm>
+            <a:off x="838200" y="3429000"/>
+            <a:ext cx="1861457" cy="369332"/>
+          </a:xfrm>
+          <a:prstGeom prst="rect">
+            <a:avLst/>
+          </a:prstGeom>
+          <a:noFill/>
+        </p:spPr>
+        <p:txBody>
+          <a:bodyPr wrap="square" rtlCol="0">
+            <a:spAutoFit/>
+          </a:bodyPr>
+          <a:lstStyle/>
+          <a:p>
+            <a:r>
+              <a:rPr lang="en-US" altLang="ko-KR" dirty="0"/>
+              <a:t>App</a:t>
+            </a:r>
+            <a:r>
+              <a:rPr lang="ko-KR" altLang="en-US" dirty="0"/>
+              <a:t>의 </a:t>
+            </a:r>
+            <a:r>
+              <a:rPr lang="en-US" altLang="ko-KR" dirty="0"/>
+              <a:t>urls.py</a:t>
+            </a:r>
+            <a:endParaRPr lang="ko-KR" altLang="en-US" dirty="0"/>
+          </a:p>
+        </p:txBody>
+      </p:sp>
+      <p:cxnSp>
+        <p:nvCxnSpPr>
+          <p:cNvPr id="10" name="직선 화살표 연결선 9">
+            <a:extLst>
+              <a:ext uri="{FF2B5EF4-FFF2-40B4-BE49-F238E27FC236}">
+                <a16:creationId xmlns:a16="http://schemas.microsoft.com/office/drawing/2014/main" id="{73D2F3B3-889C-AFEC-A767-523AB46AFC37}"/>
+              </a:ext>
+            </a:extLst>
+          </p:cNvPr>
+          <p:cNvCxnSpPr/>
+          <p:nvPr/>
+        </p:nvCxnSpPr>
+        <p:spPr>
+          <a:xfrm>
+            <a:off x="4403271" y="2917371"/>
+            <a:ext cx="370115" cy="0"/>
+          </a:xfrm>
+          <a:prstGeom prst="straightConnector1">
+            <a:avLst/>
+          </a:prstGeom>
+          <a:ln w="38100">
+            <a:solidFill>
+              <a:srgbClr val="FF0000"/>
+            </a:solidFill>
+            <a:tailEnd type="triangle"/>
+          </a:ln>
+        </p:spPr>
+        <p:style>
+          <a:lnRef idx="1">
+            <a:schemeClr val="accent1"/>
+          </a:lnRef>
+          <a:fillRef idx="0">
+            <a:schemeClr val="accent1"/>
+          </a:fillRef>
+          <a:effectRef idx="0">
+            <a:schemeClr val="accent1"/>
+          </a:effectRef>
+          <a:fontRef idx="minor">
+            <a:schemeClr val="tx1"/>
+          </a:fontRef>
+        </p:style>
+      </p:cxnSp>
+      <p:sp>
+        <p:nvSpPr>
+          <p:cNvPr id="11" name="TextBox 10">
+            <a:extLst>
+              <a:ext uri="{FF2B5EF4-FFF2-40B4-BE49-F238E27FC236}">
+                <a16:creationId xmlns:a16="http://schemas.microsoft.com/office/drawing/2014/main" id="{E602F318-06ED-2BF1-84C2-0C132C5C249C}"/>
+              </a:ext>
+            </a:extLst>
+          </p:cNvPr>
+          <p:cNvSpPr txBox="1"/>
+          <p:nvPr/>
+        </p:nvSpPr>
+        <p:spPr>
+          <a:xfrm>
+            <a:off x="6509657" y="4840740"/>
+            <a:ext cx="3624943" cy="646331"/>
+          </a:xfrm>
+          <a:prstGeom prst="rect">
+            <a:avLst/>
+          </a:prstGeom>
+          <a:noFill/>
+        </p:spPr>
+        <p:txBody>
+          <a:bodyPr wrap="square" rtlCol="0">
+            <a:spAutoFit/>
+          </a:bodyPr>
+          <a:lstStyle/>
+          <a:p>
+            <a:r>
+              <a:rPr lang="en-US" altLang="ko-KR" dirty="0"/>
+              <a:t>Views.py</a:t>
+            </a:r>
+            <a:r>
+              <a:rPr lang="ko-KR" altLang="en-US" dirty="0"/>
+              <a:t>의 </a:t>
+            </a:r>
+            <a:r>
+              <a:rPr lang="en-US" altLang="ko-KR" dirty="0"/>
+              <a:t>user/</a:t>
+            </a:r>
+            <a:r>
+              <a:rPr lang="ko-KR" altLang="en-US" dirty="0"/>
+              <a:t>라는 </a:t>
+            </a:r>
+            <a:r>
+              <a:rPr lang="en-US" altLang="ko-KR" dirty="0"/>
+              <a:t>urn</a:t>
+            </a:r>
+            <a:r>
+              <a:rPr lang="ko-KR" altLang="en-US" dirty="0"/>
+              <a:t>에 대한 요청을 처리하는 로직</a:t>
+            </a:r>
           </a:p>
         </p:txBody>
       </p:sp>
     </p:spTree>
     <p:extLst>
       <p:ext uri="{BB962C8B-B14F-4D97-AF65-F5344CB8AC3E}">
-        <p14:creationId xmlns:p14="http://schemas.microsoft.com/office/powerpoint/2010/main" val="18869154"/>
+        <p14:creationId xmlns:p14="http://schemas.microsoft.com/office/powerpoint/2010/main" val="2584995138"/>
       </p:ext>
     </p:extLst>
   </p:cSld>
@@ -5536,138 +6051,48 @@
       </p:grpSpPr>
       <p:sp>
         <p:nvSpPr>
-          <p:cNvPr id="2" name="제목 1">
-            <a:extLst>
-              <a:ext uri="{FF2B5EF4-FFF2-40B4-BE49-F238E27FC236}">
-                <a16:creationId xmlns:a16="http://schemas.microsoft.com/office/drawing/2014/main" id="{37450A63-104F-4408-A6D4-A295F613CCD5}"/>
-              </a:ext>
-            </a:extLst>
-          </p:cNvPr>
-          <p:cNvSpPr>
-            <a:spLocks noGrp="1"/>
-          </p:cNvSpPr>
-          <p:nvPr>
-            <p:ph type="title"/>
-          </p:nvPr>
-        </p:nvSpPr>
-        <p:spPr/>
-        <p:txBody>
-          <a:bodyPr/>
-          <a:lstStyle/>
-          <a:p>
-            <a:r>
-              <a:rPr lang="ko-KR" altLang="en-US" b="1" dirty="0"/>
-              <a:t>화면 응답</a:t>
-            </a:r>
-          </a:p>
-        </p:txBody>
-      </p:sp>
-      <p:sp>
-        <p:nvSpPr>
-          <p:cNvPr id="3" name="내용 개체 틀 2">
-            <a:extLst>
-              <a:ext uri="{FF2B5EF4-FFF2-40B4-BE49-F238E27FC236}">
-                <a16:creationId xmlns:a16="http://schemas.microsoft.com/office/drawing/2014/main" id="{5C8D0D21-C8EA-87ED-0875-A1D38432F576}"/>
-              </a:ext>
-            </a:extLst>
-          </p:cNvPr>
-          <p:cNvSpPr>
-            <a:spLocks noGrp="1"/>
-          </p:cNvSpPr>
-          <p:nvPr>
-            <p:ph idx="1"/>
-          </p:nvPr>
-        </p:nvSpPr>
-        <p:spPr/>
-        <p:txBody>
-          <a:bodyPr/>
-          <a:lstStyle/>
-          <a:p>
-            <a:r>
-              <a:rPr lang="en-US" altLang="ko-KR" dirty="0"/>
-              <a:t>Render </a:t>
-            </a:r>
-            <a:r>
-              <a:rPr lang="ko-KR" altLang="en-US" dirty="0"/>
-              <a:t>함수를 이용하여 응답</a:t>
-            </a:r>
-            <a:endParaRPr lang="en-US" altLang="ko-KR" dirty="0"/>
-          </a:p>
-          <a:p>
-            <a:endParaRPr lang="en-US" altLang="ko-KR" dirty="0"/>
-          </a:p>
-          <a:p>
-            <a:endParaRPr lang="en-US" altLang="ko-KR" dirty="0"/>
-          </a:p>
-          <a:p>
-            <a:endParaRPr lang="en-US" altLang="ko-KR" dirty="0"/>
-          </a:p>
-          <a:p>
-            <a:r>
-              <a:rPr lang="ko-KR" altLang="en-US" dirty="0"/>
-              <a:t>다음과 같이</a:t>
-            </a:r>
-            <a:r>
-              <a:rPr lang="en-US" altLang="ko-KR" dirty="0"/>
-              <a:t> </a:t>
-            </a:r>
-            <a:r>
-              <a:rPr lang="ko-KR" altLang="en-US" dirty="0"/>
-              <a:t>매개변수로 받은 </a:t>
-            </a:r>
-            <a:r>
-              <a:rPr lang="en-US" altLang="ko-KR" dirty="0"/>
-              <a:t>request</a:t>
-            </a:r>
-            <a:r>
-              <a:rPr lang="ko-KR" altLang="en-US" dirty="0"/>
-              <a:t>와 함께 응답할 화면을 명시하여 </a:t>
-            </a:r>
-            <a:r>
-              <a:rPr lang="ko-KR" altLang="en-US" dirty="0" err="1"/>
-              <a:t>랜더링한다</a:t>
-            </a:r>
-            <a:r>
-              <a:rPr lang="en-US" altLang="ko-KR" dirty="0"/>
-              <a:t>.</a:t>
-            </a:r>
-          </a:p>
-        </p:txBody>
-      </p:sp>
-      <p:pic>
-        <p:nvPicPr>
-          <p:cNvPr id="5" name="그림 4">
-            <a:extLst>
-              <a:ext uri="{FF2B5EF4-FFF2-40B4-BE49-F238E27FC236}">
-                <a16:creationId xmlns:a16="http://schemas.microsoft.com/office/drawing/2014/main" id="{B0584052-04A8-CE6C-3099-B020F614EBFB}"/>
-              </a:ext>
-            </a:extLst>
-          </p:cNvPr>
-          <p:cNvPicPr>
-            <a:picLocks noChangeAspect="1"/>
-          </p:cNvPicPr>
-          <p:nvPr/>
-        </p:nvPicPr>
-        <p:blipFill>
-          <a:blip r:embed="rId2"/>
-          <a:stretch>
-            <a:fillRect/>
-          </a:stretch>
-        </p:blipFill>
+          <p:cNvPr id="4" name="제목 3">
+            <a:extLst>
+              <a:ext uri="{FF2B5EF4-FFF2-40B4-BE49-F238E27FC236}">
+                <a16:creationId xmlns:a16="http://schemas.microsoft.com/office/drawing/2014/main" id="{7D71AABA-9020-0757-FD69-FEC2C0D72E4D}"/>
+              </a:ext>
+            </a:extLst>
+          </p:cNvPr>
+          <p:cNvSpPr>
+            <a:spLocks noGrp="1"/>
+          </p:cNvSpPr>
+          <p:nvPr>
+            <p:ph type="ctrTitle"/>
+          </p:nvPr>
+        </p:nvSpPr>
         <p:spPr>
           <a:xfrm>
-            <a:off x="838200" y="2590072"/>
-            <a:ext cx="9859751" cy="676369"/>
+            <a:off x="1524000" y="1966005"/>
+            <a:ext cx="9144000" cy="2387600"/>
           </a:xfrm>
-          <a:prstGeom prst="rect">
-            <a:avLst/>
-          </a:prstGeom>
         </p:spPr>
-      </p:pic>
+        <p:txBody>
+          <a:bodyPr/>
+          <a:lstStyle/>
+          <a:p>
+            <a:r>
+              <a:rPr lang="ko-KR" altLang="en-US" b="1" dirty="0"/>
+              <a:t>요청에서 데이터 받기 및</a:t>
+            </a:r>
+            <a:br>
+              <a:rPr lang="en-US" altLang="ko-KR" b="1" dirty="0"/>
+            </a:br>
+            <a:r>
+              <a:rPr lang="ko-KR" altLang="en-US" b="1" dirty="0"/>
+              <a:t>응답으로 데이터 보내기</a:t>
+            </a:r>
+          </a:p>
+        </p:txBody>
+      </p:sp>
     </p:spTree>
     <p:extLst>
       <p:ext uri="{BB962C8B-B14F-4D97-AF65-F5344CB8AC3E}">
-        <p14:creationId xmlns:p14="http://schemas.microsoft.com/office/powerpoint/2010/main" val="594414129"/>
+        <p14:creationId xmlns:p14="http://schemas.microsoft.com/office/powerpoint/2010/main" val="2444286901"/>
       </p:ext>
     </p:extLst>
   </p:cSld>
@@ -5699,7 +6124,7 @@
           <p:cNvPr id="2" name="제목 1">
             <a:extLst>
               <a:ext uri="{FF2B5EF4-FFF2-40B4-BE49-F238E27FC236}">
-                <a16:creationId xmlns:a16="http://schemas.microsoft.com/office/drawing/2014/main" id="{48B307E6-6F8E-5216-E638-927B861E8C48}"/>
+                <a16:creationId xmlns:a16="http://schemas.microsoft.com/office/drawing/2014/main" id="{09097322-5FCB-A853-A136-99F609501680}"/>
               </a:ext>
             </a:extLst>
           </p:cNvPr>
@@ -5716,9 +6141,18 @@
           <a:lstStyle/>
           <a:p>
             <a:r>
+              <a:rPr lang="en-US" altLang="ko-KR" b="1" dirty="0"/>
+              <a:t>Json</a:t>
+            </a:r>
+            <a:r>
               <a:rPr lang="ko-KR" altLang="en-US" b="1" dirty="0"/>
-              <a:t>데이터 응답</a:t>
-            </a:r>
+              <a:t>이란</a:t>
+            </a:r>
+            <a:r>
+              <a:rPr lang="en-US" altLang="ko-KR" b="1" dirty="0"/>
+              <a:t>?</a:t>
+            </a:r>
+            <a:endParaRPr lang="ko-KR" altLang="en-US" b="1" dirty="0"/>
           </a:p>
         </p:txBody>
       </p:sp>
@@ -5727,7 +6161,7 @@
           <p:cNvPr id="3" name="내용 개체 틀 2">
             <a:extLst>
               <a:ext uri="{FF2B5EF4-FFF2-40B4-BE49-F238E27FC236}">
-                <a16:creationId xmlns:a16="http://schemas.microsoft.com/office/drawing/2014/main" id="{0779D429-E8FA-580F-7408-798779F34F69}"/>
+                <a16:creationId xmlns:a16="http://schemas.microsoft.com/office/drawing/2014/main" id="{892F40D5-5C9A-9603-C00E-ED06796DADC9}"/>
               </a:ext>
             </a:extLst>
           </p:cNvPr>
@@ -5743,14 +6177,379 @@
           <a:bodyPr/>
           <a:lstStyle/>
           <a:p>
-            <a:endParaRPr lang="ko-KR" altLang="en-US" dirty="0"/>
+            <a:r>
+              <a:rPr lang="en-US" altLang="ko-KR" dirty="0"/>
+              <a:t>Json</a:t>
+            </a:r>
+            <a:r>
+              <a:rPr lang="ko-KR" altLang="en-US" dirty="0"/>
+              <a:t>이란 </a:t>
+            </a:r>
+            <a:r>
+              <a:rPr lang="en-US" altLang="ko-KR" dirty="0"/>
+              <a:t>JavaScript Object Notation</a:t>
+            </a:r>
+            <a:r>
+              <a:rPr lang="ko-KR" altLang="en-US" dirty="0"/>
+              <a:t>으로 데이터를 저장하거나 전송할 때 사용하는 경량 </a:t>
+            </a:r>
+            <a:r>
+              <a:rPr lang="en-US" altLang="ko-KR" dirty="0"/>
+              <a:t>DATA </a:t>
+            </a:r>
+            <a:r>
+              <a:rPr lang="ko-KR" altLang="en-US" dirty="0"/>
+              <a:t>교환 형식</a:t>
+            </a:r>
+            <a:endParaRPr lang="en-US" altLang="ko-KR" dirty="0"/>
+          </a:p>
+          <a:p>
+            <a:r>
+              <a:rPr lang="ko-KR" altLang="en-US" dirty="0"/>
+              <a:t>서버와 클라이언트가 데이터를 교류할 때 많이 사용</a:t>
+            </a:r>
+            <a:endParaRPr lang="en-US" altLang="ko-KR" dirty="0"/>
+          </a:p>
+          <a:p>
+            <a:r>
+              <a:rPr lang="en-US" altLang="ko-KR" dirty="0"/>
+              <a:t>Key-value</a:t>
+            </a:r>
+            <a:r>
+              <a:rPr lang="ko-KR" altLang="en-US" dirty="0"/>
+              <a:t> 쌍으로 </a:t>
+            </a:r>
+            <a:r>
+              <a:rPr lang="ko-KR" altLang="en-US" dirty="0" err="1"/>
+              <a:t>이루어져있다</a:t>
+            </a:r>
+            <a:endParaRPr lang="en-US" altLang="ko-KR" dirty="0"/>
+          </a:p>
+          <a:p>
+            <a:endParaRPr lang="en-US" altLang="ko-KR" dirty="0"/>
+          </a:p>
+          <a:p>
+            <a:r>
+              <a:rPr lang="en-US" altLang="ko-KR" dirty="0"/>
+              <a:t>id = 5, pw = 123</a:t>
+            </a:r>
+            <a:r>
+              <a:rPr lang="ko-KR" altLang="en-US" dirty="0"/>
+              <a:t>을 </a:t>
+            </a:r>
+            <a:r>
+              <a:rPr lang="en-US" altLang="ko-KR" dirty="0" err="1"/>
+              <a:t>json</a:t>
+            </a:r>
+            <a:r>
+              <a:rPr lang="en-US" altLang="ko-KR" dirty="0"/>
+              <a:t> </a:t>
+            </a:r>
+            <a:r>
+              <a:rPr lang="ko-KR" altLang="en-US" dirty="0"/>
+              <a:t>형식으로 바꾸면 다음과 같다</a:t>
+            </a:r>
+            <a:r>
+              <a:rPr lang="en-US" altLang="ko-KR" dirty="0"/>
+              <a:t>.</a:t>
+            </a:r>
+          </a:p>
+        </p:txBody>
+      </p:sp>
+      <p:pic>
+        <p:nvPicPr>
+          <p:cNvPr id="5" name="그림 4">
+            <a:extLst>
+              <a:ext uri="{FF2B5EF4-FFF2-40B4-BE49-F238E27FC236}">
+                <a16:creationId xmlns:a16="http://schemas.microsoft.com/office/drawing/2014/main" id="{65B7EA82-B7CB-5D2E-5EE0-08B75073A5ED}"/>
+              </a:ext>
+            </a:extLst>
+          </p:cNvPr>
+          <p:cNvPicPr>
+            <a:picLocks noChangeAspect="1"/>
+          </p:cNvPicPr>
+          <p:nvPr/>
+        </p:nvPicPr>
+        <p:blipFill>
+          <a:blip r:embed="rId2"/>
+          <a:stretch>
+            <a:fillRect/>
+          </a:stretch>
+        </p:blipFill>
+        <p:spPr>
+          <a:xfrm>
+            <a:off x="1083128" y="4701925"/>
+            <a:ext cx="2715004" cy="1790950"/>
+          </a:xfrm>
+          <a:prstGeom prst="rect">
+            <a:avLst/>
+          </a:prstGeom>
+        </p:spPr>
+      </p:pic>
+      <p:sp>
+        <p:nvSpPr>
+          <p:cNvPr id="8" name="직사각형 7">
+            <a:extLst>
+              <a:ext uri="{FF2B5EF4-FFF2-40B4-BE49-F238E27FC236}">
+                <a16:creationId xmlns:a16="http://schemas.microsoft.com/office/drawing/2014/main" id="{53FD8ED9-85D6-16C0-8F36-6A214AED49EF}"/>
+              </a:ext>
+            </a:extLst>
+          </p:cNvPr>
+          <p:cNvSpPr/>
+          <p:nvPr/>
+        </p:nvSpPr>
+        <p:spPr>
+          <a:xfrm>
+            <a:off x="1695450" y="5652294"/>
+            <a:ext cx="692150" cy="476250"/>
+          </a:xfrm>
+          <a:prstGeom prst="rect">
+            <a:avLst/>
+          </a:prstGeom>
+          <a:noFill/>
+          <a:ln w="28575">
+            <a:solidFill>
+              <a:srgbClr val="FF0000"/>
+            </a:solidFill>
+          </a:ln>
+        </p:spPr>
+        <p:style>
+          <a:lnRef idx="2">
+            <a:schemeClr val="accent1">
+              <a:shade val="15000"/>
+            </a:schemeClr>
+          </a:lnRef>
+          <a:fillRef idx="1">
+            <a:schemeClr val="accent1"/>
+          </a:fillRef>
+          <a:effectRef idx="0">
+            <a:schemeClr val="accent1"/>
+          </a:effectRef>
+          <a:fontRef idx="minor">
+            <a:schemeClr val="lt1"/>
+          </a:fontRef>
+        </p:style>
+        <p:txBody>
+          <a:bodyPr rtlCol="0" anchor="ctr"/>
+          <a:lstStyle/>
+          <a:p>
+            <a:pPr algn="ctr"/>
+            <a:endParaRPr lang="ko-KR" altLang="en-US"/>
+          </a:p>
+        </p:txBody>
+      </p:sp>
+      <p:sp>
+        <p:nvSpPr>
+          <p:cNvPr id="9" name="직사각형 8">
+            <a:extLst>
+              <a:ext uri="{FF2B5EF4-FFF2-40B4-BE49-F238E27FC236}">
+                <a16:creationId xmlns:a16="http://schemas.microsoft.com/office/drawing/2014/main" id="{149EEB9D-0424-F74F-3EF7-9E17D31FD7EA}"/>
+              </a:ext>
+            </a:extLst>
+          </p:cNvPr>
+          <p:cNvSpPr/>
+          <p:nvPr/>
+        </p:nvSpPr>
+        <p:spPr>
+          <a:xfrm>
+            <a:off x="2704647" y="5633244"/>
+            <a:ext cx="692150" cy="476250"/>
+          </a:xfrm>
+          <a:prstGeom prst="rect">
+            <a:avLst/>
+          </a:prstGeom>
+          <a:noFill/>
+          <a:ln w="28575">
+            <a:solidFill>
+              <a:srgbClr val="FF0000"/>
+            </a:solidFill>
+          </a:ln>
+        </p:spPr>
+        <p:style>
+          <a:lnRef idx="2">
+            <a:schemeClr val="accent1">
+              <a:shade val="15000"/>
+            </a:schemeClr>
+          </a:lnRef>
+          <a:fillRef idx="1">
+            <a:schemeClr val="accent1"/>
+          </a:fillRef>
+          <a:effectRef idx="0">
+            <a:schemeClr val="accent1"/>
+          </a:effectRef>
+          <a:fontRef idx="minor">
+            <a:schemeClr val="lt1"/>
+          </a:fontRef>
+        </p:style>
+        <p:txBody>
+          <a:bodyPr rtlCol="0" anchor="ctr"/>
+          <a:lstStyle/>
+          <a:p>
+            <a:pPr algn="ctr"/>
+            <a:endParaRPr lang="ko-KR" altLang="en-US"/>
+          </a:p>
+        </p:txBody>
+      </p:sp>
+      <p:cxnSp>
+        <p:nvCxnSpPr>
+          <p:cNvPr id="11" name="직선 화살표 연결선 10">
+            <a:extLst>
+              <a:ext uri="{FF2B5EF4-FFF2-40B4-BE49-F238E27FC236}">
+                <a16:creationId xmlns:a16="http://schemas.microsoft.com/office/drawing/2014/main" id="{5F9353F7-49B5-C656-9060-E4CE24874AA7}"/>
+              </a:ext>
+            </a:extLst>
+          </p:cNvPr>
+          <p:cNvCxnSpPr/>
+          <p:nvPr/>
+        </p:nvCxnSpPr>
+        <p:spPr>
+          <a:xfrm flipV="1">
+            <a:off x="2025650" y="6176963"/>
+            <a:ext cx="0" cy="315912"/>
+          </a:xfrm>
+          <a:prstGeom prst="straightConnector1">
+            <a:avLst/>
+          </a:prstGeom>
+          <a:ln w="28575">
+            <a:solidFill>
+              <a:srgbClr val="FF0000"/>
+            </a:solidFill>
+            <a:tailEnd type="triangle"/>
+          </a:ln>
+        </p:spPr>
+        <p:style>
+          <a:lnRef idx="1">
+            <a:schemeClr val="accent1"/>
+          </a:lnRef>
+          <a:fillRef idx="0">
+            <a:schemeClr val="accent1"/>
+          </a:fillRef>
+          <a:effectRef idx="0">
+            <a:schemeClr val="accent1"/>
+          </a:effectRef>
+          <a:fontRef idx="minor">
+            <a:schemeClr val="tx1"/>
+          </a:fontRef>
+        </p:style>
+      </p:cxnSp>
+      <p:cxnSp>
+        <p:nvCxnSpPr>
+          <p:cNvPr id="12" name="직선 화살표 연결선 11">
+            <a:extLst>
+              <a:ext uri="{FF2B5EF4-FFF2-40B4-BE49-F238E27FC236}">
+                <a16:creationId xmlns:a16="http://schemas.microsoft.com/office/drawing/2014/main" id="{690AE136-ED80-213A-965A-057240D8BA56}"/>
+              </a:ext>
+            </a:extLst>
+          </p:cNvPr>
+          <p:cNvCxnSpPr/>
+          <p:nvPr/>
+        </p:nvCxnSpPr>
+        <p:spPr>
+          <a:xfrm flipV="1">
+            <a:off x="3025322" y="6193632"/>
+            <a:ext cx="0" cy="315912"/>
+          </a:xfrm>
+          <a:prstGeom prst="straightConnector1">
+            <a:avLst/>
+          </a:prstGeom>
+          <a:ln w="28575">
+            <a:solidFill>
+              <a:srgbClr val="FF0000"/>
+            </a:solidFill>
+            <a:tailEnd type="triangle"/>
+          </a:ln>
+        </p:spPr>
+        <p:style>
+          <a:lnRef idx="1">
+            <a:schemeClr val="accent1"/>
+          </a:lnRef>
+          <a:fillRef idx="0">
+            <a:schemeClr val="accent1"/>
+          </a:fillRef>
+          <a:effectRef idx="0">
+            <a:schemeClr val="accent1"/>
+          </a:effectRef>
+          <a:fontRef idx="minor">
+            <a:schemeClr val="tx1"/>
+          </a:fontRef>
+        </p:style>
+      </p:cxnSp>
+      <p:sp>
+        <p:nvSpPr>
+          <p:cNvPr id="13" name="TextBox 12">
+            <a:extLst>
+              <a:ext uri="{FF2B5EF4-FFF2-40B4-BE49-F238E27FC236}">
+                <a16:creationId xmlns:a16="http://schemas.microsoft.com/office/drawing/2014/main" id="{03B45CC5-05A9-2ED2-012E-0562325E6BCA}"/>
+              </a:ext>
+            </a:extLst>
+          </p:cNvPr>
+          <p:cNvSpPr txBox="1"/>
+          <p:nvPr/>
+        </p:nvSpPr>
+        <p:spPr>
+          <a:xfrm>
+            <a:off x="1788887" y="6396335"/>
+            <a:ext cx="736599" cy="461665"/>
+          </a:xfrm>
+          <a:prstGeom prst="rect">
+            <a:avLst/>
+          </a:prstGeom>
+          <a:noFill/>
+        </p:spPr>
+        <p:txBody>
+          <a:bodyPr wrap="square" rtlCol="0">
+            <a:spAutoFit/>
+          </a:bodyPr>
+          <a:lstStyle/>
+          <a:p>
+            <a:r>
+              <a:rPr lang="en-US" altLang="ko-KR" sz="2400" dirty="0"/>
+              <a:t>key</a:t>
+            </a:r>
+            <a:endParaRPr lang="ko-KR" altLang="en-US" sz="2400" dirty="0"/>
+          </a:p>
+        </p:txBody>
+      </p:sp>
+      <p:sp>
+        <p:nvSpPr>
+          <p:cNvPr id="16" name="TextBox 15">
+            <a:extLst>
+              <a:ext uri="{FF2B5EF4-FFF2-40B4-BE49-F238E27FC236}">
+                <a16:creationId xmlns:a16="http://schemas.microsoft.com/office/drawing/2014/main" id="{334E8C4D-20D2-FE16-FC27-7E2B83E9E054}"/>
+              </a:ext>
+            </a:extLst>
+          </p:cNvPr>
+          <p:cNvSpPr txBox="1"/>
+          <p:nvPr/>
+        </p:nvSpPr>
+        <p:spPr>
+          <a:xfrm>
+            <a:off x="2761344" y="6396334"/>
+            <a:ext cx="921656" cy="461665"/>
+          </a:xfrm>
+          <a:prstGeom prst="rect">
+            <a:avLst/>
+          </a:prstGeom>
+          <a:noFill/>
+        </p:spPr>
+        <p:txBody>
+          <a:bodyPr wrap="square" rtlCol="0">
+            <a:spAutoFit/>
+          </a:bodyPr>
+          <a:lstStyle/>
+          <a:p>
+            <a:r>
+              <a:rPr lang="en-US" altLang="ko-KR" sz="2400" dirty="0"/>
+              <a:t>value</a:t>
+            </a:r>
+            <a:endParaRPr lang="ko-KR" altLang="en-US" sz="2400" dirty="0"/>
           </a:p>
         </p:txBody>
       </p:sp>
     </p:spTree>
     <p:extLst>
       <p:ext uri="{BB962C8B-B14F-4D97-AF65-F5344CB8AC3E}">
-        <p14:creationId xmlns:p14="http://schemas.microsoft.com/office/powerpoint/2010/main" val="692122290"/>
+        <p14:creationId xmlns:p14="http://schemas.microsoft.com/office/powerpoint/2010/main" val="4238681012"/>
       </p:ext>
     </p:extLst>
   </p:cSld>
@@ -6251,7 +7050,7 @@
           <p:cNvPr id="2" name="제목 1">
             <a:extLst>
               <a:ext uri="{FF2B5EF4-FFF2-40B4-BE49-F238E27FC236}">
-                <a16:creationId xmlns:a16="http://schemas.microsoft.com/office/drawing/2014/main" id="{09097322-5FCB-A853-A136-99F609501680}"/>
+                <a16:creationId xmlns:a16="http://schemas.microsoft.com/office/drawing/2014/main" id="{1878D22F-1627-C5C9-1CA8-745F8D7A829D}"/>
               </a:ext>
             </a:extLst>
           </p:cNvPr>
@@ -6268,50 +7067,125 @@
           <a:lstStyle/>
           <a:p>
             <a:r>
-              <a:rPr lang="en-US" altLang="ko-KR" b="1" dirty="0"/>
-              <a:t>Json</a:t>
-            </a:r>
-            <a:r>
               <a:rPr lang="ko-KR" altLang="en-US" b="1" dirty="0"/>
-              <a:t>이란</a:t>
-            </a:r>
-            <a:r>
-              <a:rPr lang="en-US" altLang="ko-KR" b="1" dirty="0"/>
+              <a:t>요청에서 정보 받기</a:t>
+            </a:r>
+          </a:p>
+        </p:txBody>
+      </p:sp>
+      <p:sp>
+        <p:nvSpPr>
+          <p:cNvPr id="3" name="내용 개체 틀 2">
+            <a:extLst>
+              <a:ext uri="{FF2B5EF4-FFF2-40B4-BE49-F238E27FC236}">
+                <a16:creationId xmlns:a16="http://schemas.microsoft.com/office/drawing/2014/main" id="{1B849882-D772-DE3D-41A7-3A07B25BE25A}"/>
+              </a:ext>
+            </a:extLst>
+          </p:cNvPr>
+          <p:cNvSpPr>
+            <a:spLocks noGrp="1"/>
+          </p:cNvSpPr>
+          <p:nvPr>
+            <p:ph idx="1"/>
+          </p:nvPr>
+        </p:nvSpPr>
+        <p:spPr/>
+        <p:txBody>
+          <a:bodyPr/>
+          <a:lstStyle/>
+          <a:p>
+            <a:r>
+              <a:rPr lang="ko-KR" altLang="en-US" dirty="0"/>
+              <a:t>클라이언트가 </a:t>
+            </a:r>
+            <a:r>
+              <a:rPr lang="en-US" altLang="ko-KR" dirty="0"/>
+              <a:t>get or post</a:t>
+            </a:r>
+            <a:r>
+              <a:rPr lang="ko-KR" altLang="en-US" dirty="0"/>
+              <a:t>방식으로 보낸 요청에 담긴 정보는 어떻게 볼 수 있을까</a:t>
+            </a:r>
+            <a:r>
+              <a:rPr lang="en-US" altLang="ko-KR" dirty="0"/>
               <a:t>?</a:t>
             </a:r>
-            <a:endParaRPr lang="ko-KR" altLang="en-US" b="1" dirty="0"/>
-          </a:p>
-        </p:txBody>
-      </p:sp>
-      <p:sp>
-        <p:nvSpPr>
-          <p:cNvPr id="3" name="내용 개체 틀 2">
-            <a:extLst>
-              <a:ext uri="{FF2B5EF4-FFF2-40B4-BE49-F238E27FC236}">
-                <a16:creationId xmlns:a16="http://schemas.microsoft.com/office/drawing/2014/main" id="{892F40D5-5C9A-9603-C00E-ED06796DADC9}"/>
-              </a:ext>
-            </a:extLst>
-          </p:cNvPr>
-          <p:cNvSpPr>
-            <a:spLocks noGrp="1"/>
-          </p:cNvSpPr>
-          <p:nvPr>
-            <p:ph idx="1"/>
-          </p:nvPr>
-        </p:nvSpPr>
-        <p:spPr/>
-        <p:txBody>
-          <a:bodyPr/>
-          <a:lstStyle/>
-          <a:p>
-            <a:endParaRPr lang="ko-KR" altLang="en-US" dirty="0"/>
+          </a:p>
+          <a:p>
+            <a:endParaRPr lang="en-US" altLang="ko-KR" dirty="0"/>
+          </a:p>
+          <a:p>
+            <a:r>
+              <a:rPr lang="ko-KR" altLang="en-US" dirty="0"/>
+              <a:t>이는 또한 </a:t>
+            </a:r>
+            <a:r>
+              <a:rPr lang="en-US" altLang="ko-KR" dirty="0"/>
+              <a:t>request</a:t>
+            </a:r>
+            <a:r>
+              <a:rPr lang="ko-KR" altLang="en-US" dirty="0"/>
+              <a:t>를 이용하여 받을 수 있다</a:t>
+            </a:r>
+            <a:r>
+              <a:rPr lang="en-US" altLang="ko-KR" dirty="0"/>
+              <a:t>.</a:t>
+            </a:r>
+          </a:p>
+          <a:p>
+            <a:endParaRPr lang="en-US" altLang="ko-KR" dirty="0"/>
+          </a:p>
+          <a:p>
+            <a:r>
+              <a:rPr lang="ko-KR" altLang="en-US" dirty="0"/>
+              <a:t>예를 들어 </a:t>
+            </a:r>
+            <a:r>
+              <a:rPr lang="en-US" altLang="ko-KR" dirty="0"/>
+              <a:t>id</a:t>
+            </a:r>
+            <a:r>
+              <a:rPr lang="ko-KR" altLang="en-US" dirty="0"/>
+              <a:t>와 </a:t>
+            </a:r>
+            <a:r>
+              <a:rPr lang="en-US" altLang="ko-KR" dirty="0"/>
+              <a:t>pw</a:t>
+            </a:r>
+            <a:r>
+              <a:rPr lang="ko-KR" altLang="en-US" dirty="0"/>
+              <a:t>를 </a:t>
+            </a:r>
+            <a:r>
+              <a:rPr lang="en-US" altLang="ko-KR" dirty="0"/>
+              <a:t>get</a:t>
+            </a:r>
+            <a:r>
+              <a:rPr lang="ko-KR" altLang="en-US" dirty="0"/>
+              <a:t> 혹은 </a:t>
+            </a:r>
+            <a:r>
+              <a:rPr lang="en-US" altLang="ko-KR" dirty="0"/>
+              <a:t>post </a:t>
+            </a:r>
+            <a:r>
+              <a:rPr lang="ko-KR" altLang="en-US" dirty="0"/>
+              <a:t>방식으로 클라이언트가 보냈다고 하자</a:t>
+            </a:r>
+            <a:r>
+              <a:rPr lang="en-US" altLang="ko-KR" dirty="0"/>
+              <a:t>.</a:t>
+            </a:r>
+          </a:p>
+          <a:p>
+            <a:endParaRPr lang="en-US" altLang="ko-KR" dirty="0"/>
           </a:p>
         </p:txBody>
       </p:sp>
     </p:spTree>
     <p:extLst>
       <p:ext uri="{BB962C8B-B14F-4D97-AF65-F5344CB8AC3E}">
-        <p14:creationId xmlns:p14="http://schemas.microsoft.com/office/powerpoint/2010/main" val="4238681012"/>
+        <p14:creationId xmlns:p14="http://schemas.microsoft.com/office/powerpoint/2010/main" val="1438597014"/>
       </p:ext>
     </p:extLst>
   </p:cSld>
@@ -6343,7 +7217,7 @@
           <p:cNvPr id="2" name="제목 1">
             <a:extLst>
               <a:ext uri="{FF2B5EF4-FFF2-40B4-BE49-F238E27FC236}">
-                <a16:creationId xmlns:a16="http://schemas.microsoft.com/office/drawing/2014/main" id="{64C932E9-9BDB-41CD-B8B3-C9826515E082}"/>
+                <a16:creationId xmlns:a16="http://schemas.microsoft.com/office/drawing/2014/main" id="{064AF845-8493-093B-4F0F-1AA9DB388991}"/>
               </a:ext>
             </a:extLst>
           </p:cNvPr>
@@ -6359,28 +7233,19 @@
           <a:bodyPr/>
           <a:lstStyle/>
           <a:p>
-            <a:pPr algn="l"/>
-            <a:r>
-              <a:rPr lang="en-US" altLang="ko-KR" b="1" dirty="0"/>
-              <a:t>HTTP method</a:t>
-            </a:r>
             <a:r>
               <a:rPr lang="ko-KR" altLang="en-US" b="1" dirty="0"/>
-              <a:t>에 대해</a:t>
-            </a:r>
-            <a:r>
-              <a:rPr lang="en-US" altLang="ko-KR" b="1" dirty="0"/>
-              <a:t> (GET, POST)</a:t>
-            </a:r>
-          </a:p>
-        </p:txBody>
-      </p:sp>
-      <p:sp>
-        <p:nvSpPr>
-          <p:cNvPr id="8" name="내용 개체 틀 7">
-            <a:extLst>
-              <a:ext uri="{FF2B5EF4-FFF2-40B4-BE49-F238E27FC236}">
-                <a16:creationId xmlns:a16="http://schemas.microsoft.com/office/drawing/2014/main" id="{01A6821C-8B20-5D28-A06B-71A10A4BDF61}"/>
+              <a:t>요청에서 정보 받기</a:t>
+            </a:r>
+          </a:p>
+        </p:txBody>
+      </p:sp>
+      <p:sp>
+        <p:nvSpPr>
+          <p:cNvPr id="3" name="내용 개체 틀 2">
+            <a:extLst>
+              <a:ext uri="{FF2B5EF4-FFF2-40B4-BE49-F238E27FC236}">
+                <a16:creationId xmlns:a16="http://schemas.microsoft.com/office/drawing/2014/main" id="{B0AF88B9-2094-752E-388A-859B94B46BED}"/>
               </a:ext>
             </a:extLst>
           </p:cNvPr>
@@ -6393,57 +7258,327 @@
         </p:nvSpPr>
         <p:spPr/>
         <p:txBody>
-          <a:bodyPr>
-            <a:normAutofit/>
+          <a:bodyPr/>
+          <a:lstStyle/>
+          <a:p>
+            <a:r>
+              <a:rPr lang="en-US" altLang="ko-KR" dirty="0"/>
+              <a:t>GET:</a:t>
+            </a:r>
+            <a:r>
+              <a:rPr lang="ko-KR" altLang="en-US" dirty="0"/>
+              <a:t> </a:t>
+            </a:r>
+            <a:r>
+              <a:rPr lang="en-US" altLang="ko-KR" dirty="0" err="1"/>
+              <a:t>request.GET.get</a:t>
+            </a:r>
+            <a:r>
+              <a:rPr lang="en-US" altLang="ko-KR" dirty="0"/>
+              <a:t>(“id”)</a:t>
+            </a:r>
+            <a:r>
+              <a:rPr lang="ko-KR" altLang="en-US" dirty="0"/>
+              <a:t>로 받을 수 있다</a:t>
+            </a:r>
+            <a:r>
+              <a:rPr lang="en-US" altLang="ko-KR" dirty="0"/>
+              <a:t>.</a:t>
+            </a:r>
+          </a:p>
+          <a:p>
+            <a:endParaRPr lang="en-US" altLang="ko-KR" dirty="0"/>
+          </a:p>
+          <a:p>
+            <a:endParaRPr lang="en-US" altLang="ko-KR" dirty="0"/>
+          </a:p>
+          <a:p>
+            <a:r>
+              <a:rPr lang="en-US" altLang="ko-KR" dirty="0"/>
+              <a:t>POST: </a:t>
+            </a:r>
+            <a:r>
+              <a:rPr lang="en-US" altLang="ko-KR" dirty="0" err="1"/>
+              <a:t>request.POST.get</a:t>
+            </a:r>
+            <a:r>
+              <a:rPr lang="en-US" altLang="ko-KR" dirty="0"/>
+              <a:t>(“id”)</a:t>
+            </a:r>
+            <a:r>
+              <a:rPr lang="ko-KR" altLang="en-US" dirty="0"/>
+              <a:t>로 받을 수 있다</a:t>
+            </a:r>
+            <a:r>
+              <a:rPr lang="en-US" altLang="ko-KR" dirty="0"/>
+              <a:t>.</a:t>
+            </a:r>
+            <a:endParaRPr lang="ko-KR" altLang="en-US" dirty="0"/>
+          </a:p>
+        </p:txBody>
+      </p:sp>
+      <p:sp>
+        <p:nvSpPr>
+          <p:cNvPr id="4" name="직사각형 3">
+            <a:extLst>
+              <a:ext uri="{FF2B5EF4-FFF2-40B4-BE49-F238E27FC236}">
+                <a16:creationId xmlns:a16="http://schemas.microsoft.com/office/drawing/2014/main" id="{4CF8BE4E-9667-AC7F-F779-2BF2395C56B4}"/>
+              </a:ext>
+            </a:extLst>
+          </p:cNvPr>
+          <p:cNvSpPr/>
+          <p:nvPr/>
+        </p:nvSpPr>
+        <p:spPr>
+          <a:xfrm>
+            <a:off x="4572000" y="1860550"/>
+            <a:ext cx="590550" cy="412750"/>
+          </a:xfrm>
+          <a:prstGeom prst="rect">
+            <a:avLst/>
+          </a:prstGeom>
+          <a:noFill/>
+          <a:ln w="28575">
+            <a:solidFill>
+              <a:srgbClr val="FF0000"/>
+            </a:solidFill>
+          </a:ln>
+        </p:spPr>
+        <p:style>
+          <a:lnRef idx="2">
+            <a:schemeClr val="accent1">
+              <a:shade val="15000"/>
+            </a:schemeClr>
+          </a:lnRef>
+          <a:fillRef idx="1">
+            <a:schemeClr val="accent1"/>
+          </a:fillRef>
+          <a:effectRef idx="0">
+            <a:schemeClr val="accent1"/>
+          </a:effectRef>
+          <a:fontRef idx="minor">
+            <a:schemeClr val="lt1"/>
+          </a:fontRef>
+        </p:style>
+        <p:txBody>
+          <a:bodyPr rtlCol="0" anchor="ctr"/>
+          <a:lstStyle/>
+          <a:p>
+            <a:pPr algn="ctr"/>
+            <a:endParaRPr lang="ko-KR" altLang="en-US"/>
+          </a:p>
+        </p:txBody>
+      </p:sp>
+      <p:sp>
+        <p:nvSpPr>
+          <p:cNvPr id="5" name="직사각형 4">
+            <a:extLst>
+              <a:ext uri="{FF2B5EF4-FFF2-40B4-BE49-F238E27FC236}">
+                <a16:creationId xmlns:a16="http://schemas.microsoft.com/office/drawing/2014/main" id="{0B89F10F-030B-BCDA-3F06-86851FB84CA5}"/>
+              </a:ext>
+            </a:extLst>
+          </p:cNvPr>
+          <p:cNvSpPr/>
+          <p:nvPr/>
+        </p:nvSpPr>
+        <p:spPr>
+          <a:xfrm>
+            <a:off x="5019675" y="3423444"/>
+            <a:ext cx="590550" cy="412750"/>
+          </a:xfrm>
+          <a:prstGeom prst="rect">
+            <a:avLst/>
+          </a:prstGeom>
+          <a:noFill/>
+          <a:ln w="28575">
+            <a:solidFill>
+              <a:srgbClr val="FF0000"/>
+            </a:solidFill>
+          </a:ln>
+        </p:spPr>
+        <p:style>
+          <a:lnRef idx="2">
+            <a:schemeClr val="accent1">
+              <a:shade val="15000"/>
+            </a:schemeClr>
+          </a:lnRef>
+          <a:fillRef idx="1">
+            <a:schemeClr val="accent1"/>
+          </a:fillRef>
+          <a:effectRef idx="0">
+            <a:schemeClr val="accent1"/>
+          </a:effectRef>
+          <a:fontRef idx="minor">
+            <a:schemeClr val="lt1"/>
+          </a:fontRef>
+        </p:style>
+        <p:txBody>
+          <a:bodyPr rtlCol="0" anchor="ctr"/>
+          <a:lstStyle/>
+          <a:p>
+            <a:pPr algn="ctr"/>
+            <a:endParaRPr lang="ko-KR" altLang="en-US"/>
+          </a:p>
+        </p:txBody>
+      </p:sp>
+      <p:cxnSp>
+        <p:nvCxnSpPr>
+          <p:cNvPr id="7" name="직선 화살표 연결선 6">
+            <a:extLst>
+              <a:ext uri="{FF2B5EF4-FFF2-40B4-BE49-F238E27FC236}">
+                <a16:creationId xmlns:a16="http://schemas.microsoft.com/office/drawing/2014/main" id="{E91CAAC1-F4F8-D1EA-B4A1-C77BF4ACA202}"/>
+              </a:ext>
+            </a:extLst>
+          </p:cNvPr>
+          <p:cNvCxnSpPr/>
+          <p:nvPr/>
+        </p:nvCxnSpPr>
+        <p:spPr>
+          <a:xfrm flipV="1">
+            <a:off x="4867275" y="2324100"/>
+            <a:ext cx="0" cy="393700"/>
+          </a:xfrm>
+          <a:prstGeom prst="straightConnector1">
+            <a:avLst/>
+          </a:prstGeom>
+          <a:ln w="28575">
+            <a:solidFill>
+              <a:srgbClr val="FF0000"/>
+            </a:solidFill>
+            <a:tailEnd type="triangle"/>
+          </a:ln>
+        </p:spPr>
+        <p:style>
+          <a:lnRef idx="1">
+            <a:schemeClr val="accent1"/>
+          </a:lnRef>
+          <a:fillRef idx="0">
+            <a:schemeClr val="accent1"/>
+          </a:fillRef>
+          <a:effectRef idx="0">
+            <a:schemeClr val="accent1"/>
+          </a:effectRef>
+          <a:fontRef idx="minor">
+            <a:schemeClr val="tx1"/>
+          </a:fontRef>
+        </p:style>
+      </p:cxnSp>
+      <p:cxnSp>
+        <p:nvCxnSpPr>
+          <p:cNvPr id="8" name="직선 화살표 연결선 7">
+            <a:extLst>
+              <a:ext uri="{FF2B5EF4-FFF2-40B4-BE49-F238E27FC236}">
+                <a16:creationId xmlns:a16="http://schemas.microsoft.com/office/drawing/2014/main" id="{8DA65E72-2FC4-AADB-2EC9-D4A334294D7C}"/>
+              </a:ext>
+            </a:extLst>
+          </p:cNvPr>
+          <p:cNvCxnSpPr/>
+          <p:nvPr/>
+        </p:nvCxnSpPr>
+        <p:spPr>
+          <a:xfrm flipV="1">
+            <a:off x="5362575" y="3836194"/>
+            <a:ext cx="0" cy="393700"/>
+          </a:xfrm>
+          <a:prstGeom prst="straightConnector1">
+            <a:avLst/>
+          </a:prstGeom>
+          <a:ln w="28575">
+            <a:solidFill>
+              <a:srgbClr val="FF0000"/>
+            </a:solidFill>
+            <a:tailEnd type="triangle"/>
+          </a:ln>
+        </p:spPr>
+        <p:style>
+          <a:lnRef idx="1">
+            <a:schemeClr val="accent1"/>
+          </a:lnRef>
+          <a:fillRef idx="0">
+            <a:schemeClr val="accent1"/>
+          </a:fillRef>
+          <a:effectRef idx="0">
+            <a:schemeClr val="accent1"/>
+          </a:effectRef>
+          <a:fontRef idx="minor">
+            <a:schemeClr val="tx1"/>
+          </a:fontRef>
+        </p:style>
+      </p:cxnSp>
+      <p:sp>
+        <p:nvSpPr>
+          <p:cNvPr id="11" name="TextBox 10">
+            <a:extLst>
+              <a:ext uri="{FF2B5EF4-FFF2-40B4-BE49-F238E27FC236}">
+                <a16:creationId xmlns:a16="http://schemas.microsoft.com/office/drawing/2014/main" id="{1D481EE7-63F0-07BC-25E7-872DB7821A97}"/>
+              </a:ext>
+            </a:extLst>
+          </p:cNvPr>
+          <p:cNvSpPr txBox="1"/>
+          <p:nvPr/>
+        </p:nvSpPr>
+        <p:spPr>
+          <a:xfrm>
+            <a:off x="4897082" y="4229894"/>
+            <a:ext cx="1198918" cy="400110"/>
+          </a:xfrm>
+          <a:prstGeom prst="rect">
+            <a:avLst/>
+          </a:prstGeom>
+          <a:noFill/>
+        </p:spPr>
+        <p:txBody>
+          <a:bodyPr wrap="none" rtlCol="0">
+            <a:spAutoFit/>
           </a:bodyPr>
           <a:lstStyle/>
           <a:p>
             <a:r>
-              <a:rPr lang="ko-KR" altLang="en-US" dirty="0"/>
-              <a:t>위 두 가지 방법을 잘 활용하여</a:t>
-            </a:r>
-            <a:endParaRPr lang="en-US" altLang="ko-KR" dirty="0"/>
-          </a:p>
-          <a:p>
-            <a:endParaRPr lang="en-US" altLang="ko-KR" dirty="0"/>
-          </a:p>
-          <a:p>
-            <a:r>
-              <a:rPr lang="ko-KR" altLang="en-US" dirty="0"/>
-              <a:t>로그인</a:t>
-            </a:r>
-            <a:r>
-              <a:rPr lang="en-US" altLang="ko-KR" dirty="0"/>
-              <a:t> </a:t>
-            </a:r>
-            <a:r>
-              <a:rPr lang="ko-KR" altLang="en-US" dirty="0"/>
-              <a:t>및 회원가입 기능을 만들어보자</a:t>
-            </a:r>
-            <a:r>
-              <a:rPr lang="en-US" altLang="ko-KR" dirty="0"/>
-              <a:t>.</a:t>
-            </a:r>
-          </a:p>
-          <a:p>
-            <a:endParaRPr lang="en-US" altLang="ko-KR" dirty="0"/>
-          </a:p>
-          <a:p>
-            <a:r>
-              <a:rPr lang="ko-KR" altLang="en-US" dirty="0"/>
-              <a:t>아래 링크에서 </a:t>
-            </a:r>
-            <a:r>
-              <a:rPr lang="en-US" altLang="ko-KR" dirty="0"/>
-              <a:t>html </a:t>
-            </a:r>
-            <a:r>
-              <a:rPr lang="ko-KR" altLang="en-US" dirty="0"/>
-              <a:t>코드를 가져와주자</a:t>
-            </a:r>
-            <a:r>
-              <a:rPr lang="en-US" altLang="ko-KR" dirty="0"/>
-              <a:t>.</a:t>
+              <a:rPr lang="en-US" altLang="ko-KR" sz="2000" dirty="0"/>
+              <a:t>Key </a:t>
+            </a:r>
+            <a:r>
+              <a:rPr lang="ko-KR" altLang="en-US" sz="2000" dirty="0"/>
+              <a:t>이름</a:t>
+            </a:r>
+          </a:p>
+        </p:txBody>
+      </p:sp>
+      <p:sp>
+        <p:nvSpPr>
+          <p:cNvPr id="12" name="TextBox 11">
+            <a:extLst>
+              <a:ext uri="{FF2B5EF4-FFF2-40B4-BE49-F238E27FC236}">
+                <a16:creationId xmlns:a16="http://schemas.microsoft.com/office/drawing/2014/main" id="{4A5EB9A0-5070-6C91-96A2-C9E225958FE2}"/>
+              </a:ext>
+            </a:extLst>
+          </p:cNvPr>
+          <p:cNvSpPr txBox="1"/>
+          <p:nvPr/>
+        </p:nvSpPr>
+        <p:spPr>
+          <a:xfrm>
+            <a:off x="4411307" y="2640777"/>
+            <a:ext cx="1198918" cy="400110"/>
+          </a:xfrm>
+          <a:prstGeom prst="rect">
+            <a:avLst/>
+          </a:prstGeom>
+          <a:noFill/>
+        </p:spPr>
+        <p:txBody>
+          <a:bodyPr wrap="none" rtlCol="0">
+            <a:spAutoFit/>
+          </a:bodyPr>
+          <a:lstStyle/>
+          <a:p>
+            <a:r>
+              <a:rPr lang="en-US" altLang="ko-KR" sz="2000" dirty="0"/>
+              <a:t>Key </a:t>
+            </a:r>
+            <a:r>
+              <a:rPr lang="ko-KR" altLang="en-US" sz="2000" dirty="0"/>
+              <a:t>이름</a:t>
             </a:r>
           </a:p>
         </p:txBody>
@@ -6451,7 +7586,7 @@
     </p:spTree>
     <p:extLst>
       <p:ext uri="{BB962C8B-B14F-4D97-AF65-F5344CB8AC3E}">
-        <p14:creationId xmlns:p14="http://schemas.microsoft.com/office/powerpoint/2010/main" val="2030077923"/>
+        <p14:creationId xmlns:p14="http://schemas.microsoft.com/office/powerpoint/2010/main" val="4176822105"/>
       </p:ext>
     </p:extLst>
   </p:cSld>
@@ -6483,7 +7618,7 @@
           <p:cNvPr id="2" name="제목 1">
             <a:extLst>
               <a:ext uri="{FF2B5EF4-FFF2-40B4-BE49-F238E27FC236}">
-                <a16:creationId xmlns:a16="http://schemas.microsoft.com/office/drawing/2014/main" id="{9700ED39-4DFE-90C2-6B5D-BEC3EB0AC805}"/>
+                <a16:creationId xmlns:a16="http://schemas.microsoft.com/office/drawing/2014/main" id="{8199307F-261F-791D-5E72-18AA9CDAAAC2}"/>
               </a:ext>
             </a:extLst>
           </p:cNvPr>
@@ -6501,7 +7636,7 @@
           <a:p>
             <a:r>
               <a:rPr lang="ko-KR" altLang="en-US" b="1" dirty="0"/>
-              <a:t>실습과제</a:t>
+              <a:t>프론트에서 보내는 요청 정보 받기</a:t>
             </a:r>
           </a:p>
         </p:txBody>
@@ -6511,7 +7646,7 @@
           <p:cNvPr id="3" name="내용 개체 틀 2">
             <a:extLst>
               <a:ext uri="{FF2B5EF4-FFF2-40B4-BE49-F238E27FC236}">
-                <a16:creationId xmlns:a16="http://schemas.microsoft.com/office/drawing/2014/main" id="{613D9C99-C2C5-50F4-3182-604737870876}"/>
+                <a16:creationId xmlns:a16="http://schemas.microsoft.com/office/drawing/2014/main" id="{B0D345EB-CDFA-3F5E-7A9E-D314B4F9AE12}"/>
               </a:ext>
             </a:extLst>
           </p:cNvPr>
@@ -6522,238 +7657,472 @@
             <p:ph idx="1"/>
           </p:nvPr>
         </p:nvSpPr>
-        <p:spPr/>
-        <p:txBody>
-          <a:bodyPr>
-            <a:normAutofit fontScale="92500" lnSpcReduction="10000"/>
+        <p:spPr>
+          <a:xfrm>
+            <a:off x="838200" y="1760310"/>
+            <a:ext cx="4724400" cy="4351338"/>
+          </a:xfrm>
+        </p:spPr>
+        <p:txBody>
+          <a:bodyPr/>
+          <a:lstStyle/>
+          <a:p>
+            <a:r>
+              <a:rPr lang="en-US" altLang="ko-KR" dirty="0"/>
+              <a:t>Get</a:t>
+            </a:r>
+          </a:p>
+          <a:p>
+            <a:endParaRPr lang="en-US" altLang="ko-KR" dirty="0"/>
+          </a:p>
+          <a:p>
+            <a:pPr marL="0" indent="0">
+              <a:buNone/>
+            </a:pPr>
+            <a:r>
+              <a:rPr lang="en-US" altLang="ko-KR" dirty="0"/>
+              <a:t>hicc.co.kr/</a:t>
+            </a:r>
+            <a:r>
+              <a:rPr lang="en-US" altLang="ko-KR" dirty="0" err="1"/>
+              <a:t>user?id</a:t>
+            </a:r>
+            <a:r>
+              <a:rPr lang="en-US" altLang="ko-KR" dirty="0"/>
+              <a:t>=1&amp;pw=2</a:t>
+            </a:r>
+            <a:endParaRPr lang="ko-KR" altLang="en-US" dirty="0"/>
+          </a:p>
+        </p:txBody>
+      </p:sp>
+      <p:sp>
+        <p:nvSpPr>
+          <p:cNvPr id="4" name="내용 개체 틀 2">
+            <a:extLst>
+              <a:ext uri="{FF2B5EF4-FFF2-40B4-BE49-F238E27FC236}">
+                <a16:creationId xmlns:a16="http://schemas.microsoft.com/office/drawing/2014/main" id="{9DB7A115-7252-E16D-4062-95ABD68ACEA0}"/>
+              </a:ext>
+            </a:extLst>
+          </p:cNvPr>
+          <p:cNvSpPr txBox="1">
+            <a:spLocks/>
+          </p:cNvSpPr>
+          <p:nvPr/>
+        </p:nvSpPr>
+        <p:spPr>
+          <a:xfrm>
+            <a:off x="6204857" y="1690688"/>
+            <a:ext cx="4724400" cy="4351338"/>
+          </a:xfrm>
+          <a:prstGeom prst="rect">
+            <a:avLst/>
+          </a:prstGeom>
+        </p:spPr>
+        <p:txBody>
+          <a:bodyPr vert="horz" lIns="91440" tIns="45720" rIns="91440" bIns="45720" rtlCol="0">
+            <a:normAutofit/>
           </a:bodyPr>
-          <a:lstStyle/>
-          <a:p>
-            <a:r>
-              <a:rPr lang="en-US" altLang="ko-KR" dirty="0"/>
-              <a:t>127.0.0.1:8000 </a:t>
-            </a:r>
-            <a:r>
-              <a:rPr lang="ko-KR" altLang="en-US" dirty="0"/>
-              <a:t>으로 요청했을 때에는 </a:t>
-            </a:r>
-            <a:r>
-              <a:rPr lang="en-US" altLang="ko-KR" dirty="0"/>
-              <a:t>login.html</a:t>
-            </a:r>
-            <a:r>
-              <a:rPr lang="ko-KR" altLang="en-US" dirty="0"/>
-              <a:t>에 보이도록 해주세요</a:t>
-            </a:r>
-            <a:r>
-              <a:rPr lang="en-US" altLang="ko-KR" dirty="0"/>
-              <a:t>.</a:t>
-            </a:r>
-          </a:p>
-          <a:p>
-            <a:r>
-              <a:rPr lang="ko-KR" altLang="en-US" dirty="0"/>
-              <a:t>회원가입하기 버튼을 누르면 </a:t>
-            </a:r>
-            <a:r>
-              <a:rPr lang="en-US" altLang="ko-KR" dirty="0"/>
-              <a:t>127.0.0.0:8000/signup </a:t>
-            </a:r>
-            <a:r>
-              <a:rPr lang="ko-KR" altLang="en-US" dirty="0"/>
-              <a:t>으로 </a:t>
-            </a:r>
-            <a:r>
-              <a:rPr lang="en-US" altLang="ko-KR" dirty="0"/>
-              <a:t>get</a:t>
-            </a:r>
-            <a:r>
-              <a:rPr lang="ko-KR" altLang="en-US" dirty="0"/>
-              <a:t>요청을 하게 </a:t>
-            </a:r>
-            <a:r>
-              <a:rPr lang="ko-KR" altLang="en-US" dirty="0" err="1"/>
-              <a:t>만들어두었습니다</a:t>
-            </a:r>
-            <a:r>
-              <a:rPr lang="en-US" altLang="ko-KR" dirty="0"/>
-              <a:t>. </a:t>
-            </a:r>
-            <a:r>
-              <a:rPr lang="ko-KR" altLang="en-US" dirty="0"/>
-              <a:t>이 요청이 오면 </a:t>
-            </a:r>
-            <a:r>
-              <a:rPr lang="en-US" altLang="ko-KR" dirty="0"/>
-              <a:t>signup.html</a:t>
-            </a:r>
-            <a:r>
-              <a:rPr lang="ko-KR" altLang="en-US" dirty="0"/>
-              <a:t>을 보여주세요</a:t>
-            </a:r>
-            <a:r>
-              <a:rPr lang="en-US" altLang="ko-KR" dirty="0"/>
-              <a:t>.</a:t>
-            </a:r>
-          </a:p>
-          <a:p>
-            <a:r>
-              <a:rPr lang="en-US" altLang="ko-KR" dirty="0"/>
-              <a:t>Signup</a:t>
-            </a:r>
-            <a:r>
-              <a:rPr lang="ko-KR" altLang="en-US" dirty="0"/>
-              <a:t>페이지의 회원 정보를 입력하고 회원 가입 버튼을 누르면 </a:t>
-            </a:r>
-            <a:r>
-              <a:rPr lang="en-US" altLang="ko-KR" dirty="0"/>
-              <a:t>127.0.0.1:8000/signup </a:t>
-            </a:r>
-            <a:r>
-              <a:rPr lang="ko-KR" altLang="en-US" dirty="0"/>
-              <a:t>으로 </a:t>
-            </a:r>
-            <a:r>
-              <a:rPr lang="en-US" altLang="ko-KR" dirty="0"/>
-              <a:t>post </a:t>
-            </a:r>
-            <a:r>
-              <a:rPr lang="ko-KR" altLang="en-US" dirty="0"/>
-              <a:t>요청을 가게 만들어 두었습니다</a:t>
-            </a:r>
-            <a:r>
-              <a:rPr lang="en-US" altLang="ko-KR" dirty="0"/>
-              <a:t>. Post </a:t>
-            </a:r>
-            <a:r>
-              <a:rPr lang="ko-KR" altLang="en-US" dirty="0"/>
-              <a:t>요청이 오면 회원을 저장해주세요</a:t>
-            </a:r>
-            <a:r>
-              <a:rPr lang="en-US" altLang="ko-KR" dirty="0"/>
-              <a:t>. </a:t>
-            </a:r>
-            <a:r>
-              <a:rPr lang="ko-KR" altLang="en-US" dirty="0"/>
-              <a:t>만약 </a:t>
-            </a:r>
-            <a:r>
-              <a:rPr lang="en-US" altLang="ko-KR" dirty="0"/>
-              <a:t>id</a:t>
-            </a:r>
-            <a:r>
-              <a:rPr lang="ko-KR" altLang="en-US" dirty="0"/>
-              <a:t>가 중복되면 응답으로 </a:t>
-            </a:r>
+          <a:lstStyle>
+            <a:lvl1pPr marL="228600" indent="-228600" algn="l" defTabSz="914400" rtl="0" eaLnBrk="1" latinLnBrk="1" hangingPunct="1">
+              <a:lnSpc>
+                <a:spcPct val="90000"/>
+              </a:lnSpc>
+              <a:spcBef>
+                <a:spcPts val="1000"/>
+              </a:spcBef>
+              <a:buFont typeface="Arial" panose="020B0604020202020204" pitchFamily="34" charset="0"/>
+              <a:buChar char="•"/>
+              <a:defRPr sz="2800" kern="1200">
+                <a:solidFill>
+                  <a:schemeClr val="tx1"/>
+                </a:solidFill>
+                <a:latin typeface="210 맨발의청춘 L" panose="02020603020101020101" pitchFamily="18" charset="-127"/>
+                <a:ea typeface="210 맨발의청춘 L" panose="02020603020101020101" pitchFamily="18" charset="-127"/>
+                <a:cs typeface="+mn-cs"/>
+              </a:defRPr>
+            </a:lvl1pPr>
+            <a:lvl2pPr marL="685800" indent="-228600" algn="l" defTabSz="914400" rtl="0" eaLnBrk="1" latinLnBrk="1" hangingPunct="1">
+              <a:lnSpc>
+                <a:spcPct val="90000"/>
+              </a:lnSpc>
+              <a:spcBef>
+                <a:spcPts val="500"/>
+              </a:spcBef>
+              <a:buFont typeface="Arial" panose="020B0604020202020204" pitchFamily="34" charset="0"/>
+              <a:buChar char="•"/>
+              <a:defRPr sz="2400" kern="1200">
+                <a:solidFill>
+                  <a:schemeClr val="tx1"/>
+                </a:solidFill>
+                <a:latin typeface="210 맨발의청춘 L" panose="02020603020101020101" pitchFamily="18" charset="-127"/>
+                <a:ea typeface="210 맨발의청춘 L" panose="02020603020101020101" pitchFamily="18" charset="-127"/>
+                <a:cs typeface="+mn-cs"/>
+              </a:defRPr>
+            </a:lvl2pPr>
+            <a:lvl3pPr marL="1143000" indent="-228600" algn="l" defTabSz="914400" rtl="0" eaLnBrk="1" latinLnBrk="1" hangingPunct="1">
+              <a:lnSpc>
+                <a:spcPct val="90000"/>
+              </a:lnSpc>
+              <a:spcBef>
+                <a:spcPts val="500"/>
+              </a:spcBef>
+              <a:buFont typeface="Arial" panose="020B0604020202020204" pitchFamily="34" charset="0"/>
+              <a:buChar char="•"/>
+              <a:defRPr sz="2000" kern="1200">
+                <a:solidFill>
+                  <a:schemeClr val="tx1"/>
+                </a:solidFill>
+                <a:latin typeface="210 맨발의청춘 L" panose="02020603020101020101" pitchFamily="18" charset="-127"/>
+                <a:ea typeface="210 맨발의청춘 L" panose="02020603020101020101" pitchFamily="18" charset="-127"/>
+                <a:cs typeface="+mn-cs"/>
+              </a:defRPr>
+            </a:lvl3pPr>
+            <a:lvl4pPr marL="1600200" indent="-228600" algn="l" defTabSz="914400" rtl="0" eaLnBrk="1" latinLnBrk="1" hangingPunct="1">
+              <a:lnSpc>
+                <a:spcPct val="90000"/>
+              </a:lnSpc>
+              <a:spcBef>
+                <a:spcPts val="500"/>
+              </a:spcBef>
+              <a:buFont typeface="Arial" panose="020B0604020202020204" pitchFamily="34" charset="0"/>
+              <a:buChar char="•"/>
+              <a:defRPr sz="1800" kern="1200">
+                <a:solidFill>
+                  <a:schemeClr val="tx1"/>
+                </a:solidFill>
+                <a:latin typeface="210 맨발의청춘 L" panose="02020603020101020101" pitchFamily="18" charset="-127"/>
+                <a:ea typeface="210 맨발의청춘 L" panose="02020603020101020101" pitchFamily="18" charset="-127"/>
+                <a:cs typeface="+mn-cs"/>
+              </a:defRPr>
+            </a:lvl4pPr>
+            <a:lvl5pPr marL="2057400" indent="-228600" algn="l" defTabSz="914400" rtl="0" eaLnBrk="1" latinLnBrk="1" hangingPunct="1">
+              <a:lnSpc>
+                <a:spcPct val="90000"/>
+              </a:lnSpc>
+              <a:spcBef>
+                <a:spcPts val="500"/>
+              </a:spcBef>
+              <a:buFont typeface="Arial" panose="020B0604020202020204" pitchFamily="34" charset="0"/>
+              <a:buChar char="•"/>
+              <a:defRPr sz="1800" kern="1200">
+                <a:solidFill>
+                  <a:schemeClr val="tx1"/>
+                </a:solidFill>
+                <a:latin typeface="210 맨발의청춘 L" panose="02020603020101020101" pitchFamily="18" charset="-127"/>
+                <a:ea typeface="210 맨발의청춘 L" panose="02020603020101020101" pitchFamily="18" charset="-127"/>
+                <a:cs typeface="+mn-cs"/>
+              </a:defRPr>
+            </a:lvl5pPr>
+            <a:lvl6pPr marL="2514600" indent="-228600" algn="l" defTabSz="914400" rtl="0" eaLnBrk="1" latinLnBrk="1" hangingPunct="1">
+              <a:lnSpc>
+                <a:spcPct val="90000"/>
+              </a:lnSpc>
+              <a:spcBef>
+                <a:spcPts val="500"/>
+              </a:spcBef>
+              <a:buFont typeface="Arial" panose="020B0604020202020204" pitchFamily="34" charset="0"/>
+              <a:buChar char="•"/>
+              <a:defRPr sz="1800" kern="1200">
+                <a:solidFill>
+                  <a:schemeClr val="tx1"/>
+                </a:solidFill>
+                <a:latin typeface="+mn-lt"/>
+                <a:ea typeface="+mn-ea"/>
+                <a:cs typeface="+mn-cs"/>
+              </a:defRPr>
+            </a:lvl6pPr>
+            <a:lvl7pPr marL="2971800" indent="-228600" algn="l" defTabSz="914400" rtl="0" eaLnBrk="1" latinLnBrk="1" hangingPunct="1">
+              <a:lnSpc>
+                <a:spcPct val="90000"/>
+              </a:lnSpc>
+              <a:spcBef>
+                <a:spcPts val="500"/>
+              </a:spcBef>
+              <a:buFont typeface="Arial" panose="020B0604020202020204" pitchFamily="34" charset="0"/>
+              <a:buChar char="•"/>
+              <a:defRPr sz="1800" kern="1200">
+                <a:solidFill>
+                  <a:schemeClr val="tx1"/>
+                </a:solidFill>
+                <a:latin typeface="+mn-lt"/>
+                <a:ea typeface="+mn-ea"/>
+                <a:cs typeface="+mn-cs"/>
+              </a:defRPr>
+            </a:lvl7pPr>
+            <a:lvl8pPr marL="3429000" indent="-228600" algn="l" defTabSz="914400" rtl="0" eaLnBrk="1" latinLnBrk="1" hangingPunct="1">
+              <a:lnSpc>
+                <a:spcPct val="90000"/>
+              </a:lnSpc>
+              <a:spcBef>
+                <a:spcPts val="500"/>
+              </a:spcBef>
+              <a:buFont typeface="Arial" panose="020B0604020202020204" pitchFamily="34" charset="0"/>
+              <a:buChar char="•"/>
+              <a:defRPr sz="1800" kern="1200">
+                <a:solidFill>
+                  <a:schemeClr val="tx1"/>
+                </a:solidFill>
+                <a:latin typeface="+mn-lt"/>
+                <a:ea typeface="+mn-ea"/>
+                <a:cs typeface="+mn-cs"/>
+              </a:defRPr>
+            </a:lvl8pPr>
+            <a:lvl9pPr marL="3886200" indent="-228600" algn="l" defTabSz="914400" rtl="0" eaLnBrk="1" latinLnBrk="1" hangingPunct="1">
+              <a:lnSpc>
+                <a:spcPct val="90000"/>
+              </a:lnSpc>
+              <a:spcBef>
+                <a:spcPts val="500"/>
+              </a:spcBef>
+              <a:buFont typeface="Arial" panose="020B0604020202020204" pitchFamily="34" charset="0"/>
+              <a:buChar char="•"/>
+              <a:defRPr sz="1800" kern="1200">
+                <a:solidFill>
+                  <a:schemeClr val="tx1"/>
+                </a:solidFill>
+                <a:latin typeface="+mn-lt"/>
+                <a:ea typeface="+mn-ea"/>
+                <a:cs typeface="+mn-cs"/>
+              </a:defRPr>
+            </a:lvl9pPr>
+          </a:lstStyle>
+          <a:p>
+            <a:r>
+              <a:rPr lang="en-US" altLang="ko-KR" dirty="0"/>
+              <a:t>Post</a:t>
+            </a:r>
+          </a:p>
+          <a:p>
+            <a:pPr marL="0" indent="0">
+              <a:buNone/>
+            </a:pPr>
+            <a:endParaRPr lang="en-US" altLang="ko-KR" dirty="0"/>
+          </a:p>
+          <a:p>
+            <a:pPr marL="0" indent="0">
+              <a:buNone/>
+            </a:pPr>
             <a:r>
               <a:rPr lang="en-US" altLang="ko-KR" dirty="0" err="1"/>
-              <a:t>isSuccess</a:t>
-            </a:r>
-            <a:r>
-              <a:rPr lang="ko-KR" altLang="en-US" dirty="0"/>
-              <a:t>라는 파라미터에 </a:t>
-            </a:r>
-            <a:r>
-              <a:rPr lang="en-US" altLang="ko-KR" dirty="0"/>
-              <a:t>false</a:t>
-            </a:r>
-            <a:r>
-              <a:rPr lang="ko-KR" altLang="en-US" dirty="0"/>
-              <a:t>를 보내주시고</a:t>
-            </a:r>
-            <a:r>
-              <a:rPr lang="en-US" altLang="ko-KR" dirty="0"/>
-              <a:t>, </a:t>
-            </a:r>
-            <a:r>
-              <a:rPr lang="ko-KR" altLang="en-US" dirty="0"/>
-              <a:t>아니면 </a:t>
-            </a:r>
-            <a:r>
-              <a:rPr lang="en-US" altLang="ko-KR" dirty="0"/>
-              <a:t>true</a:t>
-            </a:r>
-            <a:r>
-              <a:rPr lang="ko-KR" altLang="en-US" dirty="0"/>
-              <a:t>를 보내주세요</a:t>
-            </a:r>
-            <a:r>
-              <a:rPr lang="en-US" altLang="ko-KR" dirty="0"/>
-              <a:t>.</a:t>
-            </a:r>
-          </a:p>
-          <a:p>
-            <a:r>
-              <a:rPr lang="ko-KR" altLang="en-US" dirty="0"/>
-              <a:t>로그인 버튼을 누르면 </a:t>
-            </a:r>
-            <a:r>
-              <a:rPr lang="en-US" altLang="ko-KR" dirty="0"/>
-              <a:t>127.0.0.1:8000/login</a:t>
-            </a:r>
-            <a:r>
-              <a:rPr lang="ko-KR" altLang="en-US" dirty="0"/>
-              <a:t>으로 </a:t>
-            </a:r>
-            <a:r>
-              <a:rPr lang="en-US" altLang="ko-KR" dirty="0"/>
-              <a:t>post</a:t>
-            </a:r>
-            <a:r>
-              <a:rPr lang="ko-KR" altLang="en-US" dirty="0"/>
-              <a:t>요청을 보내게 만들어 두었습니다</a:t>
-            </a:r>
-            <a:r>
-              <a:rPr lang="en-US" altLang="ko-KR" dirty="0"/>
-              <a:t>. Post</a:t>
-            </a:r>
-            <a:r>
-              <a:rPr lang="ko-KR" altLang="en-US" dirty="0"/>
-              <a:t>요청이 오면 회원정보와 일치하는 정보가 있으면 </a:t>
-            </a:r>
-            <a:r>
-              <a:rPr lang="en-US" altLang="ko-KR" dirty="0" err="1"/>
-              <a:t>isSuccess</a:t>
-            </a:r>
-            <a:r>
-              <a:rPr lang="ko-KR" altLang="en-US" dirty="0"/>
-              <a:t>이라는 </a:t>
-            </a:r>
-            <a:r>
-              <a:rPr lang="en-US" altLang="ko-KR" dirty="0"/>
-              <a:t>parameter</a:t>
-            </a:r>
-            <a:r>
-              <a:rPr lang="ko-KR" altLang="en-US" dirty="0"/>
-              <a:t>에 </a:t>
-            </a:r>
-            <a:r>
-              <a:rPr lang="en-US" altLang="ko-KR" dirty="0"/>
-              <a:t>true, </a:t>
-            </a:r>
-            <a:r>
-              <a:rPr lang="ko-KR" altLang="en-US" dirty="0"/>
-              <a:t>없으면 </a:t>
-            </a:r>
-            <a:r>
-              <a:rPr lang="en-US" altLang="ko-KR" dirty="0"/>
-              <a:t>false</a:t>
-            </a:r>
-            <a:r>
-              <a:rPr lang="ko-KR" altLang="en-US" dirty="0"/>
-              <a:t>를 보내주세요</a:t>
-            </a:r>
-            <a:r>
-              <a:rPr lang="en-US" altLang="ko-KR" dirty="0"/>
-              <a:t>.</a:t>
-            </a:r>
+              <a:t>url</a:t>
+            </a:r>
+            <a:r>
+              <a:rPr lang="en-US" altLang="ko-KR" dirty="0"/>
+              <a:t> : hicc.co.kr/user</a:t>
+            </a:r>
+          </a:p>
+          <a:p>
+            <a:pPr marL="0" indent="0">
+              <a:buNone/>
+            </a:pPr>
+            <a:r>
+              <a:rPr lang="en-US" altLang="ko-KR" dirty="0"/>
+              <a:t>Payload: {</a:t>
+            </a:r>
+          </a:p>
+          <a:p>
+            <a:pPr marL="0" indent="0">
+              <a:buNone/>
+            </a:pPr>
+            <a:r>
+              <a:rPr lang="en-US" altLang="ko-KR" dirty="0"/>
+              <a:t>   “id” : 1,</a:t>
+            </a:r>
+          </a:p>
+          <a:p>
+            <a:pPr marL="0" indent="0">
+              <a:buNone/>
+            </a:pPr>
+            <a:r>
+              <a:rPr lang="en-US" altLang="ko-KR" dirty="0"/>
+              <a:t>   “pw” : 2</a:t>
+            </a:r>
+          </a:p>
+          <a:p>
+            <a:pPr marL="0" indent="0">
+              <a:buNone/>
+            </a:pPr>
+            <a:r>
+              <a:rPr lang="en-US" altLang="ko-KR" dirty="0"/>
+              <a:t>}</a:t>
+            </a:r>
+          </a:p>
+          <a:p>
+            <a:pPr marL="0" indent="0">
+              <a:buNone/>
+            </a:pPr>
+            <a:endParaRPr lang="en-US" altLang="ko-KR" dirty="0"/>
+          </a:p>
+        </p:txBody>
+      </p:sp>
+      <p:pic>
+        <p:nvPicPr>
+          <p:cNvPr id="5" name="그림 4">
+            <a:extLst>
+              <a:ext uri="{FF2B5EF4-FFF2-40B4-BE49-F238E27FC236}">
+                <a16:creationId xmlns:a16="http://schemas.microsoft.com/office/drawing/2014/main" id="{63CC0E5A-1650-6A11-6E06-72463DE2341A}"/>
+              </a:ext>
+            </a:extLst>
+          </p:cNvPr>
+          <p:cNvPicPr>
+            <a:picLocks noChangeAspect="1"/>
+          </p:cNvPicPr>
+          <p:nvPr/>
+        </p:nvPicPr>
+        <p:blipFill>
+          <a:blip r:embed="rId2"/>
+          <a:stretch>
+            <a:fillRect/>
+          </a:stretch>
+        </p:blipFill>
+        <p:spPr>
+          <a:xfrm>
+            <a:off x="6209566" y="5211637"/>
+            <a:ext cx="5258534" cy="905001"/>
+          </a:xfrm>
+          <a:prstGeom prst="rect">
+            <a:avLst/>
+          </a:prstGeom>
+        </p:spPr>
+      </p:pic>
+      <p:pic>
+        <p:nvPicPr>
+          <p:cNvPr id="6" name="내용 개체 틀 6">
+            <a:extLst>
+              <a:ext uri="{FF2B5EF4-FFF2-40B4-BE49-F238E27FC236}">
+                <a16:creationId xmlns:a16="http://schemas.microsoft.com/office/drawing/2014/main" id="{168656C0-E8C0-BBB8-5D4A-F44E8ADF8489}"/>
+              </a:ext>
+            </a:extLst>
+          </p:cNvPr>
+          <p:cNvPicPr>
+            <a:picLocks noChangeAspect="1"/>
+          </p:cNvPicPr>
+          <p:nvPr/>
+        </p:nvPicPr>
+        <p:blipFill>
+          <a:blip r:embed="rId3"/>
+          <a:stretch>
+            <a:fillRect/>
+          </a:stretch>
+        </p:blipFill>
+        <p:spPr>
+          <a:xfrm>
+            <a:off x="793572" y="4984603"/>
+            <a:ext cx="5144218" cy="1057423"/>
+          </a:xfrm>
+          <a:prstGeom prst="rect">
+            <a:avLst/>
+          </a:prstGeom>
+        </p:spPr>
+      </p:pic>
+      <p:sp>
+        <p:nvSpPr>
+          <p:cNvPr id="7" name="직사각형 6">
+            <a:extLst>
+              <a:ext uri="{FF2B5EF4-FFF2-40B4-BE49-F238E27FC236}">
+                <a16:creationId xmlns:a16="http://schemas.microsoft.com/office/drawing/2014/main" id="{AA6ED0FA-71B2-8353-7EFD-9862F46E6D4E}"/>
+              </a:ext>
+            </a:extLst>
+          </p:cNvPr>
+          <p:cNvSpPr/>
+          <p:nvPr/>
+        </p:nvSpPr>
+        <p:spPr>
+          <a:xfrm>
+            <a:off x="620486" y="1760310"/>
+            <a:ext cx="5366658" cy="4430940"/>
+          </a:xfrm>
+          <a:prstGeom prst="rect">
+            <a:avLst/>
+          </a:prstGeom>
+          <a:noFill/>
+          <a:ln>
+            <a:solidFill>
+              <a:srgbClr val="0070C0"/>
+            </a:solidFill>
+          </a:ln>
+        </p:spPr>
+        <p:style>
+          <a:lnRef idx="2">
+            <a:schemeClr val="accent1">
+              <a:shade val="15000"/>
+            </a:schemeClr>
+          </a:lnRef>
+          <a:fillRef idx="1">
+            <a:schemeClr val="accent1"/>
+          </a:fillRef>
+          <a:effectRef idx="0">
+            <a:schemeClr val="accent1"/>
+          </a:effectRef>
+          <a:fontRef idx="minor">
+            <a:schemeClr val="lt1"/>
+          </a:fontRef>
+        </p:style>
+        <p:txBody>
+          <a:bodyPr rtlCol="0" anchor="ctr"/>
+          <a:lstStyle/>
+          <a:p>
+            <a:pPr algn="ctr"/>
+            <a:endParaRPr lang="ko-KR" altLang="en-US"/>
+          </a:p>
+        </p:txBody>
+      </p:sp>
+      <p:sp>
+        <p:nvSpPr>
+          <p:cNvPr id="8" name="직사각형 7">
+            <a:extLst>
+              <a:ext uri="{FF2B5EF4-FFF2-40B4-BE49-F238E27FC236}">
+                <a16:creationId xmlns:a16="http://schemas.microsoft.com/office/drawing/2014/main" id="{E18B01A4-0F64-6E60-27D9-2872B154DF43}"/>
+              </a:ext>
+            </a:extLst>
+          </p:cNvPr>
+          <p:cNvSpPr/>
+          <p:nvPr/>
+        </p:nvSpPr>
+        <p:spPr>
+          <a:xfrm>
+            <a:off x="6155504" y="1760310"/>
+            <a:ext cx="5366658" cy="4430940"/>
+          </a:xfrm>
+          <a:prstGeom prst="rect">
+            <a:avLst/>
+          </a:prstGeom>
+          <a:noFill/>
+          <a:ln>
+            <a:solidFill>
+              <a:srgbClr val="0070C0"/>
+            </a:solidFill>
+          </a:ln>
+        </p:spPr>
+        <p:style>
+          <a:lnRef idx="2">
+            <a:schemeClr val="accent1">
+              <a:shade val="15000"/>
+            </a:schemeClr>
+          </a:lnRef>
+          <a:fillRef idx="1">
+            <a:schemeClr val="accent1"/>
+          </a:fillRef>
+          <a:effectRef idx="0">
+            <a:schemeClr val="accent1"/>
+          </a:effectRef>
+          <a:fontRef idx="minor">
+            <a:schemeClr val="lt1"/>
+          </a:fontRef>
+        </p:style>
+        <p:txBody>
+          <a:bodyPr rtlCol="0" anchor="ctr"/>
+          <a:lstStyle/>
+          <a:p>
+            <a:pPr algn="ctr"/>
+            <a:endParaRPr lang="ko-KR" altLang="en-US"/>
           </a:p>
         </p:txBody>
       </p:sp>
     </p:spTree>
     <p:extLst>
       <p:ext uri="{BB962C8B-B14F-4D97-AF65-F5344CB8AC3E}">
-        <p14:creationId xmlns:p14="http://schemas.microsoft.com/office/powerpoint/2010/main" val="2939801509"/>
+        <p14:creationId xmlns:p14="http://schemas.microsoft.com/office/powerpoint/2010/main" val="4277728881"/>
       </p:ext>
     </p:extLst>
   </p:cSld>
@@ -6785,7 +8154,7 @@
           <p:cNvPr id="2" name="제목 1">
             <a:extLst>
               <a:ext uri="{FF2B5EF4-FFF2-40B4-BE49-F238E27FC236}">
-                <a16:creationId xmlns:a16="http://schemas.microsoft.com/office/drawing/2014/main" id="{6E3E6845-22AF-F04B-B800-5536FD7A5FEC}"/>
+                <a16:creationId xmlns:a16="http://schemas.microsoft.com/office/drawing/2014/main" id="{C0038C34-3EF8-D024-A9CD-EE63A1F359B9}"/>
               </a:ext>
             </a:extLst>
           </p:cNvPr>
@@ -6802,8 +8171,8 @@
           <a:lstStyle/>
           <a:p>
             <a:r>
-              <a:rPr lang="ko-KR" altLang="en-US" b="1" dirty="0"/>
-              <a:t>실습과제의 문제점</a:t>
+              <a:rPr lang="ko-KR" altLang="en-US" b="1"/>
+              <a:t>응답하는 법</a:t>
             </a:r>
           </a:p>
         </p:txBody>
@@ -6813,7 +8182,7 @@
           <p:cNvPr id="3" name="내용 개체 틀 2">
             <a:extLst>
               <a:ext uri="{FF2B5EF4-FFF2-40B4-BE49-F238E27FC236}">
-                <a16:creationId xmlns:a16="http://schemas.microsoft.com/office/drawing/2014/main" id="{32C70123-C357-191A-425C-1DCE5980F089}"/>
+                <a16:creationId xmlns:a16="http://schemas.microsoft.com/office/drawing/2014/main" id="{3219FE8C-127E-E8BB-C4EB-ACA13BC15940}"/>
               </a:ext>
             </a:extLst>
           </p:cNvPr>
@@ -6826,248 +8195,1250 @@
         </p:nvSpPr>
         <p:spPr/>
         <p:txBody>
-          <a:bodyPr>
-            <a:normAutofit fontScale="70000" lnSpcReduction="20000"/>
-          </a:bodyPr>
-          <a:lstStyle/>
+          <a:bodyPr/>
+          <a:lstStyle/>
+          <a:p>
+            <a:r>
+              <a:rPr lang="ko-KR" altLang="en-US" dirty="0"/>
+              <a:t>응답에는 대략 두 가지 방법이 있다</a:t>
+            </a:r>
+            <a:r>
+              <a:rPr lang="en-US" altLang="ko-KR" dirty="0"/>
+              <a:t>.</a:t>
+            </a:r>
+          </a:p>
+          <a:p>
+            <a:endParaRPr lang="en-US" altLang="ko-KR" dirty="0"/>
+          </a:p>
           <a:p>
             <a:pPr marL="514350" indent="-514350">
               <a:buAutoNum type="arabicPeriod"/>
             </a:pPr>
             <a:r>
               <a:rPr lang="ko-KR" altLang="en-US" dirty="0"/>
-              <a:t>로그인을 하지 않아도</a:t>
-            </a:r>
-            <a:r>
-              <a:rPr lang="en-US" altLang="ko-KR" dirty="0"/>
-              <a:t>,  </a:t>
-            </a:r>
-            <a:r>
-              <a:rPr lang="en-US" altLang="ko-KR" dirty="0" err="1"/>
-              <a:t>loginSuccess</a:t>
-            </a:r>
-            <a:r>
-              <a:rPr lang="ko-KR" altLang="en-US" dirty="0"/>
-              <a:t>페이지로 들어갈 수 있다</a:t>
-            </a:r>
-            <a:r>
-              <a:rPr lang="en-US" altLang="ko-KR" dirty="0"/>
-              <a:t>.</a:t>
-            </a:r>
-          </a:p>
-          <a:p>
-            <a:pPr marL="0" indent="0">
-              <a:buNone/>
-            </a:pPr>
-            <a:r>
-              <a:rPr lang="en-US" altLang="ko-KR" dirty="0"/>
-              <a:t>    -&gt; </a:t>
-            </a:r>
-            <a:r>
-              <a:rPr lang="ko-KR" altLang="en-US" dirty="0"/>
-              <a:t>이는 세션</a:t>
-            </a:r>
-            <a:r>
-              <a:rPr lang="en-US" altLang="ko-KR" dirty="0"/>
-              <a:t> or </a:t>
-            </a:r>
-            <a:r>
-              <a:rPr lang="ko-KR" altLang="en-US" dirty="0"/>
-              <a:t>토큰 등의 방식으로 문제를 해결한다</a:t>
-            </a:r>
-            <a:r>
-              <a:rPr lang="en-US" altLang="ko-KR" dirty="0"/>
-              <a:t>.(</a:t>
-            </a:r>
-            <a:r>
-              <a:rPr lang="ko-KR" altLang="en-US" dirty="0"/>
-              <a:t>이 부분은 강의에 포함되지 않으니</a:t>
-            </a:r>
-            <a:r>
-              <a:rPr lang="en-US" altLang="ko-KR" dirty="0"/>
-              <a:t>, </a:t>
-            </a:r>
-            <a:r>
-              <a:rPr lang="ko-KR" altLang="en-US" dirty="0"/>
-              <a:t>로그인 기능을 구현할 때 따로 공부하자</a:t>
-            </a:r>
-            <a:r>
-              <a:rPr lang="en-US" altLang="ko-KR" dirty="0"/>
-              <a:t>.)</a:t>
-            </a:r>
-          </a:p>
-          <a:p>
-            <a:pPr marL="0" indent="0">
-              <a:buNone/>
+              <a:t>화면을 응답</a:t>
+            </a:r>
+            <a:endParaRPr lang="en-US" altLang="ko-KR" dirty="0"/>
+          </a:p>
+          <a:p>
+            <a:pPr marL="514350" indent="-514350">
+              <a:buAutoNum type="arabicPeriod"/>
             </a:pPr>
             <a:endParaRPr lang="en-US" altLang="ko-KR" dirty="0"/>
           </a:p>
           <a:p>
-            <a:pPr marL="0" indent="0">
-              <a:buNone/>
+            <a:pPr marL="514350" indent="-514350">
+              <a:buAutoNum type="arabicPeriod"/>
             </a:pPr>
             <a:r>
-              <a:rPr lang="en-US" altLang="ko-KR" dirty="0"/>
-              <a:t>2. Post </a:t>
-            </a:r>
-            <a:r>
-              <a:rPr lang="ko-KR" altLang="en-US" dirty="0"/>
-              <a:t>또한 회원정보를 안전하게 보내는 방법이 아니라고 했다</a:t>
-            </a:r>
-            <a:r>
-              <a:rPr lang="en-US" altLang="ko-KR" dirty="0"/>
-              <a:t>.</a:t>
-            </a:r>
-          </a:p>
-          <a:p>
-            <a:pPr marL="0" indent="0">
-              <a:buNone/>
-            </a:pPr>
-            <a:r>
-              <a:rPr lang="ko-KR" altLang="en-US" dirty="0"/>
-              <a:t>실제로는 비밀번호를 바로 보내지 않고 비밀번호를 </a:t>
-            </a:r>
-            <a:r>
-              <a:rPr lang="ko-KR" altLang="en-US" dirty="0" err="1"/>
-              <a:t>해쉬로</a:t>
-            </a:r>
-            <a:r>
-              <a:rPr lang="ko-KR" altLang="en-US" dirty="0"/>
-              <a:t> 암호화하여 아무도 원래 비밀번호를 알 수 없게 만들어 보낸다</a:t>
-            </a:r>
-            <a:r>
-              <a:rPr lang="en-US" altLang="ko-KR" dirty="0"/>
-              <a:t>.</a:t>
-            </a:r>
-          </a:p>
-          <a:p>
-            <a:pPr marL="0" indent="0">
-              <a:buNone/>
-            </a:pPr>
-            <a:r>
-              <a:rPr lang="ko-KR" altLang="en-US" dirty="0"/>
-              <a:t>예 </a:t>
-            </a:r>
-            <a:r>
-              <a:rPr lang="en-US" altLang="ko-KR" dirty="0"/>
-              <a:t>1111 -&gt; wqrwqqwe42w24qw21ywmoot32kwqeh92</a:t>
-            </a:r>
-          </a:p>
-          <a:p>
-            <a:pPr marL="0" indent="0">
-              <a:buNone/>
-            </a:pPr>
+              <a:rPr lang="ko-KR" altLang="en-US" dirty="0"/>
+              <a:t>데이터를 응답</a:t>
+            </a:r>
             <a:endParaRPr lang="en-US" altLang="ko-KR" dirty="0"/>
-          </a:p>
-          <a:p>
-            <a:pPr marL="0" indent="0">
-              <a:buNone/>
-            </a:pPr>
-            <a:r>
-              <a:rPr lang="en-US" altLang="ko-KR" dirty="0"/>
-              <a:t>3. </a:t>
-            </a:r>
-            <a:r>
-              <a:rPr lang="ko-KR" altLang="en-US" dirty="0"/>
-              <a:t>회원 </a:t>
-            </a:r>
-            <a:r>
-              <a:rPr lang="en-US" altLang="ko-KR" dirty="0"/>
-              <a:t>list</a:t>
-            </a:r>
-            <a:r>
-              <a:rPr lang="ko-KR" altLang="en-US" dirty="0"/>
-              <a:t>는 서버 내부에 전역으로 </a:t>
-            </a:r>
-            <a:r>
-              <a:rPr lang="ko-KR" altLang="en-US" dirty="0" err="1"/>
-              <a:t>저장해두었다</a:t>
-            </a:r>
-            <a:r>
-              <a:rPr lang="en-US" altLang="ko-KR" dirty="0"/>
-              <a:t>. </a:t>
-            </a:r>
-            <a:r>
-              <a:rPr lang="ko-KR" altLang="en-US" dirty="0"/>
-              <a:t>하지만 서버에는 전역으로 변수를 두면 안된다</a:t>
-            </a:r>
-            <a:r>
-              <a:rPr lang="en-US" altLang="ko-KR" dirty="0"/>
-              <a:t>. </a:t>
-            </a:r>
-            <a:r>
-              <a:rPr lang="ko-KR" altLang="en-US" dirty="0"/>
-              <a:t>서버는 항상 </a:t>
-            </a:r>
-            <a:r>
-              <a:rPr lang="en-US" altLang="ko-KR" dirty="0"/>
-              <a:t>stateless</a:t>
-            </a:r>
-            <a:r>
-              <a:rPr lang="ko-KR" altLang="en-US" dirty="0"/>
-              <a:t>하게 설계해야 한다</a:t>
-            </a:r>
-            <a:r>
-              <a:rPr lang="en-US" altLang="ko-KR" dirty="0"/>
-              <a:t>. </a:t>
-            </a:r>
-            <a:r>
-              <a:rPr lang="ko-KR" altLang="en-US" dirty="0"/>
-              <a:t>이를 해결하기 위해 다음 주에는 </a:t>
-            </a:r>
-            <a:r>
-              <a:rPr lang="en-US" altLang="ko-KR" dirty="0" err="1"/>
-              <a:t>django</a:t>
-            </a:r>
-            <a:r>
-              <a:rPr lang="ko-KR" altLang="en-US" dirty="0"/>
-              <a:t>에서 </a:t>
-            </a:r>
-            <a:r>
-              <a:rPr lang="en-US" altLang="ko-KR" dirty="0"/>
-              <a:t>database</a:t>
-            </a:r>
-            <a:r>
-              <a:rPr lang="ko-KR" altLang="en-US" dirty="0"/>
-              <a:t>를 배울 예정</a:t>
-            </a:r>
-            <a:endParaRPr lang="en-US" altLang="ko-KR" dirty="0"/>
-          </a:p>
-          <a:p>
-            <a:pPr marL="0" indent="0">
-              <a:buNone/>
-            </a:pPr>
-            <a:endParaRPr lang="en-US" altLang="ko-KR" dirty="0"/>
-          </a:p>
-          <a:p>
-            <a:pPr marL="0" indent="0">
-              <a:buNone/>
-            </a:pPr>
-            <a:r>
-              <a:rPr lang="en-US" altLang="ko-KR" dirty="0"/>
-              <a:t>4. </a:t>
-            </a:r>
-            <a:r>
-              <a:rPr lang="ko-KR" altLang="en-US" dirty="0"/>
-              <a:t>회원정보가 서버를 다시 시작하면 사라진다</a:t>
-            </a:r>
-            <a:r>
-              <a:rPr lang="en-US" altLang="ko-KR" dirty="0"/>
-              <a:t>.</a:t>
-            </a:r>
-          </a:p>
-          <a:p>
-            <a:pPr marL="0" indent="0">
-              <a:buNone/>
-            </a:pPr>
-            <a:endParaRPr lang="ko-KR" altLang="en-US" dirty="0"/>
           </a:p>
         </p:txBody>
       </p:sp>
     </p:spTree>
     <p:extLst>
       <p:ext uri="{BB962C8B-B14F-4D97-AF65-F5344CB8AC3E}">
-        <p14:creationId xmlns:p14="http://schemas.microsoft.com/office/powerpoint/2010/main" val="1029874879"/>
+        <p14:creationId xmlns:p14="http://schemas.microsoft.com/office/powerpoint/2010/main" val="18869154"/>
+      </p:ext>
+    </p:extLst>
+  </p:cSld>
+  <p:clrMapOvr>
+    <a:masterClrMapping/>
+  </p:clrMapOvr>
+</p:sld>
+</file>
+
+<file path=ppt/slides/slide24.xml><?xml version="1.0" encoding="utf-8"?>
+<p:sld xmlns:a="http://schemas.openxmlformats.org/drawingml/2006/main" xmlns:r="http://schemas.openxmlformats.org/officeDocument/2006/relationships" xmlns:p="http://schemas.openxmlformats.org/presentationml/2006/main">
+  <p:cSld>
+    <p:spTree>
+      <p:nvGrpSpPr>
+        <p:cNvPr id="1" name=""/>
+        <p:cNvGrpSpPr/>
+        <p:nvPr/>
+      </p:nvGrpSpPr>
+      <p:grpSpPr>
+        <a:xfrm>
+          <a:off x="0" y="0"/>
+          <a:ext cx="0" cy="0"/>
+          <a:chOff x="0" y="0"/>
+          <a:chExt cx="0" cy="0"/>
+        </a:xfrm>
+      </p:grpSpPr>
+      <p:sp>
+        <p:nvSpPr>
+          <p:cNvPr id="2" name="제목 1">
+            <a:extLst>
+              <a:ext uri="{FF2B5EF4-FFF2-40B4-BE49-F238E27FC236}">
+                <a16:creationId xmlns:a16="http://schemas.microsoft.com/office/drawing/2014/main" id="{37450A63-104F-4408-A6D4-A295F613CCD5}"/>
+              </a:ext>
+            </a:extLst>
+          </p:cNvPr>
+          <p:cNvSpPr>
+            <a:spLocks noGrp="1"/>
+          </p:cNvSpPr>
+          <p:nvPr>
+            <p:ph type="title"/>
+          </p:nvPr>
+        </p:nvSpPr>
+        <p:spPr/>
+        <p:txBody>
+          <a:bodyPr/>
+          <a:lstStyle/>
+          <a:p>
+            <a:r>
+              <a:rPr lang="ko-KR" altLang="en-US" b="1" dirty="0"/>
+              <a:t>화면 응답</a:t>
+            </a:r>
+          </a:p>
+        </p:txBody>
+      </p:sp>
+      <p:sp>
+        <p:nvSpPr>
+          <p:cNvPr id="3" name="내용 개체 틀 2">
+            <a:extLst>
+              <a:ext uri="{FF2B5EF4-FFF2-40B4-BE49-F238E27FC236}">
+                <a16:creationId xmlns:a16="http://schemas.microsoft.com/office/drawing/2014/main" id="{5C8D0D21-C8EA-87ED-0875-A1D38432F576}"/>
+              </a:ext>
+            </a:extLst>
+          </p:cNvPr>
+          <p:cNvSpPr>
+            <a:spLocks noGrp="1"/>
+          </p:cNvSpPr>
+          <p:nvPr>
+            <p:ph idx="1"/>
+          </p:nvPr>
+        </p:nvSpPr>
+        <p:spPr/>
+        <p:txBody>
+          <a:bodyPr/>
+          <a:lstStyle/>
+          <a:p>
+            <a:r>
+              <a:rPr lang="en-US" altLang="ko-KR" dirty="0"/>
+              <a:t>Render </a:t>
+            </a:r>
+            <a:r>
+              <a:rPr lang="ko-KR" altLang="en-US" dirty="0"/>
+              <a:t>함수를 이용하여 응답</a:t>
+            </a:r>
+            <a:endParaRPr lang="en-US" altLang="ko-KR" dirty="0"/>
+          </a:p>
+          <a:p>
+            <a:endParaRPr lang="en-US" altLang="ko-KR" dirty="0"/>
+          </a:p>
+          <a:p>
+            <a:endParaRPr lang="en-US" altLang="ko-KR" dirty="0"/>
+          </a:p>
+          <a:p>
+            <a:endParaRPr lang="en-US" altLang="ko-KR" dirty="0"/>
+          </a:p>
+          <a:p>
+            <a:r>
+              <a:rPr lang="ko-KR" altLang="en-US" dirty="0"/>
+              <a:t>다음과 같이</a:t>
+            </a:r>
+            <a:r>
+              <a:rPr lang="en-US" altLang="ko-KR" dirty="0"/>
+              <a:t> </a:t>
+            </a:r>
+            <a:r>
+              <a:rPr lang="ko-KR" altLang="en-US" dirty="0"/>
+              <a:t>매개변수로 받은 </a:t>
+            </a:r>
+            <a:r>
+              <a:rPr lang="en-US" altLang="ko-KR" dirty="0"/>
+              <a:t>request</a:t>
+            </a:r>
+            <a:r>
+              <a:rPr lang="ko-KR" altLang="en-US" dirty="0"/>
+              <a:t>와 함께 응답할 화면을 명시하여 </a:t>
+            </a:r>
+            <a:r>
+              <a:rPr lang="ko-KR" altLang="en-US" dirty="0" err="1"/>
+              <a:t>랜더링한다</a:t>
+            </a:r>
+            <a:r>
+              <a:rPr lang="en-US" altLang="ko-KR" dirty="0"/>
+              <a:t>.</a:t>
+            </a:r>
+          </a:p>
+        </p:txBody>
+      </p:sp>
+      <p:pic>
+        <p:nvPicPr>
+          <p:cNvPr id="5" name="그림 4">
+            <a:extLst>
+              <a:ext uri="{FF2B5EF4-FFF2-40B4-BE49-F238E27FC236}">
+                <a16:creationId xmlns:a16="http://schemas.microsoft.com/office/drawing/2014/main" id="{B0584052-04A8-CE6C-3099-B020F614EBFB}"/>
+              </a:ext>
+            </a:extLst>
+          </p:cNvPr>
+          <p:cNvPicPr>
+            <a:picLocks noChangeAspect="1"/>
+          </p:cNvPicPr>
+          <p:nvPr/>
+        </p:nvPicPr>
+        <p:blipFill>
+          <a:blip r:embed="rId2"/>
+          <a:stretch>
+            <a:fillRect/>
+          </a:stretch>
+        </p:blipFill>
+        <p:spPr>
+          <a:xfrm>
+            <a:off x="838200" y="2590072"/>
+            <a:ext cx="9859751" cy="676369"/>
+          </a:xfrm>
+          <a:prstGeom prst="rect">
+            <a:avLst/>
+          </a:prstGeom>
+        </p:spPr>
+      </p:pic>
+    </p:spTree>
+    <p:extLst>
+      <p:ext uri="{BB962C8B-B14F-4D97-AF65-F5344CB8AC3E}">
+        <p14:creationId xmlns:p14="http://schemas.microsoft.com/office/powerpoint/2010/main" val="594414129"/>
+      </p:ext>
+    </p:extLst>
+  </p:cSld>
+  <p:clrMapOvr>
+    <a:masterClrMapping/>
+  </p:clrMapOvr>
+</p:sld>
+</file>
+
+<file path=ppt/slides/slide25.xml><?xml version="1.0" encoding="utf-8"?>
+<p:sld xmlns:a="http://schemas.openxmlformats.org/drawingml/2006/main" xmlns:r="http://schemas.openxmlformats.org/officeDocument/2006/relationships" xmlns:p="http://schemas.openxmlformats.org/presentationml/2006/main">
+  <p:cSld>
+    <p:spTree>
+      <p:nvGrpSpPr>
+        <p:cNvPr id="1" name=""/>
+        <p:cNvGrpSpPr/>
+        <p:nvPr/>
+      </p:nvGrpSpPr>
+      <p:grpSpPr>
+        <a:xfrm>
+          <a:off x="0" y="0"/>
+          <a:ext cx="0" cy="0"/>
+          <a:chOff x="0" y="0"/>
+          <a:chExt cx="0" cy="0"/>
+        </a:xfrm>
+      </p:grpSpPr>
+      <p:sp>
+        <p:nvSpPr>
+          <p:cNvPr id="2" name="제목 1">
+            <a:extLst>
+              <a:ext uri="{FF2B5EF4-FFF2-40B4-BE49-F238E27FC236}">
+                <a16:creationId xmlns:a16="http://schemas.microsoft.com/office/drawing/2014/main" id="{48B307E6-6F8E-5216-E638-927B861E8C48}"/>
+              </a:ext>
+            </a:extLst>
+          </p:cNvPr>
+          <p:cNvSpPr>
+            <a:spLocks noGrp="1"/>
+          </p:cNvSpPr>
+          <p:nvPr>
+            <p:ph type="title"/>
+          </p:nvPr>
+        </p:nvSpPr>
+        <p:spPr/>
+        <p:txBody>
+          <a:bodyPr/>
+          <a:lstStyle/>
+          <a:p>
+            <a:r>
+              <a:rPr lang="ko-KR" altLang="en-US" b="1" dirty="0"/>
+              <a:t>데이터 응답</a:t>
+            </a:r>
+          </a:p>
+        </p:txBody>
+      </p:sp>
+      <p:sp>
+        <p:nvSpPr>
+          <p:cNvPr id="3" name="내용 개체 틀 2">
+            <a:extLst>
+              <a:ext uri="{FF2B5EF4-FFF2-40B4-BE49-F238E27FC236}">
+                <a16:creationId xmlns:a16="http://schemas.microsoft.com/office/drawing/2014/main" id="{0779D429-E8FA-580F-7408-798779F34F69}"/>
+              </a:ext>
+            </a:extLst>
+          </p:cNvPr>
+          <p:cNvSpPr>
+            <a:spLocks noGrp="1"/>
+          </p:cNvSpPr>
+          <p:nvPr>
+            <p:ph idx="1"/>
+          </p:nvPr>
+        </p:nvSpPr>
+        <p:spPr/>
+        <p:txBody>
+          <a:bodyPr/>
+          <a:lstStyle/>
+          <a:p>
+            <a:r>
+              <a:rPr lang="en-US" altLang="ko-KR" dirty="0"/>
+              <a:t>Json</a:t>
+            </a:r>
+            <a:r>
+              <a:rPr lang="ko-KR" altLang="en-US" dirty="0"/>
+              <a:t>이라는 형식으로 데이터를 변환하여 응답하게 된다</a:t>
+            </a:r>
+            <a:r>
+              <a:rPr lang="en-US" altLang="ko-KR" dirty="0"/>
+              <a:t>.</a:t>
+            </a:r>
+          </a:p>
+          <a:p>
+            <a:endParaRPr lang="en-US" altLang="ko-KR" dirty="0"/>
+          </a:p>
+          <a:p>
+            <a:r>
+              <a:rPr lang="ko-KR" altLang="en-US" dirty="0" err="1"/>
+              <a:t>파이썬에서는</a:t>
+            </a:r>
+            <a:r>
+              <a:rPr lang="ko-KR" altLang="en-US" dirty="0"/>
+              <a:t> 대략 다음 두 가지 방법으로 </a:t>
+            </a:r>
+            <a:r>
+              <a:rPr lang="en-US" altLang="ko-KR" dirty="0" err="1"/>
+              <a:t>json</a:t>
+            </a:r>
+            <a:r>
+              <a:rPr lang="en-US" altLang="ko-KR" dirty="0"/>
+              <a:t> </a:t>
+            </a:r>
+            <a:r>
+              <a:rPr lang="ko-KR" altLang="en-US" dirty="0"/>
+              <a:t>형식으로 데이터를 변환한다</a:t>
+            </a:r>
+            <a:r>
+              <a:rPr lang="en-US" altLang="ko-KR" dirty="0"/>
+              <a:t>.</a:t>
+            </a:r>
+          </a:p>
+          <a:p>
+            <a:pPr marL="514350" indent="-514350">
+              <a:buAutoNum type="arabicPeriod"/>
+            </a:pPr>
+            <a:r>
+              <a:rPr lang="en-US" altLang="ko-KR" dirty="0" err="1"/>
+              <a:t>JsonReponse</a:t>
+            </a:r>
+            <a:r>
+              <a:rPr lang="en-US" altLang="ko-KR" dirty="0"/>
+              <a:t>()</a:t>
+            </a:r>
+            <a:r>
+              <a:rPr lang="ko-KR" altLang="en-US" dirty="0"/>
+              <a:t>를 활용하여 </a:t>
+            </a:r>
+            <a:r>
+              <a:rPr lang="en-US" altLang="ko-KR" dirty="0"/>
+              <a:t>Python </a:t>
+            </a:r>
+            <a:r>
+              <a:rPr lang="ko-KR" altLang="en-US" dirty="0"/>
+              <a:t>데이터 타입을 쉽게 </a:t>
+            </a:r>
+            <a:r>
+              <a:rPr lang="en-US" altLang="ko-KR" dirty="0"/>
+              <a:t>Json</a:t>
+            </a:r>
+            <a:r>
+              <a:rPr lang="ko-KR" altLang="en-US" dirty="0"/>
+              <a:t>으로 변환한다</a:t>
+            </a:r>
+            <a:r>
+              <a:rPr lang="en-US" altLang="ko-KR" dirty="0"/>
+              <a:t>.</a:t>
+            </a:r>
+          </a:p>
+          <a:p>
+            <a:pPr marL="514350" indent="-514350">
+              <a:buAutoNum type="arabicPeriod"/>
+            </a:pPr>
+            <a:r>
+              <a:rPr lang="en-US" altLang="ko-KR" dirty="0"/>
+              <a:t>Django Serializer</a:t>
+            </a:r>
+            <a:r>
+              <a:rPr lang="ko-KR" altLang="en-US" dirty="0"/>
+              <a:t>를 이용하여 데이터 구조를 미리 저장하고</a:t>
+            </a:r>
+            <a:r>
+              <a:rPr lang="en-US" altLang="ko-KR" dirty="0"/>
+              <a:t>, </a:t>
+            </a:r>
+            <a:r>
+              <a:rPr lang="ko-KR" altLang="en-US" dirty="0"/>
+              <a:t>이를 이용하여 변환한다</a:t>
+            </a:r>
+            <a:r>
+              <a:rPr lang="en-US" altLang="ko-KR" dirty="0"/>
+              <a:t>.</a:t>
+            </a:r>
+          </a:p>
+        </p:txBody>
+      </p:sp>
+    </p:spTree>
+    <p:extLst>
+      <p:ext uri="{BB962C8B-B14F-4D97-AF65-F5344CB8AC3E}">
+        <p14:creationId xmlns:p14="http://schemas.microsoft.com/office/powerpoint/2010/main" val="692122290"/>
+      </p:ext>
+    </p:extLst>
+  </p:cSld>
+  <p:clrMapOvr>
+    <a:masterClrMapping/>
+  </p:clrMapOvr>
+</p:sld>
+</file>
+
+<file path=ppt/slides/slide26.xml><?xml version="1.0" encoding="utf-8"?>
+<p:sld xmlns:a="http://schemas.openxmlformats.org/drawingml/2006/main" xmlns:r="http://schemas.openxmlformats.org/officeDocument/2006/relationships" xmlns:p="http://schemas.openxmlformats.org/presentationml/2006/main">
+  <p:cSld>
+    <p:spTree>
+      <p:nvGrpSpPr>
+        <p:cNvPr id="1" name=""/>
+        <p:cNvGrpSpPr/>
+        <p:nvPr/>
+      </p:nvGrpSpPr>
+      <p:grpSpPr>
+        <a:xfrm>
+          <a:off x="0" y="0"/>
+          <a:ext cx="0" cy="0"/>
+          <a:chOff x="0" y="0"/>
+          <a:chExt cx="0" cy="0"/>
+        </a:xfrm>
+      </p:grpSpPr>
+      <p:sp>
+        <p:nvSpPr>
+          <p:cNvPr id="2" name="제목 1">
+            <a:extLst>
+              <a:ext uri="{FF2B5EF4-FFF2-40B4-BE49-F238E27FC236}">
+                <a16:creationId xmlns:a16="http://schemas.microsoft.com/office/drawing/2014/main" id="{60C64B24-9386-C1F6-CA83-AF82C9FFE0F0}"/>
+              </a:ext>
+            </a:extLst>
+          </p:cNvPr>
+          <p:cNvSpPr>
+            <a:spLocks noGrp="1"/>
+          </p:cNvSpPr>
+          <p:nvPr>
+            <p:ph type="title"/>
+          </p:nvPr>
+        </p:nvSpPr>
+        <p:spPr/>
+        <p:txBody>
+          <a:bodyPr/>
+          <a:lstStyle/>
+          <a:p>
+            <a:r>
+              <a:rPr lang="en-US" altLang="ko-KR" b="1" dirty="0" err="1"/>
+              <a:t>JsonResponse</a:t>
+            </a:r>
+            <a:r>
+              <a:rPr lang="en-US" altLang="ko-KR" b="1" dirty="0"/>
+              <a:t>()</a:t>
+            </a:r>
+            <a:r>
+              <a:rPr lang="ko-KR" altLang="en-US" b="1" dirty="0"/>
+              <a:t>를 활용하여 응답하기</a:t>
+            </a:r>
+          </a:p>
+        </p:txBody>
+      </p:sp>
+      <p:sp>
+        <p:nvSpPr>
+          <p:cNvPr id="3" name="내용 개체 틀 2">
+            <a:extLst>
+              <a:ext uri="{FF2B5EF4-FFF2-40B4-BE49-F238E27FC236}">
+                <a16:creationId xmlns:a16="http://schemas.microsoft.com/office/drawing/2014/main" id="{EF89D93D-3A28-28E6-B89E-4D5B7A010DD7}"/>
+              </a:ext>
+            </a:extLst>
+          </p:cNvPr>
+          <p:cNvSpPr>
+            <a:spLocks noGrp="1"/>
+          </p:cNvSpPr>
+          <p:nvPr>
+            <p:ph idx="1"/>
+          </p:nvPr>
+        </p:nvSpPr>
+        <p:spPr/>
+        <p:txBody>
+          <a:bodyPr/>
+          <a:lstStyle/>
+          <a:p>
+            <a:r>
+              <a:rPr lang="ko-KR" altLang="en-US" dirty="0"/>
+              <a:t>기본적으로 </a:t>
+            </a:r>
+            <a:r>
+              <a:rPr lang="en-US" altLang="ko-KR" dirty="0"/>
+              <a:t>python</a:t>
+            </a:r>
+            <a:r>
+              <a:rPr lang="ko-KR" altLang="en-US" dirty="0"/>
+              <a:t>의 </a:t>
+            </a:r>
+            <a:r>
+              <a:rPr lang="en-US" altLang="ko-KR" dirty="0"/>
+              <a:t>dictionary</a:t>
+            </a:r>
+            <a:r>
+              <a:rPr lang="ko-KR" altLang="en-US" dirty="0"/>
+              <a:t>를 </a:t>
+            </a:r>
+            <a:r>
+              <a:rPr lang="en-US" altLang="ko-KR" dirty="0" err="1"/>
+              <a:t>JsonResponse</a:t>
+            </a:r>
+            <a:r>
+              <a:rPr lang="en-US" altLang="ko-KR" dirty="0"/>
+              <a:t>()</a:t>
+            </a:r>
+            <a:r>
+              <a:rPr lang="ko-KR" altLang="en-US" dirty="0"/>
+              <a:t>의 매개변수로 넣어주면 </a:t>
+            </a:r>
+            <a:r>
+              <a:rPr lang="en-US" altLang="ko-KR" dirty="0"/>
+              <a:t>Json</a:t>
+            </a:r>
+            <a:r>
+              <a:rPr lang="ko-KR" altLang="en-US" dirty="0"/>
+              <a:t>형태로 만들어준다</a:t>
+            </a:r>
+            <a:r>
+              <a:rPr lang="en-US" altLang="ko-KR" dirty="0"/>
+              <a:t>.</a:t>
+            </a:r>
+            <a:r>
+              <a:rPr lang="ko-KR" altLang="en-US" dirty="0"/>
+              <a:t> </a:t>
+            </a:r>
+            <a:endParaRPr lang="en-US" altLang="ko-KR" dirty="0"/>
+          </a:p>
+          <a:p>
+            <a:r>
+              <a:rPr lang="ko-KR" altLang="en-US" dirty="0"/>
+              <a:t>이러한 </a:t>
+            </a:r>
+            <a:r>
+              <a:rPr lang="en-US" altLang="ko-KR" dirty="0"/>
+              <a:t>Json</a:t>
+            </a:r>
+            <a:r>
+              <a:rPr lang="ko-KR" altLang="en-US" dirty="0"/>
+              <a:t>파일을 </a:t>
+            </a:r>
+            <a:r>
+              <a:rPr lang="ko-KR" altLang="en-US" dirty="0" err="1"/>
+              <a:t>리턴해주면</a:t>
+            </a:r>
+            <a:r>
+              <a:rPr lang="ko-KR" altLang="en-US" dirty="0"/>
+              <a:t> </a:t>
+            </a:r>
+            <a:r>
+              <a:rPr lang="ko-KR" altLang="en-US" dirty="0" err="1"/>
+              <a:t>프론트엔드가</a:t>
+            </a:r>
+            <a:r>
+              <a:rPr lang="ko-KR" altLang="en-US" dirty="0"/>
+              <a:t> 데이터를 받을 수 있다</a:t>
+            </a:r>
+            <a:r>
+              <a:rPr lang="en-US" altLang="ko-KR" dirty="0"/>
+              <a:t>.</a:t>
+            </a:r>
+          </a:p>
+          <a:p>
+            <a:endParaRPr lang="en-US" altLang="ko-KR" dirty="0"/>
+          </a:p>
+        </p:txBody>
+      </p:sp>
+      <p:pic>
+        <p:nvPicPr>
+          <p:cNvPr id="7" name="그림 6">
+            <a:extLst>
+              <a:ext uri="{FF2B5EF4-FFF2-40B4-BE49-F238E27FC236}">
+                <a16:creationId xmlns:a16="http://schemas.microsoft.com/office/drawing/2014/main" id="{E80E06B5-D4F8-02F1-9007-DBB8C6B515A2}"/>
+              </a:ext>
+            </a:extLst>
+          </p:cNvPr>
+          <p:cNvPicPr>
+            <a:picLocks noChangeAspect="1"/>
+          </p:cNvPicPr>
+          <p:nvPr/>
+        </p:nvPicPr>
+        <p:blipFill>
+          <a:blip r:embed="rId2"/>
+          <a:stretch>
+            <a:fillRect/>
+          </a:stretch>
+        </p:blipFill>
+        <p:spPr>
+          <a:xfrm>
+            <a:off x="3120439" y="3481182"/>
+            <a:ext cx="5134692" cy="2943636"/>
+          </a:xfrm>
+          <a:prstGeom prst="rect">
+            <a:avLst/>
+          </a:prstGeom>
+        </p:spPr>
+      </p:pic>
+    </p:spTree>
+    <p:extLst>
+      <p:ext uri="{BB962C8B-B14F-4D97-AF65-F5344CB8AC3E}">
+        <p14:creationId xmlns:p14="http://schemas.microsoft.com/office/powerpoint/2010/main" val="1985004037"/>
+      </p:ext>
+    </p:extLst>
+  </p:cSld>
+  <p:clrMapOvr>
+    <a:masterClrMapping/>
+  </p:clrMapOvr>
+</p:sld>
+</file>
+
+<file path=ppt/slides/slide27.xml><?xml version="1.0" encoding="utf-8"?>
+<p:sld xmlns:a="http://schemas.openxmlformats.org/drawingml/2006/main" xmlns:r="http://schemas.openxmlformats.org/officeDocument/2006/relationships" xmlns:p="http://schemas.openxmlformats.org/presentationml/2006/main">
+  <p:cSld>
+    <p:spTree>
+      <p:nvGrpSpPr>
+        <p:cNvPr id="1" name=""/>
+        <p:cNvGrpSpPr/>
+        <p:nvPr/>
+      </p:nvGrpSpPr>
+      <p:grpSpPr>
+        <a:xfrm>
+          <a:off x="0" y="0"/>
+          <a:ext cx="0" cy="0"/>
+          <a:chOff x="0" y="0"/>
+          <a:chExt cx="0" cy="0"/>
+        </a:xfrm>
+      </p:grpSpPr>
+      <p:sp>
+        <p:nvSpPr>
+          <p:cNvPr id="2" name="제목 1">
+            <a:extLst>
+              <a:ext uri="{FF2B5EF4-FFF2-40B4-BE49-F238E27FC236}">
+                <a16:creationId xmlns:a16="http://schemas.microsoft.com/office/drawing/2014/main" id="{00694313-A808-9CC0-EEC2-717EF3447485}"/>
+              </a:ext>
+            </a:extLst>
+          </p:cNvPr>
+          <p:cNvSpPr>
+            <a:spLocks noGrp="1"/>
+          </p:cNvSpPr>
+          <p:nvPr>
+            <p:ph type="title"/>
+          </p:nvPr>
+        </p:nvSpPr>
+        <p:spPr/>
+        <p:txBody>
+          <a:bodyPr/>
+          <a:lstStyle/>
+          <a:p>
+            <a:r>
+              <a:rPr lang="en-US" altLang="ko-KR" b="1" dirty="0" err="1"/>
+              <a:t>JsonResponse</a:t>
+            </a:r>
+            <a:r>
+              <a:rPr lang="en-US" altLang="ko-KR" b="1" dirty="0"/>
+              <a:t>()</a:t>
+            </a:r>
+            <a:r>
+              <a:rPr lang="ko-KR" altLang="en-US" b="1" dirty="0"/>
+              <a:t>를 활용하여 응답하기</a:t>
+            </a:r>
+            <a:r>
+              <a:rPr lang="en-US" altLang="ko-KR" b="1" dirty="0"/>
+              <a:t>2</a:t>
+            </a:r>
+            <a:endParaRPr lang="ko-KR" altLang="en-US" b="1" dirty="0"/>
+          </a:p>
+        </p:txBody>
+      </p:sp>
+      <p:sp>
+        <p:nvSpPr>
+          <p:cNvPr id="3" name="내용 개체 틀 2">
+            <a:extLst>
+              <a:ext uri="{FF2B5EF4-FFF2-40B4-BE49-F238E27FC236}">
+                <a16:creationId xmlns:a16="http://schemas.microsoft.com/office/drawing/2014/main" id="{723BE656-9C4B-5F4D-95DA-B52E710C5448}"/>
+              </a:ext>
+            </a:extLst>
+          </p:cNvPr>
+          <p:cNvSpPr>
+            <a:spLocks noGrp="1"/>
+          </p:cNvSpPr>
+          <p:nvPr>
+            <p:ph idx="1"/>
+          </p:nvPr>
+        </p:nvSpPr>
+        <p:spPr/>
+        <p:txBody>
+          <a:bodyPr/>
+          <a:lstStyle/>
+          <a:p>
+            <a:r>
+              <a:rPr lang="en-US" altLang="ko-KR" dirty="0"/>
+              <a:t>Dictionary</a:t>
+            </a:r>
+            <a:r>
+              <a:rPr lang="ko-KR" altLang="en-US" dirty="0"/>
+              <a:t>이외의 형식의 데이터를 변환하여 응답하고 싶다면 두 번째 </a:t>
+            </a:r>
+            <a:r>
+              <a:rPr lang="en-US" altLang="ko-KR" dirty="0"/>
+              <a:t>argument</a:t>
+            </a:r>
+            <a:r>
+              <a:rPr lang="ko-KR" altLang="en-US" dirty="0"/>
+              <a:t>를 </a:t>
+            </a:r>
+            <a:r>
+              <a:rPr lang="en-US" altLang="ko-KR" dirty="0"/>
+              <a:t>safe=False</a:t>
+            </a:r>
+            <a:r>
+              <a:rPr lang="ko-KR" altLang="en-US" dirty="0"/>
+              <a:t>로 설정한다</a:t>
+            </a:r>
+            <a:r>
+              <a:rPr lang="en-US" altLang="ko-KR" dirty="0"/>
+              <a:t>.</a:t>
+            </a:r>
+            <a:endParaRPr lang="ko-KR" altLang="en-US" dirty="0"/>
+          </a:p>
+        </p:txBody>
+      </p:sp>
+      <p:pic>
+        <p:nvPicPr>
+          <p:cNvPr id="5" name="그림 4">
+            <a:extLst>
+              <a:ext uri="{FF2B5EF4-FFF2-40B4-BE49-F238E27FC236}">
+                <a16:creationId xmlns:a16="http://schemas.microsoft.com/office/drawing/2014/main" id="{7C370622-252A-CFA3-3B92-4A21B4EED8EF}"/>
+              </a:ext>
+            </a:extLst>
+          </p:cNvPr>
+          <p:cNvPicPr>
+            <a:picLocks noChangeAspect="1"/>
+          </p:cNvPicPr>
+          <p:nvPr/>
+        </p:nvPicPr>
+        <p:blipFill>
+          <a:blip r:embed="rId2"/>
+          <a:stretch>
+            <a:fillRect/>
+          </a:stretch>
+        </p:blipFill>
+        <p:spPr>
+          <a:xfrm>
+            <a:off x="1865008" y="3429000"/>
+            <a:ext cx="7602011" cy="2305372"/>
+          </a:xfrm>
+          <a:prstGeom prst="rect">
+            <a:avLst/>
+          </a:prstGeom>
+        </p:spPr>
+      </p:pic>
+    </p:spTree>
+    <p:extLst>
+      <p:ext uri="{BB962C8B-B14F-4D97-AF65-F5344CB8AC3E}">
+        <p14:creationId xmlns:p14="http://schemas.microsoft.com/office/powerpoint/2010/main" val="2533387776"/>
+      </p:ext>
+    </p:extLst>
+  </p:cSld>
+  <p:clrMapOvr>
+    <a:masterClrMapping/>
+  </p:clrMapOvr>
+</p:sld>
+</file>
+
+<file path=ppt/slides/slide28.xml><?xml version="1.0" encoding="utf-8"?>
+<p:sld xmlns:a="http://schemas.openxmlformats.org/drawingml/2006/main" xmlns:r="http://schemas.openxmlformats.org/officeDocument/2006/relationships" xmlns:p="http://schemas.openxmlformats.org/presentationml/2006/main">
+  <p:cSld>
+    <p:spTree>
+      <p:nvGrpSpPr>
+        <p:cNvPr id="1" name=""/>
+        <p:cNvGrpSpPr/>
+        <p:nvPr/>
+      </p:nvGrpSpPr>
+      <p:grpSpPr>
+        <a:xfrm>
+          <a:off x="0" y="0"/>
+          <a:ext cx="0" cy="0"/>
+          <a:chOff x="0" y="0"/>
+          <a:chExt cx="0" cy="0"/>
+        </a:xfrm>
+      </p:grpSpPr>
+      <p:sp>
+        <p:nvSpPr>
+          <p:cNvPr id="2" name="제목 1">
+            <a:extLst>
+              <a:ext uri="{FF2B5EF4-FFF2-40B4-BE49-F238E27FC236}">
+                <a16:creationId xmlns:a16="http://schemas.microsoft.com/office/drawing/2014/main" id="{64C932E9-9BDB-41CD-B8B3-C9826515E082}"/>
+              </a:ext>
+            </a:extLst>
+          </p:cNvPr>
+          <p:cNvSpPr>
+            <a:spLocks noGrp="1"/>
+          </p:cNvSpPr>
+          <p:nvPr>
+            <p:ph type="title"/>
+          </p:nvPr>
+        </p:nvSpPr>
+        <p:spPr/>
+        <p:txBody>
+          <a:bodyPr/>
+          <a:lstStyle/>
+          <a:p>
+            <a:pPr algn="l"/>
+            <a:r>
+              <a:rPr lang="en-US" altLang="ko-KR" b="1" dirty="0"/>
+              <a:t>HTTP method</a:t>
+            </a:r>
+            <a:r>
+              <a:rPr lang="ko-KR" altLang="en-US" b="1" dirty="0"/>
+              <a:t>에 대해</a:t>
+            </a:r>
+            <a:r>
+              <a:rPr lang="en-US" altLang="ko-KR" b="1" dirty="0"/>
+              <a:t> (GET, POST)</a:t>
+            </a:r>
+          </a:p>
+        </p:txBody>
+      </p:sp>
+      <p:sp>
+        <p:nvSpPr>
+          <p:cNvPr id="8" name="내용 개체 틀 7">
+            <a:extLst>
+              <a:ext uri="{FF2B5EF4-FFF2-40B4-BE49-F238E27FC236}">
+                <a16:creationId xmlns:a16="http://schemas.microsoft.com/office/drawing/2014/main" id="{01A6821C-8B20-5D28-A06B-71A10A4BDF61}"/>
+              </a:ext>
+            </a:extLst>
+          </p:cNvPr>
+          <p:cNvSpPr>
+            <a:spLocks noGrp="1"/>
+          </p:cNvSpPr>
+          <p:nvPr>
+            <p:ph idx="1"/>
+          </p:nvPr>
+        </p:nvSpPr>
+        <p:spPr/>
+        <p:txBody>
+          <a:bodyPr>
+            <a:normAutofit/>
+          </a:bodyPr>
+          <a:lstStyle/>
+          <a:p>
+            <a:r>
+              <a:rPr lang="ko-KR" altLang="en-US" dirty="0"/>
+              <a:t>위 두 가지 방법을 잘 활용하여</a:t>
+            </a:r>
+            <a:endParaRPr lang="en-US" altLang="ko-KR" dirty="0"/>
+          </a:p>
+          <a:p>
+            <a:endParaRPr lang="en-US" altLang="ko-KR" dirty="0"/>
+          </a:p>
+          <a:p>
+            <a:r>
+              <a:rPr lang="ko-KR" altLang="en-US" dirty="0"/>
+              <a:t>로그인</a:t>
+            </a:r>
+            <a:r>
+              <a:rPr lang="en-US" altLang="ko-KR" dirty="0"/>
+              <a:t> </a:t>
+            </a:r>
+            <a:r>
+              <a:rPr lang="ko-KR" altLang="en-US" dirty="0"/>
+              <a:t>및 회원가입 기능을 만들어보자</a:t>
+            </a:r>
+            <a:r>
+              <a:rPr lang="en-US" altLang="ko-KR" dirty="0"/>
+              <a:t>.</a:t>
+            </a:r>
+          </a:p>
+          <a:p>
+            <a:endParaRPr lang="en-US" altLang="ko-KR" dirty="0"/>
+          </a:p>
+          <a:p>
+            <a:r>
+              <a:rPr lang="ko-KR" altLang="en-US" dirty="0"/>
+              <a:t>아래 링크에서 </a:t>
+            </a:r>
+            <a:r>
+              <a:rPr lang="en-US" altLang="ko-KR" dirty="0"/>
+              <a:t>html </a:t>
+            </a:r>
+            <a:r>
+              <a:rPr lang="ko-KR" altLang="en-US" dirty="0"/>
+              <a:t>코드를 가져와주자</a:t>
+            </a:r>
+            <a:r>
+              <a:rPr lang="en-US" altLang="ko-KR" dirty="0"/>
+              <a:t>.</a:t>
+            </a:r>
+          </a:p>
+        </p:txBody>
+      </p:sp>
+    </p:spTree>
+    <p:extLst>
+      <p:ext uri="{BB962C8B-B14F-4D97-AF65-F5344CB8AC3E}">
+        <p14:creationId xmlns:p14="http://schemas.microsoft.com/office/powerpoint/2010/main" val="2030077923"/>
+      </p:ext>
+    </p:extLst>
+  </p:cSld>
+  <p:clrMapOvr>
+    <a:masterClrMapping/>
+  </p:clrMapOvr>
+</p:sld>
+</file>
+
+<file path=ppt/slides/slide29.xml><?xml version="1.0" encoding="utf-8"?>
+<p:sld xmlns:a="http://schemas.openxmlformats.org/drawingml/2006/main" xmlns:r="http://schemas.openxmlformats.org/officeDocument/2006/relationships" xmlns:p="http://schemas.openxmlformats.org/presentationml/2006/main">
+  <p:cSld>
+    <p:spTree>
+      <p:nvGrpSpPr>
+        <p:cNvPr id="1" name=""/>
+        <p:cNvGrpSpPr/>
+        <p:nvPr/>
+      </p:nvGrpSpPr>
+      <p:grpSpPr>
+        <a:xfrm>
+          <a:off x="0" y="0"/>
+          <a:ext cx="0" cy="0"/>
+          <a:chOff x="0" y="0"/>
+          <a:chExt cx="0" cy="0"/>
+        </a:xfrm>
+      </p:grpSpPr>
+      <p:sp>
+        <p:nvSpPr>
+          <p:cNvPr id="2" name="제목 1">
+            <a:extLst>
+              <a:ext uri="{FF2B5EF4-FFF2-40B4-BE49-F238E27FC236}">
+                <a16:creationId xmlns:a16="http://schemas.microsoft.com/office/drawing/2014/main" id="{9700ED39-4DFE-90C2-6B5D-BEC3EB0AC805}"/>
+              </a:ext>
+            </a:extLst>
+          </p:cNvPr>
+          <p:cNvSpPr>
+            <a:spLocks noGrp="1"/>
+          </p:cNvSpPr>
+          <p:nvPr>
+            <p:ph type="title"/>
+          </p:nvPr>
+        </p:nvSpPr>
+        <p:spPr>
+          <a:xfrm>
+            <a:off x="336550" y="87312"/>
+            <a:ext cx="10515600" cy="1325563"/>
+          </a:xfrm>
+        </p:spPr>
+        <p:txBody>
+          <a:bodyPr/>
+          <a:lstStyle/>
+          <a:p>
+            <a:r>
+              <a:rPr lang="ko-KR" altLang="en-US" b="1" dirty="0"/>
+              <a:t>실습과제</a:t>
+            </a:r>
+          </a:p>
+        </p:txBody>
+      </p:sp>
+      <p:sp>
+        <p:nvSpPr>
+          <p:cNvPr id="3" name="내용 개체 틀 2">
+            <a:extLst>
+              <a:ext uri="{FF2B5EF4-FFF2-40B4-BE49-F238E27FC236}">
+                <a16:creationId xmlns:a16="http://schemas.microsoft.com/office/drawing/2014/main" id="{613D9C99-C2C5-50F4-3182-604737870876}"/>
+              </a:ext>
+            </a:extLst>
+          </p:cNvPr>
+          <p:cNvSpPr>
+            <a:spLocks noGrp="1"/>
+          </p:cNvSpPr>
+          <p:nvPr>
+            <p:ph idx="1"/>
+          </p:nvPr>
+        </p:nvSpPr>
+        <p:spPr>
+          <a:xfrm>
+            <a:off x="838200" y="1092200"/>
+            <a:ext cx="10515600" cy="5678488"/>
+          </a:xfrm>
+        </p:spPr>
+        <p:txBody>
+          <a:bodyPr>
+            <a:normAutofit/>
+          </a:bodyPr>
+          <a:lstStyle/>
+          <a:p>
+            <a:r>
+              <a:rPr lang="en-US" altLang="ko-KR" sz="2000" dirty="0"/>
+              <a:t>127.0.0.1:8000 </a:t>
+            </a:r>
+            <a:r>
+              <a:rPr lang="ko-KR" altLang="en-US" sz="2000" dirty="0"/>
+              <a:t>으로 요청했을 때에는 </a:t>
+            </a:r>
+            <a:r>
+              <a:rPr lang="en-US" altLang="ko-KR" sz="2000" dirty="0"/>
+              <a:t>login.html</a:t>
+            </a:r>
+            <a:r>
+              <a:rPr lang="ko-KR" altLang="en-US" sz="2000" dirty="0"/>
+              <a:t>에 보이도록 해주세요</a:t>
+            </a:r>
+            <a:r>
+              <a:rPr lang="en-US" altLang="ko-KR" sz="2000" dirty="0"/>
+              <a:t>.</a:t>
+            </a:r>
+          </a:p>
+          <a:p>
+            <a:r>
+              <a:rPr lang="en-US" altLang="ko-KR" sz="2000" dirty="0"/>
+              <a:t>Login</a:t>
+            </a:r>
+            <a:r>
+              <a:rPr lang="ko-KR" altLang="en-US" sz="2000" dirty="0"/>
+              <a:t>페이지의 회원가입하기 버튼을 누르면 </a:t>
+            </a:r>
+            <a:r>
+              <a:rPr lang="en-US" altLang="ko-KR" sz="2000" dirty="0"/>
+              <a:t>127.0.0.0:8000/signup </a:t>
+            </a:r>
+            <a:r>
+              <a:rPr lang="ko-KR" altLang="en-US" sz="2000" dirty="0"/>
+              <a:t>으로 </a:t>
+            </a:r>
+            <a:r>
+              <a:rPr lang="en-US" altLang="ko-KR" sz="2000" dirty="0"/>
+              <a:t>get</a:t>
+            </a:r>
+            <a:r>
+              <a:rPr lang="ko-KR" altLang="en-US" sz="2000" dirty="0"/>
+              <a:t>요청을 하게 </a:t>
+            </a:r>
+            <a:r>
+              <a:rPr lang="ko-KR" altLang="en-US" sz="2000" dirty="0" err="1"/>
+              <a:t>만들어두었습니다</a:t>
+            </a:r>
+            <a:r>
+              <a:rPr lang="en-US" altLang="ko-KR" sz="2000" dirty="0"/>
+              <a:t>. </a:t>
+            </a:r>
+            <a:r>
+              <a:rPr lang="ko-KR" altLang="en-US" sz="2000" dirty="0"/>
+              <a:t>이 요청이 오면 </a:t>
+            </a:r>
+            <a:r>
+              <a:rPr lang="en-US" altLang="ko-KR" sz="2000" dirty="0"/>
+              <a:t>signup.html</a:t>
+            </a:r>
+            <a:r>
+              <a:rPr lang="ko-KR" altLang="en-US" sz="2000" dirty="0"/>
+              <a:t>을 보여주세요</a:t>
+            </a:r>
+            <a:r>
+              <a:rPr lang="en-US" altLang="ko-KR" sz="2000" dirty="0"/>
+              <a:t>.</a:t>
+            </a:r>
+          </a:p>
+          <a:p>
+            <a:r>
+              <a:rPr lang="en-US" altLang="ko-KR" sz="2000" dirty="0"/>
+              <a:t>Signup</a:t>
+            </a:r>
+            <a:r>
+              <a:rPr lang="ko-KR" altLang="en-US" sz="2000" dirty="0"/>
+              <a:t>페이지의 회원 정보를 입력하고 회원 가입 버튼을 누르면 </a:t>
+            </a:r>
+            <a:r>
+              <a:rPr lang="en-US" altLang="ko-KR" sz="2000" dirty="0"/>
+              <a:t>127.0.0.1:8000/signup </a:t>
+            </a:r>
+            <a:r>
+              <a:rPr lang="ko-KR" altLang="en-US" sz="2000" dirty="0"/>
+              <a:t>으로 </a:t>
+            </a:r>
+            <a:r>
+              <a:rPr lang="en-US" altLang="ko-KR" sz="2000" dirty="0"/>
+              <a:t>post </a:t>
+            </a:r>
+            <a:r>
+              <a:rPr lang="ko-KR" altLang="en-US" sz="2000" dirty="0"/>
+              <a:t>요청을 가게 만들어 두었습니다</a:t>
+            </a:r>
+            <a:r>
+              <a:rPr lang="en-US" altLang="ko-KR" sz="2000" dirty="0"/>
+              <a:t>. Post </a:t>
+            </a:r>
+            <a:r>
+              <a:rPr lang="ko-KR" altLang="en-US" sz="2000" dirty="0"/>
+              <a:t>요청이 오면 회원을 저장해주세요</a:t>
+            </a:r>
+            <a:r>
+              <a:rPr lang="en-US" altLang="ko-KR" sz="2000" dirty="0"/>
+              <a:t>. </a:t>
+            </a:r>
+            <a:r>
+              <a:rPr lang="ko-KR" altLang="en-US" sz="2000" dirty="0"/>
+              <a:t>만약 </a:t>
+            </a:r>
+            <a:r>
+              <a:rPr lang="en-US" altLang="ko-KR" sz="2000" dirty="0"/>
+              <a:t>id</a:t>
+            </a:r>
+            <a:r>
+              <a:rPr lang="ko-KR" altLang="en-US" sz="2000" dirty="0"/>
+              <a:t>가 중복되면 응답으로 </a:t>
+            </a:r>
+            <a:r>
+              <a:rPr lang="en-US" altLang="ko-KR" sz="2000" dirty="0" err="1"/>
+              <a:t>isSuccess</a:t>
+            </a:r>
+            <a:r>
+              <a:rPr lang="ko-KR" altLang="en-US" sz="2000" dirty="0"/>
+              <a:t>라는 파라미터에 </a:t>
+            </a:r>
+            <a:r>
+              <a:rPr lang="en-US" altLang="ko-KR" sz="2000" dirty="0"/>
+              <a:t>false</a:t>
+            </a:r>
+            <a:r>
+              <a:rPr lang="ko-KR" altLang="en-US" sz="2000" dirty="0"/>
+              <a:t>를 보내주시고</a:t>
+            </a:r>
+            <a:r>
+              <a:rPr lang="en-US" altLang="ko-KR" sz="2000" dirty="0"/>
+              <a:t>, </a:t>
+            </a:r>
+            <a:r>
+              <a:rPr lang="ko-KR" altLang="en-US" sz="2000" dirty="0"/>
+              <a:t>아니면 </a:t>
+            </a:r>
+            <a:r>
+              <a:rPr lang="en-US" altLang="ko-KR" sz="2000" dirty="0"/>
+              <a:t>true</a:t>
+            </a:r>
+            <a:r>
+              <a:rPr lang="ko-KR" altLang="en-US" sz="2000" dirty="0"/>
+              <a:t>를 보내주세요</a:t>
+            </a:r>
+            <a:r>
+              <a:rPr lang="en-US" altLang="ko-KR" sz="2000" dirty="0"/>
+              <a:t>.</a:t>
+            </a:r>
+          </a:p>
+          <a:p>
+            <a:r>
+              <a:rPr lang="ko-KR" altLang="en-US" sz="2000" dirty="0"/>
+              <a:t>로그인 버튼을 누르면 </a:t>
+            </a:r>
+            <a:r>
+              <a:rPr lang="en-US" altLang="ko-KR" sz="2000" dirty="0"/>
+              <a:t>127.0.0.1:8000/login</a:t>
+            </a:r>
+            <a:r>
+              <a:rPr lang="ko-KR" altLang="en-US" sz="2000" dirty="0"/>
+              <a:t>으로 </a:t>
+            </a:r>
+            <a:r>
+              <a:rPr lang="en-US" altLang="ko-KR" sz="2000" dirty="0"/>
+              <a:t>post</a:t>
+            </a:r>
+            <a:r>
+              <a:rPr lang="ko-KR" altLang="en-US" sz="2000" dirty="0"/>
+              <a:t>요청을 보내게 만들어 두었습니다</a:t>
+            </a:r>
+            <a:r>
+              <a:rPr lang="en-US" altLang="ko-KR" sz="2000" dirty="0"/>
+              <a:t>. Post</a:t>
+            </a:r>
+            <a:r>
+              <a:rPr lang="ko-KR" altLang="en-US" sz="2000" dirty="0"/>
+              <a:t>요청이 오면 회원정보와 일치하는 정보가 있으면 </a:t>
+            </a:r>
+            <a:r>
+              <a:rPr lang="en-US" altLang="ko-KR" sz="2000" dirty="0" err="1"/>
+              <a:t>isSuccess</a:t>
+            </a:r>
+            <a:r>
+              <a:rPr lang="ko-KR" altLang="en-US" sz="2000" dirty="0"/>
+              <a:t>이라는 </a:t>
+            </a:r>
+            <a:r>
+              <a:rPr lang="en-US" altLang="ko-KR" sz="2000" dirty="0"/>
+              <a:t>parameter</a:t>
+            </a:r>
+            <a:r>
+              <a:rPr lang="ko-KR" altLang="en-US" sz="2000" dirty="0"/>
+              <a:t>에 </a:t>
+            </a:r>
+            <a:r>
+              <a:rPr lang="en-US" altLang="ko-KR" sz="2000" dirty="0"/>
+              <a:t>true, </a:t>
+            </a:r>
+            <a:r>
+              <a:rPr lang="ko-KR" altLang="en-US" sz="2000" dirty="0"/>
+              <a:t>없으면 </a:t>
+            </a:r>
+            <a:r>
+              <a:rPr lang="en-US" altLang="ko-KR" sz="2000" dirty="0"/>
+              <a:t>false</a:t>
+            </a:r>
+            <a:r>
+              <a:rPr lang="ko-KR" altLang="en-US" sz="2000" dirty="0"/>
+              <a:t>를 보내주세요</a:t>
+            </a:r>
+            <a:r>
+              <a:rPr lang="en-US" altLang="ko-KR" sz="2000" dirty="0"/>
+              <a:t>.</a:t>
+            </a:r>
+          </a:p>
+          <a:p>
+            <a:r>
+              <a:rPr lang="ko-KR" altLang="en-US" sz="2000" dirty="0"/>
+              <a:t>필요한 </a:t>
+            </a:r>
+            <a:r>
+              <a:rPr lang="en-US" altLang="ko-KR" sz="2000" dirty="0"/>
+              <a:t>login.html</a:t>
+            </a:r>
+            <a:r>
+              <a:rPr lang="ko-KR" altLang="en-US" sz="2000" dirty="0"/>
+              <a:t>과 </a:t>
+            </a:r>
+            <a:r>
+              <a:rPr lang="en-US" altLang="ko-KR" sz="2000" dirty="0"/>
+              <a:t>signup.html</a:t>
+            </a:r>
+            <a:r>
+              <a:rPr lang="ko-KR" altLang="en-US" sz="2000" dirty="0"/>
+              <a:t>은 아래 링크에 </a:t>
+            </a:r>
+            <a:r>
+              <a:rPr lang="ko-KR" altLang="en-US" sz="2000" dirty="0" err="1"/>
+              <a:t>첨부해두었습니다</a:t>
+            </a:r>
+            <a:r>
+              <a:rPr lang="en-US" altLang="ko-KR" sz="2000" dirty="0"/>
+              <a:t>.</a:t>
+            </a:r>
+          </a:p>
+          <a:p>
+            <a:r>
+              <a:rPr lang="en-US" altLang="ko-KR" sz="2000" dirty="0"/>
+              <a:t>https://ink-friend-5fe.notion.site/2-880b4abe8cb54e869cdced787f00f546?pvs=4</a:t>
+            </a:r>
+          </a:p>
+        </p:txBody>
+      </p:sp>
+    </p:spTree>
+    <p:extLst>
+      <p:ext uri="{BB962C8B-B14F-4D97-AF65-F5344CB8AC3E}">
+        <p14:creationId xmlns:p14="http://schemas.microsoft.com/office/powerpoint/2010/main" val="2939801509"/>
       </p:ext>
     </p:extLst>
   </p:cSld>
@@ -7254,6 +9625,320 @@
     <p:extLst>
       <p:ext uri="{BB962C8B-B14F-4D97-AF65-F5344CB8AC3E}">
         <p14:creationId xmlns:p14="http://schemas.microsoft.com/office/powerpoint/2010/main" val="4221780119"/>
+      </p:ext>
+    </p:extLst>
+  </p:cSld>
+  <p:clrMapOvr>
+    <a:masterClrMapping/>
+  </p:clrMapOvr>
+</p:sld>
+</file>
+
+<file path=ppt/slides/slide30.xml><?xml version="1.0" encoding="utf-8"?>
+<p:sld xmlns:a="http://schemas.openxmlformats.org/drawingml/2006/main" xmlns:r="http://schemas.openxmlformats.org/officeDocument/2006/relationships" xmlns:p="http://schemas.openxmlformats.org/presentationml/2006/main">
+  <p:cSld>
+    <p:spTree>
+      <p:nvGrpSpPr>
+        <p:cNvPr id="1" name=""/>
+        <p:cNvGrpSpPr/>
+        <p:nvPr/>
+      </p:nvGrpSpPr>
+      <p:grpSpPr>
+        <a:xfrm>
+          <a:off x="0" y="0"/>
+          <a:ext cx="0" cy="0"/>
+          <a:chOff x="0" y="0"/>
+          <a:chExt cx="0" cy="0"/>
+        </a:xfrm>
+      </p:grpSpPr>
+      <p:sp>
+        <p:nvSpPr>
+          <p:cNvPr id="2" name="제목 1">
+            <a:extLst>
+              <a:ext uri="{FF2B5EF4-FFF2-40B4-BE49-F238E27FC236}">
+                <a16:creationId xmlns:a16="http://schemas.microsoft.com/office/drawing/2014/main" id="{6E3E6845-22AF-F04B-B800-5536FD7A5FEC}"/>
+              </a:ext>
+            </a:extLst>
+          </p:cNvPr>
+          <p:cNvSpPr>
+            <a:spLocks noGrp="1"/>
+          </p:cNvSpPr>
+          <p:nvPr>
+            <p:ph type="title"/>
+          </p:nvPr>
+        </p:nvSpPr>
+        <p:spPr/>
+        <p:txBody>
+          <a:bodyPr/>
+          <a:lstStyle/>
+          <a:p>
+            <a:r>
+              <a:rPr lang="ko-KR" altLang="en-US" b="1" dirty="0"/>
+              <a:t>실습과제의 문제점</a:t>
+            </a:r>
+          </a:p>
+        </p:txBody>
+      </p:sp>
+      <p:sp>
+        <p:nvSpPr>
+          <p:cNvPr id="3" name="내용 개체 틀 2">
+            <a:extLst>
+              <a:ext uri="{FF2B5EF4-FFF2-40B4-BE49-F238E27FC236}">
+                <a16:creationId xmlns:a16="http://schemas.microsoft.com/office/drawing/2014/main" id="{32C70123-C357-191A-425C-1DCE5980F089}"/>
+              </a:ext>
+            </a:extLst>
+          </p:cNvPr>
+          <p:cNvSpPr>
+            <a:spLocks noGrp="1"/>
+          </p:cNvSpPr>
+          <p:nvPr>
+            <p:ph idx="1"/>
+          </p:nvPr>
+        </p:nvSpPr>
+        <p:spPr/>
+        <p:txBody>
+          <a:bodyPr>
+            <a:normAutofit fontScale="70000" lnSpcReduction="20000"/>
+          </a:bodyPr>
+          <a:lstStyle/>
+          <a:p>
+            <a:pPr marL="514350" indent="-514350">
+              <a:buAutoNum type="arabicPeriod"/>
+            </a:pPr>
+            <a:r>
+              <a:rPr lang="ko-KR" altLang="en-US" dirty="0"/>
+              <a:t>로그인을 하지 않아도</a:t>
+            </a:r>
+            <a:r>
+              <a:rPr lang="en-US" altLang="ko-KR" dirty="0"/>
+              <a:t>,  </a:t>
+            </a:r>
+            <a:r>
+              <a:rPr lang="en-US" altLang="ko-KR" dirty="0" err="1"/>
+              <a:t>loginSuccess</a:t>
+            </a:r>
+            <a:r>
+              <a:rPr lang="ko-KR" altLang="en-US" dirty="0"/>
+              <a:t>페이지로 들어갈 수 있다</a:t>
+            </a:r>
+            <a:r>
+              <a:rPr lang="en-US" altLang="ko-KR" dirty="0"/>
+              <a:t>.</a:t>
+            </a:r>
+          </a:p>
+          <a:p>
+            <a:pPr marL="0" indent="0">
+              <a:buNone/>
+            </a:pPr>
+            <a:r>
+              <a:rPr lang="en-US" altLang="ko-KR" dirty="0"/>
+              <a:t>    -&gt; </a:t>
+            </a:r>
+            <a:r>
+              <a:rPr lang="ko-KR" altLang="en-US" dirty="0"/>
+              <a:t>이는 세션</a:t>
+            </a:r>
+            <a:r>
+              <a:rPr lang="en-US" altLang="ko-KR" dirty="0"/>
+              <a:t> or </a:t>
+            </a:r>
+            <a:r>
+              <a:rPr lang="ko-KR" altLang="en-US" dirty="0"/>
+              <a:t>토큰 등의 방식으로 문제를 해결한다</a:t>
+            </a:r>
+            <a:r>
+              <a:rPr lang="en-US" altLang="ko-KR" dirty="0"/>
+              <a:t>.(</a:t>
+            </a:r>
+            <a:r>
+              <a:rPr lang="ko-KR" altLang="en-US" dirty="0"/>
+              <a:t>이 부분은 강의에 포함되지 않으니</a:t>
+            </a:r>
+            <a:r>
+              <a:rPr lang="en-US" altLang="ko-KR" dirty="0"/>
+              <a:t>, </a:t>
+            </a:r>
+            <a:r>
+              <a:rPr lang="ko-KR" altLang="en-US" dirty="0"/>
+              <a:t>로그인 기능을 구현할 때 따로 공부하자</a:t>
+            </a:r>
+            <a:r>
+              <a:rPr lang="en-US" altLang="ko-KR" dirty="0"/>
+              <a:t>.)</a:t>
+            </a:r>
+          </a:p>
+          <a:p>
+            <a:pPr marL="0" indent="0">
+              <a:buNone/>
+            </a:pPr>
+            <a:endParaRPr lang="en-US" altLang="ko-KR" dirty="0"/>
+          </a:p>
+          <a:p>
+            <a:pPr marL="0" indent="0">
+              <a:buNone/>
+            </a:pPr>
+            <a:r>
+              <a:rPr lang="en-US" altLang="ko-KR" dirty="0"/>
+              <a:t>2. Post </a:t>
+            </a:r>
+            <a:r>
+              <a:rPr lang="ko-KR" altLang="en-US" dirty="0"/>
+              <a:t>또한 회원정보를 안전하게 보내는 방법이 아니라고 했다</a:t>
+            </a:r>
+            <a:r>
+              <a:rPr lang="en-US" altLang="ko-KR" dirty="0"/>
+              <a:t>.</a:t>
+            </a:r>
+          </a:p>
+          <a:p>
+            <a:pPr marL="0" indent="0">
+              <a:buNone/>
+            </a:pPr>
+            <a:r>
+              <a:rPr lang="ko-KR" altLang="en-US" dirty="0"/>
+              <a:t>실제로는 비밀번호를 바로 보내지 않고 비밀번호를 </a:t>
+            </a:r>
+            <a:r>
+              <a:rPr lang="ko-KR" altLang="en-US" dirty="0" err="1"/>
+              <a:t>해쉬로</a:t>
+            </a:r>
+            <a:r>
+              <a:rPr lang="ko-KR" altLang="en-US" dirty="0"/>
+              <a:t> 암호화하여 아무도 원래 비밀번호를 알 수 없게 만들어 보낸다</a:t>
+            </a:r>
+            <a:r>
+              <a:rPr lang="en-US" altLang="ko-KR" dirty="0"/>
+              <a:t>.</a:t>
+            </a:r>
+          </a:p>
+          <a:p>
+            <a:pPr marL="0" indent="0">
+              <a:buNone/>
+            </a:pPr>
+            <a:r>
+              <a:rPr lang="ko-KR" altLang="en-US" dirty="0"/>
+              <a:t>예 </a:t>
+            </a:r>
+            <a:r>
+              <a:rPr lang="en-US" altLang="ko-KR" dirty="0"/>
+              <a:t>1111 -&gt; wqrwqqwe42w24qw21ywmoot32kwqeh92</a:t>
+            </a:r>
+          </a:p>
+          <a:p>
+            <a:pPr marL="0" indent="0">
+              <a:buNone/>
+            </a:pPr>
+            <a:endParaRPr lang="en-US" altLang="ko-KR" dirty="0"/>
+          </a:p>
+          <a:p>
+            <a:pPr marL="0" indent="0">
+              <a:buNone/>
+            </a:pPr>
+            <a:r>
+              <a:rPr lang="en-US" altLang="ko-KR" dirty="0"/>
+              <a:t>3. </a:t>
+            </a:r>
+            <a:r>
+              <a:rPr lang="ko-KR" altLang="en-US" dirty="0"/>
+              <a:t>회원 </a:t>
+            </a:r>
+            <a:r>
+              <a:rPr lang="en-US" altLang="ko-KR" dirty="0"/>
+              <a:t>list</a:t>
+            </a:r>
+            <a:r>
+              <a:rPr lang="ko-KR" altLang="en-US" dirty="0"/>
+              <a:t>는 서버 내부에 전역으로 </a:t>
+            </a:r>
+            <a:r>
+              <a:rPr lang="ko-KR" altLang="en-US" dirty="0" err="1"/>
+              <a:t>저장해두었다</a:t>
+            </a:r>
+            <a:r>
+              <a:rPr lang="en-US" altLang="ko-KR" dirty="0"/>
+              <a:t>. </a:t>
+            </a:r>
+            <a:r>
+              <a:rPr lang="ko-KR" altLang="en-US" dirty="0"/>
+              <a:t>하지만 서버에는 전역으로 변수를 두면 안된다</a:t>
+            </a:r>
+            <a:r>
+              <a:rPr lang="en-US" altLang="ko-KR" dirty="0"/>
+              <a:t>. </a:t>
+            </a:r>
+            <a:r>
+              <a:rPr lang="ko-KR" altLang="en-US" dirty="0"/>
+              <a:t>서버는 항상 </a:t>
+            </a:r>
+            <a:r>
+              <a:rPr lang="en-US" altLang="ko-KR" dirty="0"/>
+              <a:t>stateless</a:t>
+            </a:r>
+            <a:r>
+              <a:rPr lang="ko-KR" altLang="en-US" dirty="0"/>
+              <a:t>하게 설계해야 한다</a:t>
+            </a:r>
+            <a:r>
+              <a:rPr lang="en-US" altLang="ko-KR" dirty="0"/>
+              <a:t>. </a:t>
+            </a:r>
+            <a:r>
+              <a:rPr lang="ko-KR" altLang="en-US" dirty="0"/>
+              <a:t>이를 해결하기 위해 다음 주에는 </a:t>
+            </a:r>
+            <a:r>
+              <a:rPr lang="en-US" altLang="ko-KR" dirty="0" err="1"/>
+              <a:t>django</a:t>
+            </a:r>
+            <a:r>
+              <a:rPr lang="ko-KR" altLang="en-US" dirty="0"/>
+              <a:t>에서 </a:t>
+            </a:r>
+            <a:r>
+              <a:rPr lang="en-US" altLang="ko-KR" dirty="0"/>
+              <a:t>database</a:t>
+            </a:r>
+            <a:r>
+              <a:rPr lang="ko-KR" altLang="en-US" dirty="0"/>
+              <a:t>를 배울 예정</a:t>
+            </a:r>
+            <a:endParaRPr lang="en-US" altLang="ko-KR" dirty="0"/>
+          </a:p>
+          <a:p>
+            <a:pPr marL="0" indent="0">
+              <a:buNone/>
+            </a:pPr>
+            <a:endParaRPr lang="en-US" altLang="ko-KR" dirty="0"/>
+          </a:p>
+          <a:p>
+            <a:pPr marL="0" indent="0">
+              <a:buNone/>
+            </a:pPr>
+            <a:r>
+              <a:rPr lang="en-US" altLang="ko-KR" dirty="0"/>
+              <a:t>4. </a:t>
+            </a:r>
+            <a:r>
+              <a:rPr lang="ko-KR" altLang="en-US" dirty="0"/>
+              <a:t>회원정보가 서버를 다시 시작하면 사라진다</a:t>
+            </a:r>
+            <a:r>
+              <a:rPr lang="en-US" altLang="ko-KR" dirty="0"/>
+              <a:t>.</a:t>
+            </a:r>
+          </a:p>
+          <a:p>
+            <a:pPr marL="0" indent="0">
+              <a:buNone/>
+            </a:pPr>
+            <a:endParaRPr lang="ko-KR" altLang="en-US" dirty="0"/>
+          </a:p>
+        </p:txBody>
+      </p:sp>
+    </p:spTree>
+    <p:extLst>
+      <p:ext uri="{BB962C8B-B14F-4D97-AF65-F5344CB8AC3E}">
+        <p14:creationId xmlns:p14="http://schemas.microsoft.com/office/powerpoint/2010/main" val="1029874879"/>
       </p:ext>
     </p:extLst>
   </p:cSld>
@@ -7655,7 +10340,7 @@
             </a:pPr>
             <a:r>
               <a:rPr lang="en-US" altLang="ko-KR" dirty="0"/>
-              <a:t>hicc.co.kr/user/1/create</a:t>
+              <a:t>hicc.co.kr/user/create</a:t>
             </a:r>
           </a:p>
           <a:p>
